--- a/维多利亚的秘密/Victoria's Secret.pptx
+++ b/维多利亚的秘密/Victoria's Secret.pptx
@@ -5,21 +5,26 @@
     <p:sldMasterId id="2147483648" r:id="rId1"/>
   </p:sldMasterIdLst>
   <p:sldIdLst>
-    <p:sldId id="256" r:id="rId2"/>
+    <p:sldId id="273" r:id="rId2"/>
     <p:sldId id="257" r:id="rId3"/>
-    <p:sldId id="270" r:id="rId4"/>
-    <p:sldId id="262" r:id="rId5"/>
-    <p:sldId id="259" r:id="rId6"/>
-    <p:sldId id="267" r:id="rId7"/>
-    <p:sldId id="258" r:id="rId8"/>
-    <p:sldId id="268" r:id="rId9"/>
-    <p:sldId id="269" r:id="rId10"/>
-    <p:sldId id="261" r:id="rId11"/>
-    <p:sldId id="263" r:id="rId12"/>
-    <p:sldId id="264" r:id="rId13"/>
-    <p:sldId id="265" r:id="rId14"/>
-    <p:sldId id="266" r:id="rId15"/>
-    <p:sldId id="260" r:id="rId16"/>
+    <p:sldId id="288" r:id="rId4"/>
+    <p:sldId id="291" r:id="rId5"/>
+    <p:sldId id="289" r:id="rId6"/>
+    <p:sldId id="319" r:id="rId7"/>
+    <p:sldId id="320" r:id="rId8"/>
+    <p:sldId id="270" r:id="rId9"/>
+    <p:sldId id="343" r:id="rId10"/>
+    <p:sldId id="346" r:id="rId11"/>
+    <p:sldId id="347" r:id="rId12"/>
+    <p:sldId id="268" r:id="rId13"/>
+    <p:sldId id="269" r:id="rId14"/>
+    <p:sldId id="261" r:id="rId15"/>
+    <p:sldId id="263" r:id="rId16"/>
+    <p:sldId id="265" r:id="rId17"/>
+    <p:sldId id="264" r:id="rId18"/>
+    <p:sldId id="266" r:id="rId19"/>
+    <p:sldId id="260" r:id="rId20"/>
+    <p:sldId id="290" r:id="rId21"/>
   </p:sldIdLst>
   <p:sldSz cx="12192000" cy="6858000"/>
   <p:notesSz cx="6858000" cy="9144000"/>
@@ -168,10 +173,9 @@
           </a:lstStyle>
           <a:p>
             <a:r>
-              <a:rPr lang="zh-CN" altLang="en-US" smtClean="0"/>
+              <a:rPr lang="zh-CN" altLang="en-US"/>
               <a:t>单击此处编辑母版标题样式</a:t>
             </a:r>
-            <a:endParaRPr lang="zh-CN" altLang="en-US"/>
           </a:p>
         </p:txBody>
       </p:sp>
@@ -233,10 +237,9 @@
           </a:lstStyle>
           <a:p>
             <a:r>
-              <a:rPr lang="zh-CN" altLang="en-US" smtClean="0"/>
+              <a:rPr lang="zh-CN" altLang="en-US"/>
               <a:t>单击此处编辑母版副标题样式</a:t>
             </a:r>
-            <a:endParaRPr lang="zh-CN" altLang="en-US"/>
           </a:p>
         </p:txBody>
       </p:sp>
@@ -257,7 +260,7 @@
           <a:p>
             <a:fld id="{E3D5DBFD-CB2E-4626-ABE5-8EA39BF283CA}" type="datetimeFigureOut">
               <a:rPr lang="zh-CN" altLang="en-US" smtClean="0"/>
-              <a:t>2018/11/9</a:t>
+              <a:t>2018/12/1</a:t>
             </a:fld>
             <a:endParaRPr lang="zh-CN" altLang="en-US"/>
           </a:p>
@@ -351,10 +354,9 @@
           <a:lstStyle/>
           <a:p>
             <a:r>
-              <a:rPr lang="zh-CN" altLang="en-US" smtClean="0"/>
+              <a:rPr lang="zh-CN" altLang="en-US"/>
               <a:t>单击此处编辑母版标题样式</a:t>
             </a:r>
-            <a:endParaRPr lang="zh-CN" altLang="en-US"/>
           </a:p>
         </p:txBody>
       </p:sp>
@@ -375,38 +377,37 @@
           <a:p>
             <a:pPr lvl="0"/>
             <a:r>
-              <a:rPr lang="zh-CN" altLang="en-US" smtClean="0"/>
+              <a:rPr lang="zh-CN" altLang="en-US"/>
               <a:t>单击此处编辑母版文本样式</a:t>
             </a:r>
           </a:p>
           <a:p>
             <a:pPr lvl="1"/>
             <a:r>
-              <a:rPr lang="zh-CN" altLang="en-US" smtClean="0"/>
+              <a:rPr lang="zh-CN" altLang="en-US"/>
               <a:t>第二级</a:t>
             </a:r>
           </a:p>
           <a:p>
             <a:pPr lvl="2"/>
             <a:r>
-              <a:rPr lang="zh-CN" altLang="en-US" smtClean="0"/>
+              <a:rPr lang="zh-CN" altLang="en-US"/>
               <a:t>第三级</a:t>
             </a:r>
           </a:p>
           <a:p>
             <a:pPr lvl="3"/>
             <a:r>
-              <a:rPr lang="zh-CN" altLang="en-US" smtClean="0"/>
+              <a:rPr lang="zh-CN" altLang="en-US"/>
               <a:t>第四级</a:t>
             </a:r>
           </a:p>
           <a:p>
             <a:pPr lvl="4"/>
             <a:r>
-              <a:rPr lang="zh-CN" altLang="en-US" smtClean="0"/>
+              <a:rPr lang="zh-CN" altLang="en-US"/>
               <a:t>第五级</a:t>
             </a:r>
-            <a:endParaRPr lang="zh-CN" altLang="en-US"/>
           </a:p>
         </p:txBody>
       </p:sp>
@@ -427,7 +428,7 @@
           <a:p>
             <a:fld id="{E3D5DBFD-CB2E-4626-ABE5-8EA39BF283CA}" type="datetimeFigureOut">
               <a:rPr lang="zh-CN" altLang="en-US" smtClean="0"/>
-              <a:t>2018/11/9</a:t>
+              <a:t>2018/12/1</a:t>
             </a:fld>
             <a:endParaRPr lang="zh-CN" altLang="en-US"/>
           </a:p>
@@ -526,10 +527,9 @@
           <a:lstStyle/>
           <a:p>
             <a:r>
-              <a:rPr lang="zh-CN" altLang="en-US" smtClean="0"/>
+              <a:rPr lang="zh-CN" altLang="en-US"/>
               <a:t>单击此处编辑母版标题样式</a:t>
             </a:r>
-            <a:endParaRPr lang="zh-CN" altLang="en-US"/>
           </a:p>
         </p:txBody>
       </p:sp>
@@ -555,38 +555,37 @@
           <a:p>
             <a:pPr lvl="0"/>
             <a:r>
-              <a:rPr lang="zh-CN" altLang="en-US" smtClean="0"/>
+              <a:rPr lang="zh-CN" altLang="en-US"/>
               <a:t>单击此处编辑母版文本样式</a:t>
             </a:r>
           </a:p>
           <a:p>
             <a:pPr lvl="1"/>
             <a:r>
-              <a:rPr lang="zh-CN" altLang="en-US" smtClean="0"/>
+              <a:rPr lang="zh-CN" altLang="en-US"/>
               <a:t>第二级</a:t>
             </a:r>
           </a:p>
           <a:p>
             <a:pPr lvl="2"/>
             <a:r>
-              <a:rPr lang="zh-CN" altLang="en-US" smtClean="0"/>
+              <a:rPr lang="zh-CN" altLang="en-US"/>
               <a:t>第三级</a:t>
             </a:r>
           </a:p>
           <a:p>
             <a:pPr lvl="3"/>
             <a:r>
-              <a:rPr lang="zh-CN" altLang="en-US" smtClean="0"/>
+              <a:rPr lang="zh-CN" altLang="en-US"/>
               <a:t>第四级</a:t>
             </a:r>
           </a:p>
           <a:p>
             <a:pPr lvl="4"/>
             <a:r>
-              <a:rPr lang="zh-CN" altLang="en-US" smtClean="0"/>
+              <a:rPr lang="zh-CN" altLang="en-US"/>
               <a:t>第五级</a:t>
             </a:r>
-            <a:endParaRPr lang="zh-CN" altLang="en-US"/>
           </a:p>
         </p:txBody>
       </p:sp>
@@ -607,7 +606,7 @@
           <a:p>
             <a:fld id="{E3D5DBFD-CB2E-4626-ABE5-8EA39BF283CA}" type="datetimeFigureOut">
               <a:rPr lang="zh-CN" altLang="en-US" smtClean="0"/>
-              <a:t>2018/11/9</a:t>
+              <a:t>2018/12/1</a:t>
             </a:fld>
             <a:endParaRPr lang="zh-CN" altLang="en-US"/>
           </a:p>
@@ -659,6 +658,279 @@
     <p:extLst>
       <p:ext uri="{BB962C8B-B14F-4D97-AF65-F5344CB8AC3E}">
         <p14:creationId xmlns:p14="http://schemas.microsoft.com/office/powerpoint/2010/main" val="3129295766"/>
+      </p:ext>
+    </p:extLst>
+  </p:cSld>
+  <p:clrMapOvr>
+    <a:masterClrMapping/>
+  </p:clrMapOvr>
+</p:sldLayout>
+</file>
+
+<file path=ppt/slideLayouts/slideLayout12.xml><?xml version="1.0" encoding="utf-8"?>
+<p:sldLayout xmlns:a="http://schemas.openxmlformats.org/drawingml/2006/main" xmlns:r="http://schemas.openxmlformats.org/officeDocument/2006/relationships" xmlns:p="http://schemas.openxmlformats.org/presentationml/2006/main" type="txAndObj">
+  <p:cSld name="标题，文本与内容">
+    <p:spTree>
+      <p:nvGrpSpPr>
+        <p:cNvPr id="1" name=""/>
+        <p:cNvGrpSpPr/>
+        <p:nvPr/>
+      </p:nvGrpSpPr>
+      <p:grpSpPr>
+        <a:xfrm>
+          <a:off x="0" y="0"/>
+          <a:ext cx="0" cy="0"/>
+          <a:chOff x="0" y="0"/>
+          <a:chExt cx="0" cy="0"/>
+        </a:xfrm>
+      </p:grpSpPr>
+      <p:sp>
+        <p:nvSpPr>
+          <p:cNvPr id="2" name="标题 1"/>
+          <p:cNvSpPr>
+            <a:spLocks noGrp="1"/>
+          </p:cNvSpPr>
+          <p:nvPr>
+            <p:ph type="title"/>
+          </p:nvPr>
+        </p:nvSpPr>
+        <p:spPr>
+          <a:xfrm>
+            <a:off x="571501" y="284163"/>
+            <a:ext cx="8978900" cy="944562"/>
+          </a:xfrm>
+        </p:spPr>
+        <p:txBody>
+          <a:bodyPr/>
+          <a:lstStyle/>
+          <a:p>
+            <a:r>
+              <a:rPr lang="zh-CN" altLang="en-US"/>
+              <a:t>单击此处编辑母版标题样式</a:t>
+            </a:r>
+          </a:p>
+        </p:txBody>
+      </p:sp>
+      <p:sp>
+        <p:nvSpPr>
+          <p:cNvPr id="3" name="文本占位符 2"/>
+          <p:cNvSpPr>
+            <a:spLocks noGrp="1"/>
+          </p:cNvSpPr>
+          <p:nvPr>
+            <p:ph type="body" sz="half" idx="1"/>
+          </p:nvPr>
+        </p:nvSpPr>
+        <p:spPr>
+          <a:xfrm>
+            <a:off x="609600" y="1600201"/>
+            <a:ext cx="5384800" cy="4525963"/>
+          </a:xfrm>
+        </p:spPr>
+        <p:txBody>
+          <a:bodyPr/>
+          <a:lstStyle/>
+          <a:p>
+            <a:pPr lvl="0"/>
+            <a:r>
+              <a:rPr lang="zh-CN" altLang="en-US"/>
+              <a:t>单击此处编辑母版文本样式</a:t>
+            </a:r>
+          </a:p>
+          <a:p>
+            <a:pPr lvl="1"/>
+            <a:r>
+              <a:rPr lang="zh-CN" altLang="en-US"/>
+              <a:t>第二级</a:t>
+            </a:r>
+          </a:p>
+          <a:p>
+            <a:pPr lvl="2"/>
+            <a:r>
+              <a:rPr lang="zh-CN" altLang="en-US"/>
+              <a:t>第三级</a:t>
+            </a:r>
+          </a:p>
+          <a:p>
+            <a:pPr lvl="3"/>
+            <a:r>
+              <a:rPr lang="zh-CN" altLang="en-US"/>
+              <a:t>第四级</a:t>
+            </a:r>
+          </a:p>
+          <a:p>
+            <a:pPr lvl="4"/>
+            <a:r>
+              <a:rPr lang="zh-CN" altLang="en-US"/>
+              <a:t>第五级</a:t>
+            </a:r>
+          </a:p>
+        </p:txBody>
+      </p:sp>
+      <p:sp>
+        <p:nvSpPr>
+          <p:cNvPr id="4" name="内容占位符 3"/>
+          <p:cNvSpPr>
+            <a:spLocks noGrp="1"/>
+          </p:cNvSpPr>
+          <p:nvPr>
+            <p:ph sz="half" idx="2"/>
+          </p:nvPr>
+        </p:nvSpPr>
+        <p:spPr>
+          <a:xfrm>
+            <a:off x="6197600" y="1600201"/>
+            <a:ext cx="5384800" cy="4525963"/>
+          </a:xfrm>
+        </p:spPr>
+        <p:txBody>
+          <a:bodyPr/>
+          <a:lstStyle/>
+          <a:p>
+            <a:pPr lvl="0"/>
+            <a:r>
+              <a:rPr lang="zh-CN" altLang="en-US"/>
+              <a:t>单击此处编辑母版文本样式</a:t>
+            </a:r>
+          </a:p>
+          <a:p>
+            <a:pPr lvl="1"/>
+            <a:r>
+              <a:rPr lang="zh-CN" altLang="en-US"/>
+              <a:t>第二级</a:t>
+            </a:r>
+          </a:p>
+          <a:p>
+            <a:pPr lvl="2"/>
+            <a:r>
+              <a:rPr lang="zh-CN" altLang="en-US"/>
+              <a:t>第三级</a:t>
+            </a:r>
+          </a:p>
+          <a:p>
+            <a:pPr lvl="3"/>
+            <a:r>
+              <a:rPr lang="zh-CN" altLang="en-US"/>
+              <a:t>第四级</a:t>
+            </a:r>
+          </a:p>
+          <a:p>
+            <a:pPr lvl="4"/>
+            <a:r>
+              <a:rPr lang="zh-CN" altLang="en-US"/>
+              <a:t>第五级</a:t>
+            </a:r>
+          </a:p>
+        </p:txBody>
+      </p:sp>
+      <p:sp>
+        <p:nvSpPr>
+          <p:cNvPr id="5" name="Rectangle 4">
+            <a:extLst>
+              <a:ext uri="{FF2B5EF4-FFF2-40B4-BE49-F238E27FC236}">
+                <a16:creationId xmlns:a16="http://schemas.microsoft.com/office/drawing/2014/main" id="{34F71323-D4B3-4BEB-A2BE-03D11F12DC84}"/>
+              </a:ext>
+            </a:extLst>
+          </p:cNvPr>
+          <p:cNvSpPr>
+            <a:spLocks noGrp="1" noChangeArrowheads="1"/>
+          </p:cNvSpPr>
+          <p:nvPr>
+            <p:ph type="dt" sz="half" idx="10"/>
+          </p:nvPr>
+        </p:nvSpPr>
+        <p:spPr>
+          <a:ln/>
+        </p:spPr>
+        <p:txBody>
+          <a:bodyPr/>
+          <a:lstStyle>
+            <a:lvl1pPr>
+              <a:defRPr/>
+            </a:lvl1pPr>
+          </a:lstStyle>
+          <a:p>
+            <a:pPr>
+              <a:defRPr/>
+            </a:pPr>
+            <a:endParaRPr lang="en-US" altLang="zh-CN"/>
+          </a:p>
+        </p:txBody>
+      </p:sp>
+      <p:sp>
+        <p:nvSpPr>
+          <p:cNvPr id="6" name="Rectangle 5">
+            <a:extLst>
+              <a:ext uri="{FF2B5EF4-FFF2-40B4-BE49-F238E27FC236}">
+                <a16:creationId xmlns:a16="http://schemas.microsoft.com/office/drawing/2014/main" id="{01E6EFDB-8190-446C-A9E8-B79DDF104D5E}"/>
+              </a:ext>
+            </a:extLst>
+          </p:cNvPr>
+          <p:cNvSpPr>
+            <a:spLocks noGrp="1" noChangeArrowheads="1"/>
+          </p:cNvSpPr>
+          <p:nvPr>
+            <p:ph type="ftr" sz="quarter" idx="11"/>
+          </p:nvPr>
+        </p:nvSpPr>
+        <p:spPr>
+          <a:ln/>
+        </p:spPr>
+        <p:txBody>
+          <a:bodyPr/>
+          <a:lstStyle>
+            <a:lvl1pPr>
+              <a:defRPr/>
+            </a:lvl1pPr>
+          </a:lstStyle>
+          <a:p>
+            <a:pPr>
+              <a:defRPr/>
+            </a:pPr>
+            <a:endParaRPr lang="en-US" altLang="zh-CN"/>
+          </a:p>
+        </p:txBody>
+      </p:sp>
+      <p:sp>
+        <p:nvSpPr>
+          <p:cNvPr id="7" name="Rectangle 6">
+            <a:extLst>
+              <a:ext uri="{FF2B5EF4-FFF2-40B4-BE49-F238E27FC236}">
+                <a16:creationId xmlns:a16="http://schemas.microsoft.com/office/drawing/2014/main" id="{B37A284A-A7D8-4CC5-ABA9-123390E3D2ED}"/>
+              </a:ext>
+            </a:extLst>
+          </p:cNvPr>
+          <p:cNvSpPr>
+            <a:spLocks noGrp="1" noChangeArrowheads="1"/>
+          </p:cNvSpPr>
+          <p:nvPr>
+            <p:ph type="sldNum" sz="quarter" idx="12"/>
+          </p:nvPr>
+        </p:nvSpPr>
+        <p:spPr>
+          <a:ln/>
+        </p:spPr>
+        <p:txBody>
+          <a:bodyPr/>
+          <a:lstStyle>
+            <a:lvl1pPr>
+              <a:defRPr/>
+            </a:lvl1pPr>
+          </a:lstStyle>
+          <a:p>
+            <a:fld id="{BE05F717-B5E6-4522-8903-D985FB1FC4FB}" type="slidenum">
+              <a:rPr lang="zh-CN" altLang="en-US"/>
+              <a:pPr/>
+              <a:t>‹#›</a:t>
+            </a:fld>
+            <a:endParaRPr lang="en-US" altLang="zh-CN"/>
+          </a:p>
+        </p:txBody>
+      </p:sp>
+    </p:spTree>
+    <p:extLst>
+      <p:ext uri="{BB962C8B-B14F-4D97-AF65-F5344CB8AC3E}">
+        <p14:creationId xmlns:p14="http://schemas.microsoft.com/office/powerpoint/2010/main" val="2522380102"/>
       </p:ext>
     </p:extLst>
   </p:cSld>
@@ -701,10 +973,9 @@
           <a:lstStyle/>
           <a:p>
             <a:r>
-              <a:rPr lang="zh-CN" altLang="en-US" smtClean="0"/>
+              <a:rPr lang="zh-CN" altLang="en-US"/>
               <a:t>单击此处编辑母版标题样式</a:t>
             </a:r>
-            <a:endParaRPr lang="zh-CN" altLang="en-US"/>
           </a:p>
         </p:txBody>
       </p:sp>
@@ -725,38 +996,37 @@
           <a:p>
             <a:pPr lvl="0"/>
             <a:r>
-              <a:rPr lang="zh-CN" altLang="en-US" smtClean="0"/>
+              <a:rPr lang="zh-CN" altLang="en-US"/>
               <a:t>单击此处编辑母版文本样式</a:t>
             </a:r>
           </a:p>
           <a:p>
             <a:pPr lvl="1"/>
             <a:r>
-              <a:rPr lang="zh-CN" altLang="en-US" smtClean="0"/>
+              <a:rPr lang="zh-CN" altLang="en-US"/>
               <a:t>第二级</a:t>
             </a:r>
           </a:p>
           <a:p>
             <a:pPr lvl="2"/>
             <a:r>
-              <a:rPr lang="zh-CN" altLang="en-US" smtClean="0"/>
+              <a:rPr lang="zh-CN" altLang="en-US"/>
               <a:t>第三级</a:t>
             </a:r>
           </a:p>
           <a:p>
             <a:pPr lvl="3"/>
             <a:r>
-              <a:rPr lang="zh-CN" altLang="en-US" smtClean="0"/>
+              <a:rPr lang="zh-CN" altLang="en-US"/>
               <a:t>第四级</a:t>
             </a:r>
           </a:p>
           <a:p>
             <a:pPr lvl="4"/>
             <a:r>
-              <a:rPr lang="zh-CN" altLang="en-US" smtClean="0"/>
+              <a:rPr lang="zh-CN" altLang="en-US"/>
               <a:t>第五级</a:t>
             </a:r>
-            <a:endParaRPr lang="zh-CN" altLang="en-US"/>
           </a:p>
         </p:txBody>
       </p:sp>
@@ -777,7 +1047,7 @@
           <a:p>
             <a:fld id="{E3D5DBFD-CB2E-4626-ABE5-8EA39BF283CA}" type="datetimeFigureOut">
               <a:rPr lang="zh-CN" altLang="en-US" smtClean="0"/>
-              <a:t>2018/11/9</a:t>
+              <a:t>2018/12/1</a:t>
             </a:fld>
             <a:endParaRPr lang="zh-CN" altLang="en-US"/>
           </a:p>
@@ -880,10 +1150,9 @@
           </a:lstStyle>
           <a:p>
             <a:r>
-              <a:rPr lang="zh-CN" altLang="en-US" smtClean="0"/>
+              <a:rPr lang="zh-CN" altLang="en-US"/>
               <a:t>单击此处编辑母版标题样式</a:t>
             </a:r>
-            <a:endParaRPr lang="zh-CN" altLang="en-US"/>
           </a:p>
         </p:txBody>
       </p:sp>
@@ -1000,7 +1269,7 @@
           <a:p>
             <a:pPr lvl="0"/>
             <a:r>
-              <a:rPr lang="zh-CN" altLang="en-US" smtClean="0"/>
+              <a:rPr lang="zh-CN" altLang="en-US"/>
               <a:t>单击此处编辑母版文本样式</a:t>
             </a:r>
           </a:p>
@@ -1023,7 +1292,7 @@
           <a:p>
             <a:fld id="{E3D5DBFD-CB2E-4626-ABE5-8EA39BF283CA}" type="datetimeFigureOut">
               <a:rPr lang="zh-CN" altLang="en-US" smtClean="0"/>
-              <a:t>2018/11/9</a:t>
+              <a:t>2018/12/1</a:t>
             </a:fld>
             <a:endParaRPr lang="zh-CN" altLang="en-US"/>
           </a:p>
@@ -1117,10 +1386,9 @@
           <a:lstStyle/>
           <a:p>
             <a:r>
-              <a:rPr lang="zh-CN" altLang="en-US" smtClean="0"/>
+              <a:rPr lang="zh-CN" altLang="en-US"/>
               <a:t>单击此处编辑母版标题样式</a:t>
             </a:r>
-            <a:endParaRPr lang="zh-CN" altLang="en-US"/>
           </a:p>
         </p:txBody>
       </p:sp>
@@ -1146,38 +1414,37 @@
           <a:p>
             <a:pPr lvl="0"/>
             <a:r>
-              <a:rPr lang="zh-CN" altLang="en-US" smtClean="0"/>
+              <a:rPr lang="zh-CN" altLang="en-US"/>
               <a:t>单击此处编辑母版文本样式</a:t>
             </a:r>
           </a:p>
           <a:p>
             <a:pPr lvl="1"/>
             <a:r>
-              <a:rPr lang="zh-CN" altLang="en-US" smtClean="0"/>
+              <a:rPr lang="zh-CN" altLang="en-US"/>
               <a:t>第二级</a:t>
             </a:r>
           </a:p>
           <a:p>
             <a:pPr lvl="2"/>
             <a:r>
-              <a:rPr lang="zh-CN" altLang="en-US" smtClean="0"/>
+              <a:rPr lang="zh-CN" altLang="en-US"/>
               <a:t>第三级</a:t>
             </a:r>
           </a:p>
           <a:p>
             <a:pPr lvl="3"/>
             <a:r>
-              <a:rPr lang="zh-CN" altLang="en-US" smtClean="0"/>
+              <a:rPr lang="zh-CN" altLang="en-US"/>
               <a:t>第四级</a:t>
             </a:r>
           </a:p>
           <a:p>
             <a:pPr lvl="4"/>
             <a:r>
-              <a:rPr lang="zh-CN" altLang="en-US" smtClean="0"/>
+              <a:rPr lang="zh-CN" altLang="en-US"/>
               <a:t>第五级</a:t>
             </a:r>
-            <a:endParaRPr lang="zh-CN" altLang="en-US"/>
           </a:p>
         </p:txBody>
       </p:sp>
@@ -1203,38 +1470,37 @@
           <a:p>
             <a:pPr lvl="0"/>
             <a:r>
-              <a:rPr lang="zh-CN" altLang="en-US" smtClean="0"/>
+              <a:rPr lang="zh-CN" altLang="en-US"/>
               <a:t>单击此处编辑母版文本样式</a:t>
             </a:r>
           </a:p>
           <a:p>
             <a:pPr lvl="1"/>
             <a:r>
-              <a:rPr lang="zh-CN" altLang="en-US" smtClean="0"/>
+              <a:rPr lang="zh-CN" altLang="en-US"/>
               <a:t>第二级</a:t>
             </a:r>
           </a:p>
           <a:p>
             <a:pPr lvl="2"/>
             <a:r>
-              <a:rPr lang="zh-CN" altLang="en-US" smtClean="0"/>
+              <a:rPr lang="zh-CN" altLang="en-US"/>
               <a:t>第三级</a:t>
             </a:r>
           </a:p>
           <a:p>
             <a:pPr lvl="3"/>
             <a:r>
-              <a:rPr lang="zh-CN" altLang="en-US" smtClean="0"/>
+              <a:rPr lang="zh-CN" altLang="en-US"/>
               <a:t>第四级</a:t>
             </a:r>
           </a:p>
           <a:p>
             <a:pPr lvl="4"/>
             <a:r>
-              <a:rPr lang="zh-CN" altLang="en-US" smtClean="0"/>
+              <a:rPr lang="zh-CN" altLang="en-US"/>
               <a:t>第五级</a:t>
             </a:r>
-            <a:endParaRPr lang="zh-CN" altLang="en-US"/>
           </a:p>
         </p:txBody>
       </p:sp>
@@ -1255,7 +1521,7 @@
           <a:p>
             <a:fld id="{E3D5DBFD-CB2E-4626-ABE5-8EA39BF283CA}" type="datetimeFigureOut">
               <a:rPr lang="zh-CN" altLang="en-US" smtClean="0"/>
-              <a:t>2018/11/9</a:t>
+              <a:t>2018/12/1</a:t>
             </a:fld>
             <a:endParaRPr lang="zh-CN" altLang="en-US"/>
           </a:p>
@@ -1354,10 +1620,9 @@
           <a:lstStyle/>
           <a:p>
             <a:r>
-              <a:rPr lang="zh-CN" altLang="en-US" smtClean="0"/>
+              <a:rPr lang="zh-CN" altLang="en-US"/>
               <a:t>单击此处编辑母版标题样式</a:t>
             </a:r>
-            <a:endParaRPr lang="zh-CN" altLang="en-US"/>
           </a:p>
         </p:txBody>
       </p:sp>
@@ -1420,7 +1685,7 @@
           <a:p>
             <a:pPr lvl="0"/>
             <a:r>
-              <a:rPr lang="zh-CN" altLang="en-US" smtClean="0"/>
+              <a:rPr lang="zh-CN" altLang="en-US"/>
               <a:t>单击此处编辑母版文本样式</a:t>
             </a:r>
           </a:p>
@@ -1448,38 +1713,37 @@
           <a:p>
             <a:pPr lvl="0"/>
             <a:r>
-              <a:rPr lang="zh-CN" altLang="en-US" smtClean="0"/>
+              <a:rPr lang="zh-CN" altLang="en-US"/>
               <a:t>单击此处编辑母版文本样式</a:t>
             </a:r>
           </a:p>
           <a:p>
             <a:pPr lvl="1"/>
             <a:r>
-              <a:rPr lang="zh-CN" altLang="en-US" smtClean="0"/>
+              <a:rPr lang="zh-CN" altLang="en-US"/>
               <a:t>第二级</a:t>
             </a:r>
           </a:p>
           <a:p>
             <a:pPr lvl="2"/>
             <a:r>
-              <a:rPr lang="zh-CN" altLang="en-US" smtClean="0"/>
+              <a:rPr lang="zh-CN" altLang="en-US"/>
               <a:t>第三级</a:t>
             </a:r>
           </a:p>
           <a:p>
             <a:pPr lvl="3"/>
             <a:r>
-              <a:rPr lang="zh-CN" altLang="en-US" smtClean="0"/>
+              <a:rPr lang="zh-CN" altLang="en-US"/>
               <a:t>第四级</a:t>
             </a:r>
           </a:p>
           <a:p>
             <a:pPr lvl="4"/>
             <a:r>
-              <a:rPr lang="zh-CN" altLang="en-US" smtClean="0"/>
+              <a:rPr lang="zh-CN" altLang="en-US"/>
               <a:t>第五级</a:t>
             </a:r>
-            <a:endParaRPr lang="zh-CN" altLang="en-US"/>
           </a:p>
         </p:txBody>
       </p:sp>
@@ -1542,7 +1806,7 @@
           <a:p>
             <a:pPr lvl="0"/>
             <a:r>
-              <a:rPr lang="zh-CN" altLang="en-US" smtClean="0"/>
+              <a:rPr lang="zh-CN" altLang="en-US"/>
               <a:t>单击此处编辑母版文本样式</a:t>
             </a:r>
           </a:p>
@@ -1570,38 +1834,37 @@
           <a:p>
             <a:pPr lvl="0"/>
             <a:r>
-              <a:rPr lang="zh-CN" altLang="en-US" smtClean="0"/>
+              <a:rPr lang="zh-CN" altLang="en-US"/>
               <a:t>单击此处编辑母版文本样式</a:t>
             </a:r>
           </a:p>
           <a:p>
             <a:pPr lvl="1"/>
             <a:r>
-              <a:rPr lang="zh-CN" altLang="en-US" smtClean="0"/>
+              <a:rPr lang="zh-CN" altLang="en-US"/>
               <a:t>第二级</a:t>
             </a:r>
           </a:p>
           <a:p>
             <a:pPr lvl="2"/>
             <a:r>
-              <a:rPr lang="zh-CN" altLang="en-US" smtClean="0"/>
+              <a:rPr lang="zh-CN" altLang="en-US"/>
               <a:t>第三级</a:t>
             </a:r>
           </a:p>
           <a:p>
             <a:pPr lvl="3"/>
             <a:r>
-              <a:rPr lang="zh-CN" altLang="en-US" smtClean="0"/>
+              <a:rPr lang="zh-CN" altLang="en-US"/>
               <a:t>第四级</a:t>
             </a:r>
           </a:p>
           <a:p>
             <a:pPr lvl="4"/>
             <a:r>
-              <a:rPr lang="zh-CN" altLang="en-US" smtClean="0"/>
+              <a:rPr lang="zh-CN" altLang="en-US"/>
               <a:t>第五级</a:t>
             </a:r>
-            <a:endParaRPr lang="zh-CN" altLang="en-US"/>
           </a:p>
         </p:txBody>
       </p:sp>
@@ -1622,7 +1885,7 @@
           <a:p>
             <a:fld id="{E3D5DBFD-CB2E-4626-ABE5-8EA39BF283CA}" type="datetimeFigureOut">
               <a:rPr lang="zh-CN" altLang="en-US" smtClean="0"/>
-              <a:t>2018/11/9</a:t>
+              <a:t>2018/12/1</a:t>
             </a:fld>
             <a:endParaRPr lang="zh-CN" altLang="en-US"/>
           </a:p>
@@ -1716,10 +1979,9 @@
           <a:lstStyle/>
           <a:p>
             <a:r>
-              <a:rPr lang="zh-CN" altLang="en-US" smtClean="0"/>
+              <a:rPr lang="zh-CN" altLang="en-US"/>
               <a:t>单击此处编辑母版标题样式</a:t>
             </a:r>
-            <a:endParaRPr lang="zh-CN" altLang="en-US"/>
           </a:p>
         </p:txBody>
       </p:sp>
@@ -1740,7 +2002,7 @@
           <a:p>
             <a:fld id="{E3D5DBFD-CB2E-4626-ABE5-8EA39BF283CA}" type="datetimeFigureOut">
               <a:rPr lang="zh-CN" altLang="en-US" smtClean="0"/>
-              <a:t>2018/11/9</a:t>
+              <a:t>2018/12/1</a:t>
             </a:fld>
             <a:endParaRPr lang="zh-CN" altLang="en-US"/>
           </a:p>
@@ -1835,7 +2097,7 @@
           <a:p>
             <a:fld id="{E3D5DBFD-CB2E-4626-ABE5-8EA39BF283CA}" type="datetimeFigureOut">
               <a:rPr lang="zh-CN" altLang="en-US" smtClean="0"/>
-              <a:t>2018/11/9</a:t>
+              <a:t>2018/12/1</a:t>
             </a:fld>
             <a:endParaRPr lang="zh-CN" altLang="en-US"/>
           </a:p>
@@ -1938,10 +2200,9 @@
           </a:lstStyle>
           <a:p>
             <a:r>
-              <a:rPr lang="zh-CN" altLang="en-US" smtClean="0"/>
+              <a:rPr lang="zh-CN" altLang="en-US"/>
               <a:t>单击此处编辑母版标题样式</a:t>
             </a:r>
-            <a:endParaRPr lang="zh-CN" altLang="en-US"/>
           </a:p>
         </p:txBody>
       </p:sp>
@@ -1995,38 +2256,37 @@
           <a:p>
             <a:pPr lvl="0"/>
             <a:r>
-              <a:rPr lang="zh-CN" altLang="en-US" smtClean="0"/>
+              <a:rPr lang="zh-CN" altLang="en-US"/>
               <a:t>单击此处编辑母版文本样式</a:t>
             </a:r>
           </a:p>
           <a:p>
             <a:pPr lvl="1"/>
             <a:r>
-              <a:rPr lang="zh-CN" altLang="en-US" smtClean="0"/>
+              <a:rPr lang="zh-CN" altLang="en-US"/>
               <a:t>第二级</a:t>
             </a:r>
           </a:p>
           <a:p>
             <a:pPr lvl="2"/>
             <a:r>
-              <a:rPr lang="zh-CN" altLang="en-US" smtClean="0"/>
+              <a:rPr lang="zh-CN" altLang="en-US"/>
               <a:t>第三级</a:t>
             </a:r>
           </a:p>
           <a:p>
             <a:pPr lvl="3"/>
             <a:r>
-              <a:rPr lang="zh-CN" altLang="en-US" smtClean="0"/>
+              <a:rPr lang="zh-CN" altLang="en-US"/>
               <a:t>第四级</a:t>
             </a:r>
           </a:p>
           <a:p>
             <a:pPr lvl="4"/>
             <a:r>
-              <a:rPr lang="zh-CN" altLang="en-US" smtClean="0"/>
+              <a:rPr lang="zh-CN" altLang="en-US"/>
               <a:t>第五级</a:t>
             </a:r>
-            <a:endParaRPr lang="zh-CN" altLang="en-US"/>
           </a:p>
         </p:txBody>
       </p:sp>
@@ -2089,7 +2349,7 @@
           <a:p>
             <a:pPr lvl="0"/>
             <a:r>
-              <a:rPr lang="zh-CN" altLang="en-US" smtClean="0"/>
+              <a:rPr lang="zh-CN" altLang="en-US"/>
               <a:t>单击此处编辑母版文本样式</a:t>
             </a:r>
           </a:p>
@@ -2112,7 +2372,7 @@
           <a:p>
             <a:fld id="{E3D5DBFD-CB2E-4626-ABE5-8EA39BF283CA}" type="datetimeFigureOut">
               <a:rPr lang="zh-CN" altLang="en-US" smtClean="0"/>
-              <a:t>2018/11/9</a:t>
+              <a:t>2018/12/1</a:t>
             </a:fld>
             <a:endParaRPr lang="zh-CN" altLang="en-US"/>
           </a:p>
@@ -2215,10 +2475,9 @@
           </a:lstStyle>
           <a:p>
             <a:r>
-              <a:rPr lang="zh-CN" altLang="en-US" smtClean="0"/>
+              <a:rPr lang="zh-CN" altLang="en-US"/>
               <a:t>单击此处编辑母版标题样式</a:t>
             </a:r>
-            <a:endParaRPr lang="zh-CN" altLang="en-US"/>
           </a:p>
         </p:txBody>
       </p:sp>
@@ -2342,7 +2601,7 @@
           <a:p>
             <a:pPr lvl="0"/>
             <a:r>
-              <a:rPr lang="zh-CN" altLang="en-US" smtClean="0"/>
+              <a:rPr lang="zh-CN" altLang="en-US"/>
               <a:t>单击此处编辑母版文本样式</a:t>
             </a:r>
           </a:p>
@@ -2365,7 +2624,7 @@
           <a:p>
             <a:fld id="{E3D5DBFD-CB2E-4626-ABE5-8EA39BF283CA}" type="datetimeFigureOut">
               <a:rPr lang="zh-CN" altLang="en-US" smtClean="0"/>
-              <a:t>2018/11/9</a:t>
+              <a:t>2018/12/1</a:t>
             </a:fld>
             <a:endParaRPr lang="zh-CN" altLang="en-US"/>
           </a:p>
@@ -2474,10 +2733,9 @@
           <a:lstStyle/>
           <a:p>
             <a:r>
-              <a:rPr lang="zh-CN" altLang="en-US" smtClean="0"/>
+              <a:rPr lang="zh-CN" altLang="en-US"/>
               <a:t>单击此处编辑母版标题样式</a:t>
             </a:r>
-            <a:endParaRPr lang="zh-CN" altLang="en-US"/>
           </a:p>
         </p:txBody>
       </p:sp>
@@ -2508,38 +2766,37 @@
           <a:p>
             <a:pPr lvl="0"/>
             <a:r>
-              <a:rPr lang="zh-CN" altLang="en-US" smtClean="0"/>
+              <a:rPr lang="zh-CN" altLang="en-US"/>
               <a:t>单击此处编辑母版文本样式</a:t>
             </a:r>
           </a:p>
           <a:p>
             <a:pPr lvl="1"/>
             <a:r>
-              <a:rPr lang="zh-CN" altLang="en-US" smtClean="0"/>
+              <a:rPr lang="zh-CN" altLang="en-US"/>
               <a:t>第二级</a:t>
             </a:r>
           </a:p>
           <a:p>
             <a:pPr lvl="2"/>
             <a:r>
-              <a:rPr lang="zh-CN" altLang="en-US" smtClean="0"/>
+              <a:rPr lang="zh-CN" altLang="en-US"/>
               <a:t>第三级</a:t>
             </a:r>
           </a:p>
           <a:p>
             <a:pPr lvl="3"/>
             <a:r>
-              <a:rPr lang="zh-CN" altLang="en-US" smtClean="0"/>
+              <a:rPr lang="zh-CN" altLang="en-US"/>
               <a:t>第四级</a:t>
             </a:r>
           </a:p>
           <a:p>
             <a:pPr lvl="4"/>
             <a:r>
-              <a:rPr lang="zh-CN" altLang="en-US" smtClean="0"/>
+              <a:rPr lang="zh-CN" altLang="en-US"/>
               <a:t>第五级</a:t>
             </a:r>
-            <a:endParaRPr lang="zh-CN" altLang="en-US"/>
           </a:p>
         </p:txBody>
       </p:sp>
@@ -2578,7 +2835,7 @@
           <a:p>
             <a:fld id="{E3D5DBFD-CB2E-4626-ABE5-8EA39BF283CA}" type="datetimeFigureOut">
               <a:rPr lang="zh-CN" altLang="en-US" smtClean="0"/>
-              <a:t>2018/11/9</a:t>
+              <a:t>2018/12/1</a:t>
             </a:fld>
             <a:endParaRPr lang="zh-CN" altLang="en-US"/>
           </a:p>
@@ -2682,6 +2939,7 @@
     <p:sldLayoutId id="2147483657" r:id="rId9"/>
     <p:sldLayoutId id="2147483658" r:id="rId10"/>
     <p:sldLayoutId id="2147483659" r:id="rId11"/>
+    <p:sldLayoutId id="2147483660" r:id="rId12"/>
   </p:sldLayoutIdLst>
   <p:txStyles>
     <p:titleStyle>
@@ -2983,39 +3241,88 @@
           <a:chExt cx="0" cy="0"/>
         </a:xfrm>
       </p:grpSpPr>
-      <p:sp>
-        <p:nvSpPr>
-          <p:cNvPr id="2" name="标题 1"/>
-          <p:cNvSpPr>
-            <a:spLocks noGrp="1"/>
-          </p:cNvSpPr>
-          <p:nvPr>
-            <p:ph type="ctrTitle"/>
-          </p:nvPr>
-        </p:nvSpPr>
-        <p:spPr/>
-        <p:txBody>
-          <a:bodyPr/>
-          <a:lstStyle/>
-          <a:p>
-            <a:r>
-              <a:rPr lang="en-US" altLang="zh-CN" i="1" dirty="0"/>
-              <a:t>Victoria's Secret</a:t>
-            </a:r>
-            <a:endParaRPr lang="zh-CN" altLang="en-US" dirty="0"/>
-          </a:p>
-        </p:txBody>
-      </p:sp>
+      <p:pic>
+        <p:nvPicPr>
+          <p:cNvPr id="11" name="内容占位符 3" descr="342ac65c10385343c8ce9f439113b07eca80884a.jpg">
+            <a:extLst>
+              <a:ext uri="{FF2B5EF4-FFF2-40B4-BE49-F238E27FC236}">
+                <a16:creationId xmlns:a16="http://schemas.microsoft.com/office/drawing/2014/main" id="{A36D1C3E-2034-4A2F-89F0-392E7C51558D}"/>
+              </a:ext>
+            </a:extLst>
+          </p:cNvPr>
+          <p:cNvPicPr>
+            <a:picLocks noGrp="1" noChangeAspect="1"/>
+          </p:cNvPicPr>
+          <p:nvPr/>
+        </p:nvPicPr>
+        <p:blipFill>
+          <a:blip r:embed="rId2">
+            <a:extLst>
+              <a:ext uri="{28A0092B-C50C-407E-A947-70E740481C1C}">
+                <a14:useLocalDpi xmlns:a14="http://schemas.microsoft.com/office/drawing/2010/main" val="0"/>
+              </a:ext>
+            </a:extLst>
+          </a:blip>
+          <a:srcRect/>
+          <a:stretch>
+            <a:fillRect/>
+          </a:stretch>
+        </p:blipFill>
+        <p:spPr bwMode="auto">
+          <a:xfrm>
+            <a:off x="3694197" y="1827798"/>
+            <a:ext cx="4803605" cy="3202403"/>
+          </a:xfrm>
+          <a:prstGeom prst="rect">
+            <a:avLst/>
+          </a:prstGeom>
+          <a:noFill/>
+          <a:ln>
+            <a:noFill/>
+          </a:ln>
+          <a:extLst>
+            <a:ext uri="{909E8E84-426E-40DD-AFC4-6F175D3DCCD1}">
+              <a14:hiddenFill xmlns:a14="http://schemas.microsoft.com/office/drawing/2010/main">
+                <a:solidFill>
+                  <a:srgbClr val="FFFFFF"/>
+                </a:solidFill>
+              </a14:hiddenFill>
+            </a:ext>
+            <a:ext uri="{91240B29-F687-4F45-9708-019B960494DF}">
+              <a14:hiddenLine xmlns:a14="http://schemas.microsoft.com/office/drawing/2010/main" w="9525">
+                <a:solidFill>
+                  <a:srgbClr val="000000"/>
+                </a:solidFill>
+                <a:miter lim="800000"/>
+                <a:headEnd/>
+                <a:tailEnd/>
+              </a14:hiddenLine>
+            </a:ext>
+          </a:extLst>
+        </p:spPr>
+      </p:pic>
     </p:spTree>
     <p:extLst>
       <p:ext uri="{BB962C8B-B14F-4D97-AF65-F5344CB8AC3E}">
-        <p14:creationId xmlns:p14="http://schemas.microsoft.com/office/powerpoint/2010/main" val="515168879"/>
+        <p14:creationId xmlns:p14="http://schemas.microsoft.com/office/powerpoint/2010/main" val="2569280299"/>
       </p:ext>
     </p:extLst>
   </p:cSld>
   <p:clrMapOvr>
     <a:masterClrMapping/>
   </p:clrMapOvr>
+  <mc:AlternateContent xmlns:mc="http://schemas.openxmlformats.org/markup-compatibility/2006" xmlns:p14="http://schemas.microsoft.com/office/powerpoint/2010/main">
+    <mc:Choice Requires="p14">
+      <p:transition spd="slow" p14:dur="3000" advTm="2000">
+        <p14:vortex dir="r"/>
+      </p:transition>
+    </mc:Choice>
+    <mc:Fallback xmlns="">
+      <p:transition spd="slow" advTm="2000">
+        <p:fade/>
+      </p:transition>
+    </mc:Fallback>
+  </mc:AlternateContent>
 </p:sld>
 </file>
 
@@ -3038,102 +3345,161 @@
       </p:grpSpPr>
       <p:sp>
         <p:nvSpPr>
-          <p:cNvPr id="2" name="矩形 1"/>
-          <p:cNvSpPr/>
-          <p:nvPr/>
+          <p:cNvPr id="15362" name="标题 1">
+            <a:extLst>
+              <a:ext uri="{FF2B5EF4-FFF2-40B4-BE49-F238E27FC236}">
+                <a16:creationId xmlns:a16="http://schemas.microsoft.com/office/drawing/2014/main" id="{CAA66AD4-9A38-490E-A2B5-E6824C49A375}"/>
+              </a:ext>
+            </a:extLst>
+          </p:cNvPr>
+          <p:cNvSpPr>
+            <a:spLocks noGrp="1"/>
+          </p:cNvSpPr>
+          <p:nvPr>
+            <p:ph type="title"/>
+          </p:nvPr>
+        </p:nvSpPr>
+        <p:spPr/>
+        <p:txBody>
+          <a:bodyPr/>
+          <a:lstStyle/>
+          <a:p>
+            <a:r>
+              <a:rPr lang="en-US" altLang="zh-CN">
+                <a:ea typeface="宋体" panose="02010600030101010101" pitchFamily="2" charset="-122"/>
+              </a:rPr>
+              <a:t>FANTASY BRA</a:t>
+            </a:r>
+            <a:endParaRPr lang="zh-CN" altLang="en-US">
+              <a:ea typeface="宋体" panose="02010600030101010101" pitchFamily="2" charset="-122"/>
+            </a:endParaRPr>
+          </a:p>
+        </p:txBody>
+      </p:sp>
+      <p:sp>
+        <p:nvSpPr>
+          <p:cNvPr id="15363" name="文本占位符 2">
+            <a:extLst>
+              <a:ext uri="{FF2B5EF4-FFF2-40B4-BE49-F238E27FC236}">
+                <a16:creationId xmlns:a16="http://schemas.microsoft.com/office/drawing/2014/main" id="{DD330FCC-E4BA-438A-A3CB-8351C1351F89}"/>
+              </a:ext>
+            </a:extLst>
+          </p:cNvPr>
+          <p:cNvSpPr>
+            <a:spLocks noGrp="1"/>
+          </p:cNvSpPr>
+          <p:nvPr>
+            <p:ph type="body" sz="half" idx="1"/>
+          </p:nvPr>
         </p:nvSpPr>
         <p:spPr>
           <a:xfrm>
-            <a:off x="4899546" y="508422"/>
-            <a:ext cx="2784143" cy="369332"/>
+            <a:off x="6142038" y="1628776"/>
+            <a:ext cx="3841750" cy="4525963"/>
           </a:xfrm>
-          <a:prstGeom prst="rect">
-            <a:avLst/>
-          </a:prstGeom>
         </p:spPr>
         <p:txBody>
-          <a:bodyPr wrap="square">
-            <a:spAutoFit/>
-          </a:bodyPr>
-          <a:lstStyle/>
-          <a:p>
-            <a:r>
-              <a:rPr lang="zh-CN" altLang="en-US" dirty="0" smtClean="0"/>
-              <a:t>中国秀</a:t>
-            </a:r>
-            <a:endParaRPr lang="zh-CN" altLang="en-US" dirty="0"/>
-          </a:p>
-        </p:txBody>
-      </p:sp>
-      <p:sp>
-        <p:nvSpPr>
-          <p:cNvPr id="3" name="矩形 2"/>
-          <p:cNvSpPr/>
-          <p:nvPr/>
-        </p:nvSpPr>
+          <a:bodyPr/>
+          <a:lstStyle/>
+          <a:p>
+            <a:r>
+              <a:rPr lang="zh-CN" altLang="en-US">
+                <a:ea typeface="宋体" panose="02010600030101010101" pitchFamily="2" charset="-122"/>
+              </a:rPr>
+              <a:t>从</a:t>
+            </a:r>
+            <a:r>
+              <a:rPr lang="en-US" altLang="zh-CN">
+                <a:ea typeface="宋体" panose="02010600030101010101" pitchFamily="2" charset="-122"/>
+              </a:rPr>
+              <a:t>1996</a:t>
+            </a:r>
+            <a:r>
+              <a:rPr lang="zh-CN" altLang="en-US">
+                <a:ea typeface="宋体" panose="02010600030101010101" pitchFamily="2" charset="-122"/>
+              </a:rPr>
+              <a:t>年开始，维密秀每年推出一款</a:t>
+            </a:r>
+            <a:r>
+              <a:rPr lang="en-US" altLang="zh-CN">
+                <a:ea typeface="宋体" panose="02010600030101010101" pitchFamily="2" charset="-122"/>
+              </a:rPr>
+              <a:t>fantasy bra</a:t>
+            </a:r>
+            <a:r>
+              <a:rPr lang="zh-CN" altLang="en-US">
+                <a:ea typeface="宋体" panose="02010600030101010101" pitchFamily="2" charset="-122"/>
+              </a:rPr>
+              <a:t>，中文译为死贵的天价内衣，最贵的一款是由吉赛邦辰展出的镶嵌了</a:t>
+            </a:r>
+            <a:r>
+              <a:rPr lang="en-US" altLang="zh-CN">
+                <a:ea typeface="宋体" panose="02010600030101010101" pitchFamily="2" charset="-122"/>
+              </a:rPr>
+              <a:t>1300</a:t>
+            </a:r>
+            <a:r>
+              <a:rPr lang="zh-CN" altLang="en-US">
+                <a:ea typeface="宋体" panose="02010600030101010101" pitchFamily="2" charset="-122"/>
+              </a:rPr>
+              <a:t>万颗宝石的价值</a:t>
+            </a:r>
+            <a:r>
+              <a:rPr lang="en-US" altLang="zh-CN">
+                <a:ea typeface="宋体" panose="02010600030101010101" pitchFamily="2" charset="-122"/>
+              </a:rPr>
+              <a:t>1500</a:t>
+            </a:r>
+            <a:r>
+              <a:rPr lang="zh-CN" altLang="en-US">
+                <a:ea typeface="宋体" panose="02010600030101010101" pitchFamily="2" charset="-122"/>
+              </a:rPr>
+              <a:t>万美元的豪华天价内衣。</a:t>
+            </a:r>
+          </a:p>
+        </p:txBody>
+      </p:sp>
+      <p:pic>
+        <p:nvPicPr>
+          <p:cNvPr id="15364" name="内容占位符 4">
+            <a:extLst>
+              <a:ext uri="{FF2B5EF4-FFF2-40B4-BE49-F238E27FC236}">
+                <a16:creationId xmlns:a16="http://schemas.microsoft.com/office/drawing/2014/main" id="{721B9E27-24F8-49D3-9A34-3130819A06B5}"/>
+              </a:ext>
+            </a:extLst>
+          </p:cNvPr>
+          <p:cNvPicPr>
+            <a:picLocks noGrp="1" noChangeAspect="1"/>
+          </p:cNvPicPr>
+          <p:nvPr>
+            <p:ph sz="half" idx="2"/>
+          </p:nvPr>
+        </p:nvPicPr>
+        <p:blipFill>
+          <a:blip r:embed="rId2">
+            <a:extLst>
+              <a:ext uri="{28A0092B-C50C-407E-A947-70E740481C1C}">
+                <a14:useLocalDpi xmlns:a14="http://schemas.microsoft.com/office/drawing/2010/main" val="0"/>
+              </a:ext>
+            </a:extLst>
+          </a:blip>
+          <a:srcRect/>
+          <a:stretch>
+            <a:fillRect/>
+          </a:stretch>
+        </p:blipFill>
         <p:spPr>
           <a:xfrm>
-            <a:off x="2147247" y="1045023"/>
-            <a:ext cx="6096000" cy="646331"/>
+            <a:off x="2135189" y="1628776"/>
+            <a:ext cx="3559175" cy="4525963"/>
           </a:xfrm>
-          <a:prstGeom prst="rect">
-            <a:avLst/>
-          </a:prstGeom>
         </p:spPr>
-        <p:txBody>
-          <a:bodyPr>
-            <a:spAutoFit/>
-          </a:bodyPr>
-          <a:lstStyle/>
-          <a:p>
-            <a:r>
-              <a:rPr lang="zh-CN" altLang="en-US" dirty="0">
-                <a:solidFill>
-                  <a:srgbClr val="191919"/>
-                </a:solidFill>
-                <a:latin typeface="pingfang sc"/>
-              </a:rPr>
-              <a:t>今年的上海大秀是</a:t>
-            </a:r>
-            <a:r>
-              <a:rPr lang="en-US" altLang="zh-CN" dirty="0">
-                <a:solidFill>
-                  <a:srgbClr val="191919"/>
-                </a:solidFill>
-                <a:latin typeface="pingfang sc"/>
-              </a:rPr>
-              <a:t>22</a:t>
-            </a:r>
-            <a:r>
-              <a:rPr lang="zh-CN" altLang="en-US" dirty="0">
-                <a:solidFill>
-                  <a:srgbClr val="191919"/>
-                </a:solidFill>
-                <a:latin typeface="pingfang sc"/>
-              </a:rPr>
-              <a:t>岁的“维密秀”第四次离开美国老家，前三次分别去过戛纳、伦敦和巴黎。</a:t>
-            </a:r>
-            <a:endParaRPr lang="zh-CN" altLang="en-US" dirty="0"/>
-          </a:p>
-        </p:txBody>
-      </p:sp>
+      </p:pic>
     </p:spTree>
-    <p:extLst>
-      <p:ext uri="{BB962C8B-B14F-4D97-AF65-F5344CB8AC3E}">
-        <p14:creationId xmlns:p14="http://schemas.microsoft.com/office/powerpoint/2010/main" val="2867108628"/>
-      </p:ext>
-    </p:extLst>
   </p:cSld>
   <p:clrMapOvr>
     <a:masterClrMapping/>
   </p:clrMapOvr>
-  <p:timing>
-    <p:tnLst>
-      <p:par>
-        <p:cTn id="1" dur="indefinite" restart="never" nodeType="tmRoot"/>
-      </p:par>
-    </p:tnLst>
-  </p:timing>
 </p:sld>
 </file>
 
@@ -3156,326 +3522,125 @@
       </p:grpSpPr>
       <p:sp>
         <p:nvSpPr>
-          <p:cNvPr id="2" name="矩形 1"/>
-          <p:cNvSpPr/>
-          <p:nvPr/>
+          <p:cNvPr id="16386" name="标题 1">
+            <a:extLst>
+              <a:ext uri="{FF2B5EF4-FFF2-40B4-BE49-F238E27FC236}">
+                <a16:creationId xmlns:a16="http://schemas.microsoft.com/office/drawing/2014/main" id="{F9CC4467-FF36-4D00-9E5E-CCA3E17560CF}"/>
+              </a:ext>
+            </a:extLst>
+          </p:cNvPr>
+          <p:cNvSpPr>
+            <a:spLocks noGrp="1"/>
+          </p:cNvSpPr>
+          <p:nvPr>
+            <p:ph type="title"/>
+          </p:nvPr>
+        </p:nvSpPr>
+        <p:spPr/>
+        <p:txBody>
+          <a:bodyPr/>
+          <a:lstStyle/>
+          <a:p>
+            <a:r>
+              <a:rPr lang="en-US" altLang="zh-CN" dirty="0">
+                <a:ea typeface="宋体" panose="02010600030101010101" pitchFamily="2" charset="-122"/>
+              </a:rPr>
+              <a:t>FANTASY BRA</a:t>
+            </a:r>
+            <a:endParaRPr lang="zh-CN" altLang="en-US" dirty="0">
+              <a:ea typeface="宋体" panose="02010600030101010101" pitchFamily="2" charset="-122"/>
+            </a:endParaRPr>
+          </a:p>
+        </p:txBody>
+      </p:sp>
+      <p:sp>
+        <p:nvSpPr>
+          <p:cNvPr id="16387" name="文本占位符 2">
+            <a:extLst>
+              <a:ext uri="{FF2B5EF4-FFF2-40B4-BE49-F238E27FC236}">
+                <a16:creationId xmlns:a16="http://schemas.microsoft.com/office/drawing/2014/main" id="{86C4C783-5FF7-47F9-A29E-6A410C87D667}"/>
+              </a:ext>
+            </a:extLst>
+          </p:cNvPr>
+          <p:cNvSpPr>
+            <a:spLocks noGrp="1"/>
+          </p:cNvSpPr>
+          <p:nvPr>
+            <p:ph type="body" sz="half" idx="1"/>
+          </p:nvPr>
         </p:nvSpPr>
         <p:spPr>
           <a:xfrm>
-            <a:off x="4899546" y="508422"/>
-            <a:ext cx="2784143" cy="369332"/>
+            <a:off x="6129338" y="1700213"/>
+            <a:ext cx="4038600" cy="4525962"/>
           </a:xfrm>
-          <a:prstGeom prst="rect">
-            <a:avLst/>
-          </a:prstGeom>
         </p:spPr>
         <p:txBody>
-          <a:bodyPr wrap="square">
-            <a:spAutoFit/>
-          </a:bodyPr>
-          <a:lstStyle/>
-          <a:p>
-            <a:r>
-              <a:rPr lang="zh-CN" altLang="en-US" dirty="0" smtClean="0"/>
-              <a:t>为什么选择上海</a:t>
-            </a:r>
-            <a:endParaRPr lang="zh-CN" altLang="en-US" dirty="0"/>
-          </a:p>
-        </p:txBody>
-      </p:sp>
-      <p:sp>
-        <p:nvSpPr>
-          <p:cNvPr id="5" name="矩形 4"/>
-          <p:cNvSpPr/>
-          <p:nvPr/>
-        </p:nvSpPr>
+          <a:bodyPr/>
+          <a:lstStyle/>
+          <a:p>
+            <a:r>
+              <a:rPr lang="zh-CN" altLang="en-US">
+                <a:ea typeface="宋体" panose="02010600030101010101" pitchFamily="2" charset="-122"/>
+              </a:rPr>
+              <a:t>去年推出了双生花系列，估计是预算不足，模特的翅膀变成了披风，可是我没有四条大长腿啊，这款内衣价值</a:t>
+            </a:r>
+            <a:r>
+              <a:rPr lang="en-US" altLang="zh-CN">
+                <a:ea typeface="宋体" panose="02010600030101010101" pitchFamily="2" charset="-122"/>
+              </a:rPr>
+              <a:t>200</a:t>
+            </a:r>
+            <a:r>
+              <a:rPr lang="zh-CN" altLang="en-US">
+                <a:ea typeface="宋体" panose="02010600030101010101" pitchFamily="2" charset="-122"/>
+              </a:rPr>
+              <a:t>万美金。当然，还是那句话，谁觉得便宜谁买啊。</a:t>
+            </a:r>
+          </a:p>
+        </p:txBody>
+      </p:sp>
+      <p:pic>
+        <p:nvPicPr>
+          <p:cNvPr id="16388" name="内容占位符 4">
+            <a:extLst>
+              <a:ext uri="{FF2B5EF4-FFF2-40B4-BE49-F238E27FC236}">
+                <a16:creationId xmlns:a16="http://schemas.microsoft.com/office/drawing/2014/main" id="{658EEE53-5626-4BD8-9994-FCF687094531}"/>
+              </a:ext>
+            </a:extLst>
+          </p:cNvPr>
+          <p:cNvPicPr>
+            <a:picLocks noGrp="1" noChangeAspect="1"/>
+          </p:cNvPicPr>
+          <p:nvPr>
+            <p:ph sz="half" idx="2"/>
+          </p:nvPr>
+        </p:nvPicPr>
+        <p:blipFill>
+          <a:blip r:embed="rId2">
+            <a:extLst>
+              <a:ext uri="{28A0092B-C50C-407E-A947-70E740481C1C}">
+                <a14:useLocalDpi xmlns:a14="http://schemas.microsoft.com/office/drawing/2010/main" val="0"/>
+              </a:ext>
+            </a:extLst>
+          </a:blip>
+          <a:srcRect/>
+          <a:stretch>
+            <a:fillRect/>
+          </a:stretch>
+        </p:blipFill>
         <p:spPr>
           <a:xfrm>
-            <a:off x="2008494" y="1111198"/>
-            <a:ext cx="9332795" cy="4247317"/>
+            <a:off x="2030413" y="2636839"/>
+            <a:ext cx="4038600" cy="2814637"/>
           </a:xfrm>
-          <a:prstGeom prst="rect">
-            <a:avLst/>
-          </a:prstGeom>
         </p:spPr>
-        <p:txBody>
-          <a:bodyPr wrap="square">
-            <a:spAutoFit/>
-          </a:bodyPr>
-          <a:lstStyle/>
-          <a:p>
-            <a:pPr marL="342900" indent="-342900">
-              <a:buAutoNum type="arabicPeriod"/>
-            </a:pPr>
-            <a:r>
-              <a:rPr lang="en-US" altLang="zh-CN" dirty="0" smtClean="0"/>
-              <a:t>3.8, </a:t>
-            </a:r>
-            <a:r>
-              <a:rPr lang="zh-CN" altLang="en-US" dirty="0" smtClean="0"/>
-              <a:t>成都，上海</a:t>
-            </a:r>
-            <a:endParaRPr lang="en-US" altLang="zh-CN" dirty="0" smtClean="0"/>
-          </a:p>
-          <a:p>
-            <a:pPr marL="342900" indent="-342900">
-              <a:buAutoNum type="arabicPeriod"/>
-            </a:pPr>
-            <a:r>
-              <a:rPr lang="zh-CN" altLang="en-US" dirty="0"/>
-              <a:t>维密确实赶上了中国市场的好时候。根据第一财经商业数据中心（</a:t>
-            </a:r>
-            <a:r>
-              <a:rPr lang="en-US" altLang="zh-CN" dirty="0"/>
-              <a:t>CBN Data</a:t>
-            </a:r>
-            <a:r>
-              <a:rPr lang="zh-CN" altLang="en-US" dirty="0"/>
-              <a:t>）在</a:t>
-            </a:r>
-            <a:r>
-              <a:rPr lang="en-US" altLang="zh-CN" dirty="0"/>
-              <a:t>2016</a:t>
-            </a:r>
-            <a:r>
-              <a:rPr lang="zh-CN" altLang="en-US" dirty="0"/>
-              <a:t>年发布的</a:t>
-            </a:r>
-            <a:r>
-              <a:rPr lang="en-US" altLang="zh-CN" dirty="0"/>
-              <a:t>《</a:t>
-            </a:r>
-            <a:r>
-              <a:rPr lang="zh-CN" altLang="en-US" dirty="0"/>
-              <a:t>女性内衣消费趋势报告</a:t>
-            </a:r>
-            <a:r>
-              <a:rPr lang="en-US" altLang="zh-CN" dirty="0"/>
-              <a:t>》</a:t>
-            </a:r>
-            <a:r>
-              <a:rPr lang="zh-CN" altLang="en-US" dirty="0"/>
-              <a:t>显示，中国消费者在线上购买内衣时搜索频率最高的一大关键词就是“性感”。消费者不再把内衣当作单纯的内衣来看，而是愈发重视内外的搭配和穿着的时尚感</a:t>
-            </a:r>
-            <a:r>
-              <a:rPr lang="zh-CN" altLang="en-US" dirty="0" smtClean="0"/>
-              <a:t>。</a:t>
-            </a:r>
-            <a:endParaRPr lang="en-US" altLang="zh-CN" dirty="0" smtClean="0"/>
-          </a:p>
-          <a:p>
-            <a:pPr marL="342900" indent="-342900">
-              <a:buAutoNum type="arabicPeriod"/>
-            </a:pPr>
-            <a:r>
-              <a:rPr lang="zh-CN" altLang="en-US" dirty="0" smtClean="0"/>
-              <a:t>业绩下滑</a:t>
-            </a:r>
-            <a:endParaRPr lang="en-US" altLang="zh-CN" dirty="0" smtClean="0"/>
-          </a:p>
-          <a:p>
-            <a:r>
-              <a:rPr lang="en-US" altLang="zh-CN" dirty="0" smtClean="0"/>
-              <a:t>L </a:t>
-            </a:r>
-            <a:r>
-              <a:rPr lang="en-US" altLang="zh-CN" dirty="0"/>
-              <a:t>Brands</a:t>
-            </a:r>
-            <a:r>
-              <a:rPr lang="zh-CN" altLang="en-US" dirty="0"/>
-              <a:t>的业绩在维密从</a:t>
-            </a:r>
-            <a:r>
-              <a:rPr lang="en-US" altLang="zh-CN" dirty="0"/>
-              <a:t>2010</a:t>
-            </a:r>
-            <a:r>
-              <a:rPr lang="zh-CN" altLang="en-US" dirty="0"/>
-              <a:t>年开始出现增长放缓的趋势后已经受到长期的拖累。根据</a:t>
-            </a:r>
-            <a:r>
-              <a:rPr lang="en-US" altLang="zh-CN" dirty="0"/>
-              <a:t>L Brands</a:t>
-            </a:r>
-            <a:r>
-              <a:rPr lang="zh-CN" altLang="en-US" dirty="0"/>
-              <a:t>最新发布的财报显示，维密</a:t>
-            </a:r>
-            <a:r>
-              <a:rPr lang="en-US" altLang="zh-CN" dirty="0"/>
-              <a:t>2016</a:t>
-            </a:r>
-            <a:r>
-              <a:rPr lang="zh-CN" altLang="en-US" dirty="0"/>
-              <a:t>年的全年销售额与前年相比几乎没有增长。而今年</a:t>
-            </a:r>
-            <a:r>
-              <a:rPr lang="en-US" altLang="zh-CN" dirty="0"/>
-              <a:t>2</a:t>
-            </a:r>
-            <a:r>
-              <a:rPr lang="zh-CN" altLang="en-US" dirty="0"/>
-              <a:t>月的销售额则预计比</a:t>
-            </a:r>
-            <a:r>
-              <a:rPr lang="en-US" altLang="zh-CN" dirty="0"/>
-              <a:t>1</a:t>
-            </a:r>
-            <a:r>
-              <a:rPr lang="zh-CN" altLang="en-US" dirty="0"/>
-              <a:t>月下跌</a:t>
-            </a:r>
-            <a:r>
-              <a:rPr lang="en-US" altLang="zh-CN" dirty="0"/>
-              <a:t>20%</a:t>
-            </a:r>
-            <a:r>
-              <a:rPr lang="zh-CN" altLang="en-US" dirty="0"/>
-              <a:t>，已经引发投资者恐惧</a:t>
-            </a:r>
-            <a:r>
-              <a:rPr lang="zh-CN" altLang="en-US" dirty="0" smtClean="0"/>
-              <a:t>。</a:t>
-            </a:r>
-            <a:endParaRPr lang="en-US" altLang="zh-CN" dirty="0" smtClean="0"/>
-          </a:p>
-          <a:p>
-            <a:r>
-              <a:rPr lang="zh-CN" altLang="en-US" dirty="0"/>
-              <a:t>因为这一核心品牌的业务的长时间停滞，</a:t>
-            </a:r>
-            <a:r>
-              <a:rPr lang="en-US" altLang="zh-CN" dirty="0"/>
-              <a:t>L Brands</a:t>
-            </a:r>
-            <a:r>
-              <a:rPr lang="zh-CN" altLang="en-US" dirty="0"/>
-              <a:t>股价已累积下跌近</a:t>
-            </a:r>
-            <a:r>
-              <a:rPr lang="en-US" altLang="zh-CN" dirty="0"/>
-              <a:t>30%</a:t>
-            </a:r>
-            <a:r>
-              <a:rPr lang="zh-CN" altLang="en-US" dirty="0"/>
-              <a:t>。而就在</a:t>
-            </a:r>
-            <a:r>
-              <a:rPr lang="en-US" altLang="zh-CN" dirty="0"/>
-              <a:t>2</a:t>
-            </a:r>
-            <a:r>
-              <a:rPr lang="zh-CN" altLang="en-US" dirty="0"/>
-              <a:t>月</a:t>
-            </a:r>
-            <a:r>
-              <a:rPr lang="en-US" altLang="zh-CN" dirty="0"/>
-              <a:t>22</a:t>
-            </a:r>
-            <a:r>
-              <a:rPr lang="zh-CN" altLang="en-US" dirty="0"/>
-              <a:t>日，其股票在盘后交易又大幅跳水</a:t>
-            </a:r>
-            <a:r>
-              <a:rPr lang="en-US" altLang="zh-CN" dirty="0"/>
-              <a:t>13%</a:t>
-            </a:r>
-            <a:r>
-              <a:rPr lang="zh-CN" altLang="en-US" dirty="0"/>
-              <a:t>，管理层同时迅速大幅下调了</a:t>
-            </a:r>
-            <a:r>
-              <a:rPr lang="en-US" altLang="zh-CN" dirty="0"/>
-              <a:t>2017</a:t>
-            </a:r>
-            <a:r>
-              <a:rPr lang="zh-CN" altLang="en-US" dirty="0"/>
-              <a:t>年第一季度的盈利预期。另外，根据维密最大的供货商维珍妮集团的业绩报告显示，由于维密新季度的订单减少直接导致维珍妮在</a:t>
-            </a:r>
-            <a:r>
-              <a:rPr lang="en-US" altLang="zh-CN" dirty="0"/>
-              <a:t>2016</a:t>
-            </a:r>
-            <a:r>
-              <a:rPr lang="zh-CN" altLang="en-US" dirty="0"/>
-              <a:t>年上半年的利润暴跌了</a:t>
-            </a:r>
-            <a:r>
-              <a:rPr lang="en-US" altLang="zh-CN" dirty="0"/>
-              <a:t>89%——</a:t>
-            </a:r>
-            <a:r>
-              <a:rPr lang="zh-CN" altLang="en-US" dirty="0"/>
-              <a:t>维密的订单占其年销售总额的</a:t>
-            </a:r>
-            <a:r>
-              <a:rPr lang="en-US" altLang="zh-CN" dirty="0"/>
-              <a:t>35%</a:t>
-            </a:r>
-            <a:r>
-              <a:rPr lang="zh-CN" altLang="en-US" dirty="0"/>
-              <a:t>左右</a:t>
-            </a:r>
-            <a:r>
-              <a:rPr lang="zh-CN" altLang="en-US" dirty="0" smtClean="0"/>
-              <a:t>。</a:t>
-            </a:r>
-            <a:endParaRPr lang="en-US" altLang="zh-CN" dirty="0" smtClean="0"/>
-          </a:p>
-          <a:p>
-            <a:r>
-              <a:rPr lang="zh-CN" altLang="en-US" dirty="0"/>
-              <a:t>在维密的公司经营历史上，这个品牌一度因为美国市场的销售强劲而对海外市场兴趣寥寥。到目前为止，维密已经开拓的海外市场，除了中国之外，也还只有加拿大和英国。</a:t>
-            </a:r>
-          </a:p>
-        </p:txBody>
-      </p:sp>
-      <p:sp>
-        <p:nvSpPr>
-          <p:cNvPr id="4" name="矩形 3"/>
-          <p:cNvSpPr/>
-          <p:nvPr/>
-        </p:nvSpPr>
-        <p:spPr>
-          <a:xfrm>
-            <a:off x="2008494" y="5591959"/>
-            <a:ext cx="4943597" cy="369332"/>
-          </a:xfrm>
-          <a:prstGeom prst="rect">
-            <a:avLst/>
-          </a:prstGeom>
-        </p:spPr>
-        <p:txBody>
-          <a:bodyPr wrap="none">
-            <a:spAutoFit/>
-          </a:bodyPr>
-          <a:lstStyle/>
-          <a:p>
-            <a:r>
-              <a:rPr lang="zh-CN" altLang="en-US" dirty="0"/>
-              <a:t>https://www.cbnweek.com/articles/normal/15946</a:t>
-            </a:r>
-          </a:p>
-        </p:txBody>
-      </p:sp>
+      </p:pic>
     </p:spTree>
-    <p:extLst>
-      <p:ext uri="{BB962C8B-B14F-4D97-AF65-F5344CB8AC3E}">
-        <p14:creationId xmlns:p14="http://schemas.microsoft.com/office/powerpoint/2010/main" val="2936496668"/>
-      </p:ext>
-    </p:extLst>
   </p:cSld>
   <p:clrMapOvr>
     <a:masterClrMapping/>
   </p:clrMapOvr>
-  <p:timing>
-    <p:tnLst>
-      <p:par>
-        <p:cTn id="1" dur="indefinite" restart="never" nodeType="tmRoot"/>
-      </p:par>
-    </p:tnLst>
-  </p:timing>
 </p:sld>
 </file>
 
@@ -3498,14 +3663,14 @@
       </p:grpSpPr>
       <p:sp>
         <p:nvSpPr>
-          <p:cNvPr id="4" name="矩形 3"/>
+          <p:cNvPr id="50" name="矩形 49"/>
           <p:cNvSpPr/>
           <p:nvPr/>
         </p:nvSpPr>
         <p:spPr>
           <a:xfrm>
-            <a:off x="889296" y="514782"/>
-            <a:ext cx="1569660" cy="369332"/>
+            <a:off x="5258872" y="501134"/>
+            <a:ext cx="1005403" cy="584775"/>
           </a:xfrm>
           <a:prstGeom prst="rect">
             <a:avLst/>
@@ -3518,37 +3683,28 @@
           <a:lstStyle/>
           <a:p>
             <a:r>
-              <a:rPr lang="en-US" altLang="zh-CN" dirty="0">
-                <a:solidFill>
-                  <a:srgbClr val="191919"/>
-                </a:solidFill>
-                <a:latin typeface="pingfang sc"/>
-              </a:rPr>
-              <a:t>Karlie </a:t>
-            </a:r>
-            <a:r>
-              <a:rPr lang="en-US" altLang="zh-CN" dirty="0" err="1">
-                <a:solidFill>
-                  <a:srgbClr val="191919"/>
-                </a:solidFill>
-                <a:latin typeface="pingfang sc"/>
-              </a:rPr>
-              <a:t>Kloss</a:t>
-            </a:r>
-            <a:endParaRPr lang="zh-CN" altLang="en-US" dirty="0"/>
-          </a:p>
-        </p:txBody>
-      </p:sp>
-      <p:sp>
-        <p:nvSpPr>
-          <p:cNvPr id="5" name="矩形 4"/>
+              <a:rPr lang="zh-CN" altLang="en-US" sz="3200" dirty="0"/>
+              <a:t>翅膀</a:t>
+            </a:r>
+          </a:p>
+        </p:txBody>
+      </p:sp>
+      <p:sp>
+        <p:nvSpPr>
+          <p:cNvPr id="3" name="矩形 2">
+            <a:extLst>
+              <a:ext uri="{FF2B5EF4-FFF2-40B4-BE49-F238E27FC236}">
+                <a16:creationId xmlns:a16="http://schemas.microsoft.com/office/drawing/2014/main" id="{1BF51A1F-9920-427C-BBD2-FE998C952EB8}"/>
+              </a:ext>
+            </a:extLst>
+          </p:cNvPr>
           <p:cNvSpPr/>
           <p:nvPr/>
         </p:nvSpPr>
         <p:spPr>
           <a:xfrm>
-            <a:off x="1246494" y="884114"/>
-            <a:ext cx="10476931" cy="923330"/>
+            <a:off x="1584960" y="1428671"/>
+            <a:ext cx="9022080" cy="646331"/>
           </a:xfrm>
           <a:prstGeom prst="rect">
             <a:avLst/>
@@ -3561,171 +3717,28 @@
           <a:lstStyle/>
           <a:p>
             <a:r>
-              <a:rPr lang="en-US" altLang="zh-CN" dirty="0">
-                <a:solidFill>
-                  <a:srgbClr val="191919"/>
-                </a:solidFill>
-                <a:latin typeface="pingfang sc"/>
-              </a:rPr>
-              <a:t>2011</a:t>
-            </a:r>
-            <a:r>
               <a:rPr lang="zh-CN" altLang="en-US" dirty="0">
                 <a:solidFill>
-                  <a:srgbClr val="191919"/>
+                  <a:srgbClr val="333333"/>
                 </a:solidFill>
-                <a:latin typeface="pingfang sc"/>
-              </a:rPr>
-              <a:t>年，</a:t>
-            </a:r>
-            <a:r>
-              <a:rPr lang="en-US" altLang="zh-CN" dirty="0">
-                <a:solidFill>
-                  <a:srgbClr val="191919"/>
-                </a:solidFill>
-                <a:latin typeface="pingfang sc"/>
-              </a:rPr>
-              <a:t>Karlie </a:t>
-            </a:r>
-            <a:r>
-              <a:rPr lang="en-US" altLang="zh-CN" dirty="0" err="1">
-                <a:solidFill>
-                  <a:srgbClr val="191919"/>
-                </a:solidFill>
-                <a:latin typeface="pingfang sc"/>
-              </a:rPr>
-              <a:t>Kloss</a:t>
-            </a:r>
-            <a:r>
-              <a:rPr lang="zh-CN" altLang="en-US" dirty="0">
-                <a:solidFill>
-                  <a:srgbClr val="191919"/>
-                </a:solidFill>
-                <a:latin typeface="pingfang sc"/>
-              </a:rPr>
-              <a:t>首次登上“维多利亚的秘密”，</a:t>
-            </a:r>
-            <a:r>
-              <a:rPr lang="en-US" altLang="zh-CN" dirty="0">
-                <a:solidFill>
-                  <a:srgbClr val="191919"/>
-                </a:solidFill>
-                <a:latin typeface="pingfang sc"/>
-              </a:rPr>
-              <a:t>2013</a:t>
-            </a:r>
-            <a:r>
-              <a:rPr lang="zh-CN" altLang="en-US" dirty="0">
-                <a:solidFill>
-                  <a:srgbClr val="191919"/>
-                </a:solidFill>
-                <a:latin typeface="pingfang sc"/>
-              </a:rPr>
-              <a:t>年正式成为签约天使。</a:t>
-            </a:r>
-            <a:r>
-              <a:rPr lang="en-US" altLang="zh-CN" dirty="0">
-                <a:solidFill>
-                  <a:srgbClr val="191919"/>
-                </a:solidFill>
-                <a:latin typeface="pingfang sc"/>
-              </a:rPr>
-              <a:t>2015</a:t>
-            </a:r>
-            <a:r>
-              <a:rPr lang="zh-CN" altLang="en-US" dirty="0">
-                <a:solidFill>
-                  <a:srgbClr val="191919"/>
-                </a:solidFill>
-                <a:latin typeface="pingfang sc"/>
-              </a:rPr>
-              <a:t>年，为了有更多个人自由时间可以去大学学习编程，她竟然与维密解约！直接到今年，阔别 </a:t>
-            </a:r>
-            <a:r>
-              <a:rPr lang="en-US" altLang="zh-CN" dirty="0">
-                <a:solidFill>
-                  <a:srgbClr val="191919"/>
-                </a:solidFill>
-                <a:latin typeface="pingfang sc"/>
-              </a:rPr>
-              <a:t>2 </a:t>
-            </a:r>
-            <a:r>
-              <a:rPr lang="zh-CN" altLang="en-US" dirty="0">
-                <a:solidFill>
-                  <a:srgbClr val="191919"/>
-                </a:solidFill>
-                <a:latin typeface="pingfang sc"/>
-              </a:rPr>
-              <a:t>年的她才再次登上 </a:t>
-            </a:r>
-            <a:r>
-              <a:rPr lang="en-US" altLang="zh-CN" dirty="0">
-                <a:solidFill>
-                  <a:srgbClr val="191919"/>
-                </a:solidFill>
-                <a:latin typeface="pingfang sc"/>
-              </a:rPr>
-              <a:t>VS </a:t>
-            </a:r>
-            <a:r>
-              <a:rPr lang="zh-CN" altLang="en-US" dirty="0">
-                <a:solidFill>
-                  <a:srgbClr val="191919"/>
-                </a:solidFill>
-                <a:latin typeface="pingfang sc"/>
-              </a:rPr>
-              <a:t>舞台！</a:t>
-            </a:r>
-            <a:endParaRPr lang="zh-CN" altLang="en-US" dirty="0"/>
-          </a:p>
-        </p:txBody>
-      </p:sp>
-      <p:sp>
-        <p:nvSpPr>
-          <p:cNvPr id="2" name="矩形 1"/>
-          <p:cNvSpPr/>
-          <p:nvPr/>
-        </p:nvSpPr>
-        <p:spPr>
-          <a:xfrm>
-            <a:off x="1246494" y="2176776"/>
-            <a:ext cx="6096000" cy="646331"/>
-          </a:xfrm>
-          <a:prstGeom prst="rect">
-            <a:avLst/>
-          </a:prstGeom>
-        </p:spPr>
-        <p:txBody>
-          <a:bodyPr>
-            <a:spAutoFit/>
-          </a:bodyPr>
-          <a:lstStyle/>
-          <a:p>
-            <a:r>
-              <a:rPr lang="zh-CN" altLang="en-US"/>
-              <a:t>http://www.360doc.com/content/15/1015/10/2369606_505768400.shtml</a:t>
-            </a:r>
+                <a:latin typeface="Times New Roman" panose="02020603050405020304" pitchFamily="18" charset="0"/>
+              </a:rPr>
+              <a:t>在维密天使中地位比较高的超模才有资格背上翅膀，所以每一届走秀只要看谁有翅膀，大致就能看出他在维密中的成绩如何了。</a:t>
+            </a:r>
+            <a:endParaRPr lang="en-US" dirty="0"/>
           </a:p>
         </p:txBody>
       </p:sp>
     </p:spTree>
     <p:extLst>
       <p:ext uri="{BB962C8B-B14F-4D97-AF65-F5344CB8AC3E}">
-        <p14:creationId xmlns:p14="http://schemas.microsoft.com/office/powerpoint/2010/main" val="277915250"/>
+        <p14:creationId xmlns:p14="http://schemas.microsoft.com/office/powerpoint/2010/main" val="2744261869"/>
       </p:ext>
     </p:extLst>
   </p:cSld>
   <p:clrMapOvr>
     <a:masterClrMapping/>
   </p:clrMapOvr>
-  <p:timing>
-    <p:tnLst>
-      <p:par>
-        <p:cTn id="1" dur="indefinite" restart="never" nodeType="tmRoot"/>
-      </p:par>
-    </p:tnLst>
-  </p:timing>
 </p:sld>
 </file>
 
@@ -3748,14 +3761,14 @@
       </p:grpSpPr>
       <p:sp>
         <p:nvSpPr>
-          <p:cNvPr id="4" name="矩形 3"/>
+          <p:cNvPr id="50" name="矩形 49"/>
           <p:cNvSpPr/>
           <p:nvPr/>
         </p:nvSpPr>
         <p:spPr>
           <a:xfrm>
-            <a:off x="889296" y="514782"/>
-            <a:ext cx="2160720" cy="369332"/>
+            <a:off x="5258872" y="501134"/>
+            <a:ext cx="1107996" cy="369332"/>
           </a:xfrm>
           <a:prstGeom prst="rect">
             <a:avLst/>
@@ -3768,34 +3781,22 @@
           <a:lstStyle/>
           <a:p>
             <a:r>
-              <a:rPr lang="en-US" altLang="zh-CN" dirty="0"/>
-              <a:t>Alessandra </a:t>
-            </a:r>
-            <a:r>
-              <a:rPr lang="en-US" altLang="zh-CN" dirty="0" err="1"/>
-              <a:t>Ambrosio</a:t>
-            </a:r>
-            <a:endParaRPr lang="zh-CN" altLang="en-US" dirty="0"/>
+              <a:rPr lang="zh-CN" altLang="en-US" dirty="0"/>
+              <a:t>表演嘉宾</a:t>
+            </a:r>
           </a:p>
         </p:txBody>
       </p:sp>
     </p:spTree>
     <p:extLst>
       <p:ext uri="{BB962C8B-B14F-4D97-AF65-F5344CB8AC3E}">
-        <p14:creationId xmlns:p14="http://schemas.microsoft.com/office/powerpoint/2010/main" val="628578404"/>
+        <p14:creationId xmlns:p14="http://schemas.microsoft.com/office/powerpoint/2010/main" val="3635737253"/>
       </p:ext>
     </p:extLst>
   </p:cSld>
   <p:clrMapOvr>
     <a:masterClrMapping/>
   </p:clrMapOvr>
-  <p:timing>
-    <p:tnLst>
-      <p:par>
-        <p:cTn id="1" dur="indefinite" restart="never" nodeType="tmRoot"/>
-      </p:par>
-    </p:tnLst>
-  </p:timing>
 </p:sld>
 </file>
 
@@ -3818,28 +3819,79 @@
       </p:grpSpPr>
       <p:sp>
         <p:nvSpPr>
-          <p:cNvPr id="4" name="矩形 3"/>
+          <p:cNvPr id="2" name="矩形 1"/>
           <p:cNvSpPr/>
           <p:nvPr/>
         </p:nvSpPr>
         <p:spPr>
           <a:xfrm>
-            <a:off x="889296" y="514782"/>
-            <a:ext cx="1414170" cy="369332"/>
+            <a:off x="4899546" y="508422"/>
+            <a:ext cx="2784143" cy="369332"/>
           </a:xfrm>
           <a:prstGeom prst="rect">
             <a:avLst/>
           </a:prstGeom>
         </p:spPr>
         <p:txBody>
-          <a:bodyPr wrap="none">
+          <a:bodyPr wrap="square">
             <a:spAutoFit/>
           </a:bodyPr>
           <a:lstStyle/>
           <a:p>
             <a:r>
-              <a:rPr lang="en-US" altLang="zh-CN" dirty="0"/>
-              <a:t>Adriana Lima</a:t>
+              <a:rPr lang="zh-CN" altLang="en-US" dirty="0"/>
+              <a:t>中国秀</a:t>
+            </a:r>
+          </a:p>
+        </p:txBody>
+      </p:sp>
+      <p:sp>
+        <p:nvSpPr>
+          <p:cNvPr id="3" name="矩形 2"/>
+          <p:cNvSpPr/>
+          <p:nvPr/>
+        </p:nvSpPr>
+        <p:spPr>
+          <a:xfrm>
+            <a:off x="2147247" y="1045023"/>
+            <a:ext cx="6096000" cy="646331"/>
+          </a:xfrm>
+          <a:prstGeom prst="rect">
+            <a:avLst/>
+          </a:prstGeom>
+        </p:spPr>
+        <p:txBody>
+          <a:bodyPr>
+            <a:spAutoFit/>
+          </a:bodyPr>
+          <a:lstStyle/>
+          <a:p>
+            <a:r>
+              <a:rPr lang="zh-CN" altLang="en-US" dirty="0">
+                <a:solidFill>
+                  <a:srgbClr val="191919"/>
+                </a:solidFill>
+                <a:latin typeface="pingfang sc"/>
+              </a:rPr>
+              <a:t>今年的上海大秀是</a:t>
+            </a:r>
+            <a:r>
+              <a:rPr lang="en-US" altLang="zh-CN" dirty="0">
+                <a:solidFill>
+                  <a:srgbClr val="191919"/>
+                </a:solidFill>
+                <a:latin typeface="pingfang sc"/>
+              </a:rPr>
+              <a:t>22</a:t>
+            </a:r>
+            <a:r>
+              <a:rPr lang="zh-CN" altLang="en-US" dirty="0">
+                <a:solidFill>
+                  <a:srgbClr val="191919"/>
+                </a:solidFill>
+                <a:latin typeface="pingfang sc"/>
+              </a:rPr>
+              <a:t>岁的“维密秀”第四次离开美国老家，前三次分别去过戛纳、伦敦和巴黎。</a:t>
             </a:r>
             <a:endParaRPr lang="zh-CN" altLang="en-US" dirty="0"/>
           </a:p>
@@ -3848,20 +3900,13 @@
     </p:spTree>
     <p:extLst>
       <p:ext uri="{BB962C8B-B14F-4D97-AF65-F5344CB8AC3E}">
-        <p14:creationId xmlns:p14="http://schemas.microsoft.com/office/powerpoint/2010/main" val="4108009793"/>
+        <p14:creationId xmlns:p14="http://schemas.microsoft.com/office/powerpoint/2010/main" val="2867108628"/>
       </p:ext>
     </p:extLst>
   </p:cSld>
   <p:clrMapOvr>
     <a:masterClrMapping/>
   </p:clrMapOvr>
-  <p:timing>
-    <p:tnLst>
-      <p:par>
-        <p:cTn id="1" dur="indefinite" restart="never" nodeType="tmRoot"/>
-      </p:par>
-    </p:tnLst>
-  </p:timing>
 </p:sld>
 </file>
 
@@ -3890,6 +3935,689 @@
         </p:nvSpPr>
         <p:spPr>
           <a:xfrm>
+            <a:off x="4899546" y="508422"/>
+            <a:ext cx="2784143" cy="369332"/>
+          </a:xfrm>
+          <a:prstGeom prst="rect">
+            <a:avLst/>
+          </a:prstGeom>
+        </p:spPr>
+        <p:txBody>
+          <a:bodyPr wrap="square">
+            <a:spAutoFit/>
+          </a:bodyPr>
+          <a:lstStyle/>
+          <a:p>
+            <a:r>
+              <a:rPr lang="zh-CN" altLang="en-US" dirty="0"/>
+              <a:t>为什么选择上海</a:t>
+            </a:r>
+          </a:p>
+        </p:txBody>
+      </p:sp>
+      <p:sp>
+        <p:nvSpPr>
+          <p:cNvPr id="5" name="矩形 4"/>
+          <p:cNvSpPr/>
+          <p:nvPr/>
+        </p:nvSpPr>
+        <p:spPr>
+          <a:xfrm>
+            <a:off x="2008494" y="1111198"/>
+            <a:ext cx="9332795" cy="4247317"/>
+          </a:xfrm>
+          <a:prstGeom prst="rect">
+            <a:avLst/>
+          </a:prstGeom>
+        </p:spPr>
+        <p:txBody>
+          <a:bodyPr wrap="square">
+            <a:spAutoFit/>
+          </a:bodyPr>
+          <a:lstStyle/>
+          <a:p>
+            <a:pPr marL="342900" indent="-342900">
+              <a:buAutoNum type="arabicPeriod"/>
+            </a:pPr>
+            <a:r>
+              <a:rPr lang="en-US" altLang="zh-CN" dirty="0"/>
+              <a:t>3.8, </a:t>
+            </a:r>
+            <a:r>
+              <a:rPr lang="zh-CN" altLang="en-US" dirty="0"/>
+              <a:t>成都，上海</a:t>
+            </a:r>
+            <a:endParaRPr lang="en-US" altLang="zh-CN" dirty="0"/>
+          </a:p>
+          <a:p>
+            <a:pPr marL="342900" indent="-342900">
+              <a:buAutoNum type="arabicPeriod"/>
+            </a:pPr>
+            <a:r>
+              <a:rPr lang="zh-CN" altLang="en-US" dirty="0"/>
+              <a:t>维密确实赶上了中国市场的好时候。根据第一财经商业数据中心（</a:t>
+            </a:r>
+            <a:r>
+              <a:rPr lang="en-US" altLang="zh-CN" dirty="0"/>
+              <a:t>CBN Data</a:t>
+            </a:r>
+            <a:r>
+              <a:rPr lang="zh-CN" altLang="en-US" dirty="0"/>
+              <a:t>）在</a:t>
+            </a:r>
+            <a:r>
+              <a:rPr lang="en-US" altLang="zh-CN" dirty="0"/>
+              <a:t>2016</a:t>
+            </a:r>
+            <a:r>
+              <a:rPr lang="zh-CN" altLang="en-US" dirty="0"/>
+              <a:t>年发布的</a:t>
+            </a:r>
+            <a:r>
+              <a:rPr lang="en-US" altLang="zh-CN" dirty="0"/>
+              <a:t>《</a:t>
+            </a:r>
+            <a:r>
+              <a:rPr lang="zh-CN" altLang="en-US" dirty="0"/>
+              <a:t>女性内衣消费趋势报告</a:t>
+            </a:r>
+            <a:r>
+              <a:rPr lang="en-US" altLang="zh-CN" dirty="0"/>
+              <a:t>》</a:t>
+            </a:r>
+            <a:r>
+              <a:rPr lang="zh-CN" altLang="en-US" dirty="0"/>
+              <a:t>显示，中国消费者在线上购买内衣时搜索频率最高的一大关键词就是“性感”。消费者不再把内衣当作单纯的内衣来看，而是愈发重视内外的搭配和穿着的时尚感。</a:t>
+            </a:r>
+            <a:endParaRPr lang="en-US" altLang="zh-CN" dirty="0"/>
+          </a:p>
+          <a:p>
+            <a:pPr marL="342900" indent="-342900">
+              <a:buAutoNum type="arabicPeriod"/>
+            </a:pPr>
+            <a:r>
+              <a:rPr lang="zh-CN" altLang="en-US" dirty="0"/>
+              <a:t>业绩下滑</a:t>
+            </a:r>
+            <a:endParaRPr lang="en-US" altLang="zh-CN" dirty="0"/>
+          </a:p>
+          <a:p>
+            <a:r>
+              <a:rPr lang="en-US" altLang="zh-CN" dirty="0"/>
+              <a:t>L Brands</a:t>
+            </a:r>
+            <a:r>
+              <a:rPr lang="zh-CN" altLang="en-US" dirty="0"/>
+              <a:t>的业绩在维密从</a:t>
+            </a:r>
+            <a:r>
+              <a:rPr lang="en-US" altLang="zh-CN" dirty="0"/>
+              <a:t>2010</a:t>
+            </a:r>
+            <a:r>
+              <a:rPr lang="zh-CN" altLang="en-US" dirty="0"/>
+              <a:t>年开始出现增长放缓的趋势后已经受到长期的拖累。根据</a:t>
+            </a:r>
+            <a:r>
+              <a:rPr lang="en-US" altLang="zh-CN" dirty="0"/>
+              <a:t>L Brands</a:t>
+            </a:r>
+            <a:r>
+              <a:rPr lang="zh-CN" altLang="en-US" dirty="0"/>
+              <a:t>最新发布的财报显示，维密</a:t>
+            </a:r>
+            <a:r>
+              <a:rPr lang="en-US" altLang="zh-CN" dirty="0"/>
+              <a:t>2016</a:t>
+            </a:r>
+            <a:r>
+              <a:rPr lang="zh-CN" altLang="en-US" dirty="0"/>
+              <a:t>年的全年销售额与前年相比几乎没有增长。而今年</a:t>
+            </a:r>
+            <a:r>
+              <a:rPr lang="en-US" altLang="zh-CN" dirty="0"/>
+              <a:t>2</a:t>
+            </a:r>
+            <a:r>
+              <a:rPr lang="zh-CN" altLang="en-US" dirty="0"/>
+              <a:t>月的销售额则预计比</a:t>
+            </a:r>
+            <a:r>
+              <a:rPr lang="en-US" altLang="zh-CN" dirty="0"/>
+              <a:t>1</a:t>
+            </a:r>
+            <a:r>
+              <a:rPr lang="zh-CN" altLang="en-US" dirty="0"/>
+              <a:t>月下跌</a:t>
+            </a:r>
+            <a:r>
+              <a:rPr lang="en-US" altLang="zh-CN" dirty="0"/>
+              <a:t>20%</a:t>
+            </a:r>
+            <a:r>
+              <a:rPr lang="zh-CN" altLang="en-US" dirty="0"/>
+              <a:t>，已经引发投资者恐惧。</a:t>
+            </a:r>
+            <a:endParaRPr lang="en-US" altLang="zh-CN" dirty="0"/>
+          </a:p>
+          <a:p>
+            <a:r>
+              <a:rPr lang="zh-CN" altLang="en-US" dirty="0"/>
+              <a:t>因为这一核心品牌的业务的长时间停滞，</a:t>
+            </a:r>
+            <a:r>
+              <a:rPr lang="en-US" altLang="zh-CN" dirty="0"/>
+              <a:t>L Brands</a:t>
+            </a:r>
+            <a:r>
+              <a:rPr lang="zh-CN" altLang="en-US" dirty="0"/>
+              <a:t>股价已累积下跌近</a:t>
+            </a:r>
+            <a:r>
+              <a:rPr lang="en-US" altLang="zh-CN" dirty="0"/>
+              <a:t>30%</a:t>
+            </a:r>
+            <a:r>
+              <a:rPr lang="zh-CN" altLang="en-US" dirty="0"/>
+              <a:t>。而就在</a:t>
+            </a:r>
+            <a:r>
+              <a:rPr lang="en-US" altLang="zh-CN" dirty="0"/>
+              <a:t>2</a:t>
+            </a:r>
+            <a:r>
+              <a:rPr lang="zh-CN" altLang="en-US" dirty="0"/>
+              <a:t>月</a:t>
+            </a:r>
+            <a:r>
+              <a:rPr lang="en-US" altLang="zh-CN" dirty="0"/>
+              <a:t>22</a:t>
+            </a:r>
+            <a:r>
+              <a:rPr lang="zh-CN" altLang="en-US" dirty="0"/>
+              <a:t>日，其股票在盘后交易又大幅跳水</a:t>
+            </a:r>
+            <a:r>
+              <a:rPr lang="en-US" altLang="zh-CN" dirty="0"/>
+              <a:t>13%</a:t>
+            </a:r>
+            <a:r>
+              <a:rPr lang="zh-CN" altLang="en-US" dirty="0"/>
+              <a:t>，管理层同时迅速大幅下调了</a:t>
+            </a:r>
+            <a:r>
+              <a:rPr lang="en-US" altLang="zh-CN" dirty="0"/>
+              <a:t>2017</a:t>
+            </a:r>
+            <a:r>
+              <a:rPr lang="zh-CN" altLang="en-US" dirty="0"/>
+              <a:t>年第一季度的盈利预期。另外，根据维密最大的供货商维珍妮集团的业绩报告显示，由于维密新季度的订单减少直接导致维珍妮在</a:t>
+            </a:r>
+            <a:r>
+              <a:rPr lang="en-US" altLang="zh-CN" dirty="0"/>
+              <a:t>2016</a:t>
+            </a:r>
+            <a:r>
+              <a:rPr lang="zh-CN" altLang="en-US" dirty="0"/>
+              <a:t>年上半年的利润暴跌了</a:t>
+            </a:r>
+            <a:r>
+              <a:rPr lang="en-US" altLang="zh-CN" dirty="0"/>
+              <a:t>89%——</a:t>
+            </a:r>
+            <a:r>
+              <a:rPr lang="zh-CN" altLang="en-US" dirty="0"/>
+              <a:t>维密的订单占其年销售总额的</a:t>
+            </a:r>
+            <a:r>
+              <a:rPr lang="en-US" altLang="zh-CN" dirty="0"/>
+              <a:t>35%</a:t>
+            </a:r>
+            <a:r>
+              <a:rPr lang="zh-CN" altLang="en-US" dirty="0"/>
+              <a:t>左右。</a:t>
+            </a:r>
+            <a:endParaRPr lang="en-US" altLang="zh-CN" dirty="0"/>
+          </a:p>
+          <a:p>
+            <a:r>
+              <a:rPr lang="zh-CN" altLang="en-US" dirty="0"/>
+              <a:t>在维密的公司经营历史上，这个品牌一度因为美国市场的销售强劲而对海外市场兴趣寥寥。到目前为止，维密已经开拓的海外市场，除了中国之外，也还只有加拿大和英国。</a:t>
+            </a:r>
+          </a:p>
+        </p:txBody>
+      </p:sp>
+      <p:sp>
+        <p:nvSpPr>
+          <p:cNvPr id="4" name="矩形 3"/>
+          <p:cNvSpPr/>
+          <p:nvPr/>
+        </p:nvSpPr>
+        <p:spPr>
+          <a:xfrm>
+            <a:off x="2008494" y="5591959"/>
+            <a:ext cx="4943597" cy="369332"/>
+          </a:xfrm>
+          <a:prstGeom prst="rect">
+            <a:avLst/>
+          </a:prstGeom>
+        </p:spPr>
+        <p:txBody>
+          <a:bodyPr wrap="none">
+            <a:spAutoFit/>
+          </a:bodyPr>
+          <a:lstStyle/>
+          <a:p>
+            <a:r>
+              <a:rPr lang="zh-CN" altLang="en-US" dirty="0"/>
+              <a:t>https://www.cbnweek.com/articles/normal/15946</a:t>
+            </a:r>
+          </a:p>
+        </p:txBody>
+      </p:sp>
+    </p:spTree>
+    <p:extLst>
+      <p:ext uri="{BB962C8B-B14F-4D97-AF65-F5344CB8AC3E}">
+        <p14:creationId xmlns:p14="http://schemas.microsoft.com/office/powerpoint/2010/main" val="2936496668"/>
+      </p:ext>
+    </p:extLst>
+  </p:cSld>
+  <p:clrMapOvr>
+    <a:masterClrMapping/>
+  </p:clrMapOvr>
+</p:sld>
+</file>
+
+<file path=ppt/slides/slide16.xml><?xml version="1.0" encoding="utf-8"?>
+<p:sld xmlns:a="http://schemas.openxmlformats.org/drawingml/2006/main" xmlns:r="http://schemas.openxmlformats.org/officeDocument/2006/relationships" xmlns:p="http://schemas.openxmlformats.org/presentationml/2006/main">
+  <p:cSld>
+    <p:spTree>
+      <p:nvGrpSpPr>
+        <p:cNvPr id="1" name=""/>
+        <p:cNvGrpSpPr/>
+        <p:nvPr/>
+      </p:nvGrpSpPr>
+      <p:grpSpPr>
+        <a:xfrm>
+          <a:off x="0" y="0"/>
+          <a:ext cx="0" cy="0"/>
+          <a:chOff x="0" y="0"/>
+          <a:chExt cx="0" cy="0"/>
+        </a:xfrm>
+      </p:grpSpPr>
+      <p:sp>
+        <p:nvSpPr>
+          <p:cNvPr id="4" name="矩形 3"/>
+          <p:cNvSpPr/>
+          <p:nvPr/>
+        </p:nvSpPr>
+        <p:spPr>
+          <a:xfrm>
+            <a:off x="889296" y="514782"/>
+            <a:ext cx="2160720" cy="369332"/>
+          </a:xfrm>
+          <a:prstGeom prst="rect">
+            <a:avLst/>
+          </a:prstGeom>
+        </p:spPr>
+        <p:txBody>
+          <a:bodyPr wrap="none">
+            <a:spAutoFit/>
+          </a:bodyPr>
+          <a:lstStyle/>
+          <a:p>
+            <a:r>
+              <a:rPr lang="en-US" altLang="zh-CN" dirty="0"/>
+              <a:t>Alessandra </a:t>
+            </a:r>
+            <a:r>
+              <a:rPr lang="en-US" altLang="zh-CN" dirty="0" err="1"/>
+              <a:t>Ambrosio</a:t>
+            </a:r>
+            <a:endParaRPr lang="zh-CN" altLang="en-US" dirty="0"/>
+          </a:p>
+        </p:txBody>
+      </p:sp>
+    </p:spTree>
+    <p:extLst>
+      <p:ext uri="{BB962C8B-B14F-4D97-AF65-F5344CB8AC3E}">
+        <p14:creationId xmlns:p14="http://schemas.microsoft.com/office/powerpoint/2010/main" val="628578404"/>
+      </p:ext>
+    </p:extLst>
+  </p:cSld>
+  <p:clrMapOvr>
+    <a:masterClrMapping/>
+  </p:clrMapOvr>
+</p:sld>
+</file>
+
+<file path=ppt/slides/slide17.xml><?xml version="1.0" encoding="utf-8"?>
+<p:sld xmlns:a="http://schemas.openxmlformats.org/drawingml/2006/main" xmlns:r="http://schemas.openxmlformats.org/officeDocument/2006/relationships" xmlns:p="http://schemas.openxmlformats.org/presentationml/2006/main">
+  <p:cSld>
+    <p:spTree>
+      <p:nvGrpSpPr>
+        <p:cNvPr id="1" name=""/>
+        <p:cNvGrpSpPr/>
+        <p:nvPr/>
+      </p:nvGrpSpPr>
+      <p:grpSpPr>
+        <a:xfrm>
+          <a:off x="0" y="0"/>
+          <a:ext cx="0" cy="0"/>
+          <a:chOff x="0" y="0"/>
+          <a:chExt cx="0" cy="0"/>
+        </a:xfrm>
+      </p:grpSpPr>
+      <p:sp>
+        <p:nvSpPr>
+          <p:cNvPr id="4" name="矩形 3"/>
+          <p:cNvSpPr/>
+          <p:nvPr/>
+        </p:nvSpPr>
+        <p:spPr>
+          <a:xfrm>
+            <a:off x="889296" y="514782"/>
+            <a:ext cx="1569660" cy="369332"/>
+          </a:xfrm>
+          <a:prstGeom prst="rect">
+            <a:avLst/>
+          </a:prstGeom>
+        </p:spPr>
+        <p:txBody>
+          <a:bodyPr wrap="none">
+            <a:spAutoFit/>
+          </a:bodyPr>
+          <a:lstStyle/>
+          <a:p>
+            <a:r>
+              <a:rPr lang="en-US" altLang="zh-CN" dirty="0">
+                <a:solidFill>
+                  <a:srgbClr val="191919"/>
+                </a:solidFill>
+                <a:latin typeface="pingfang sc"/>
+              </a:rPr>
+              <a:t>Karlie </a:t>
+            </a:r>
+            <a:r>
+              <a:rPr lang="en-US" altLang="zh-CN" dirty="0" err="1">
+                <a:solidFill>
+                  <a:srgbClr val="191919"/>
+                </a:solidFill>
+                <a:latin typeface="pingfang sc"/>
+              </a:rPr>
+              <a:t>Kloss</a:t>
+            </a:r>
+            <a:endParaRPr lang="zh-CN" altLang="en-US" dirty="0"/>
+          </a:p>
+        </p:txBody>
+      </p:sp>
+      <p:sp>
+        <p:nvSpPr>
+          <p:cNvPr id="5" name="矩形 4"/>
+          <p:cNvSpPr/>
+          <p:nvPr/>
+        </p:nvSpPr>
+        <p:spPr>
+          <a:xfrm>
+            <a:off x="1246494" y="884114"/>
+            <a:ext cx="10476931" cy="923330"/>
+          </a:xfrm>
+          <a:prstGeom prst="rect">
+            <a:avLst/>
+          </a:prstGeom>
+        </p:spPr>
+        <p:txBody>
+          <a:bodyPr wrap="square">
+            <a:spAutoFit/>
+          </a:bodyPr>
+          <a:lstStyle/>
+          <a:p>
+            <a:r>
+              <a:rPr lang="en-US" altLang="zh-CN" dirty="0">
+                <a:solidFill>
+                  <a:srgbClr val="191919"/>
+                </a:solidFill>
+                <a:latin typeface="pingfang sc"/>
+              </a:rPr>
+              <a:t>2011</a:t>
+            </a:r>
+            <a:r>
+              <a:rPr lang="zh-CN" altLang="en-US" dirty="0">
+                <a:solidFill>
+                  <a:srgbClr val="191919"/>
+                </a:solidFill>
+                <a:latin typeface="pingfang sc"/>
+              </a:rPr>
+              <a:t>年，</a:t>
+            </a:r>
+            <a:r>
+              <a:rPr lang="en-US" altLang="zh-CN" dirty="0">
+                <a:solidFill>
+                  <a:srgbClr val="191919"/>
+                </a:solidFill>
+                <a:latin typeface="pingfang sc"/>
+              </a:rPr>
+              <a:t>Karlie </a:t>
+            </a:r>
+            <a:r>
+              <a:rPr lang="en-US" altLang="zh-CN" dirty="0" err="1">
+                <a:solidFill>
+                  <a:srgbClr val="191919"/>
+                </a:solidFill>
+                <a:latin typeface="pingfang sc"/>
+              </a:rPr>
+              <a:t>Kloss</a:t>
+            </a:r>
+            <a:r>
+              <a:rPr lang="zh-CN" altLang="en-US" dirty="0">
+                <a:solidFill>
+                  <a:srgbClr val="191919"/>
+                </a:solidFill>
+                <a:latin typeface="pingfang sc"/>
+              </a:rPr>
+              <a:t>首次登上“维多利亚的秘密”，</a:t>
+            </a:r>
+            <a:r>
+              <a:rPr lang="en-US" altLang="zh-CN" dirty="0">
+                <a:solidFill>
+                  <a:srgbClr val="191919"/>
+                </a:solidFill>
+                <a:latin typeface="pingfang sc"/>
+              </a:rPr>
+              <a:t>2013</a:t>
+            </a:r>
+            <a:r>
+              <a:rPr lang="zh-CN" altLang="en-US" dirty="0">
+                <a:solidFill>
+                  <a:srgbClr val="191919"/>
+                </a:solidFill>
+                <a:latin typeface="pingfang sc"/>
+              </a:rPr>
+              <a:t>年正式成为签约天使。</a:t>
+            </a:r>
+            <a:r>
+              <a:rPr lang="en-US" altLang="zh-CN" dirty="0">
+                <a:solidFill>
+                  <a:srgbClr val="191919"/>
+                </a:solidFill>
+                <a:latin typeface="pingfang sc"/>
+              </a:rPr>
+              <a:t>2015</a:t>
+            </a:r>
+            <a:r>
+              <a:rPr lang="zh-CN" altLang="en-US" dirty="0">
+                <a:solidFill>
+                  <a:srgbClr val="191919"/>
+                </a:solidFill>
+                <a:latin typeface="pingfang sc"/>
+              </a:rPr>
+              <a:t>年，为了有更多个人自由时间可以去大学学习编程，她竟然与维密解约！直接到今年，阔别 </a:t>
+            </a:r>
+            <a:r>
+              <a:rPr lang="en-US" altLang="zh-CN" dirty="0">
+                <a:solidFill>
+                  <a:srgbClr val="191919"/>
+                </a:solidFill>
+                <a:latin typeface="pingfang sc"/>
+              </a:rPr>
+              <a:t>2 </a:t>
+            </a:r>
+            <a:r>
+              <a:rPr lang="zh-CN" altLang="en-US" dirty="0">
+                <a:solidFill>
+                  <a:srgbClr val="191919"/>
+                </a:solidFill>
+                <a:latin typeface="pingfang sc"/>
+              </a:rPr>
+              <a:t>年的她才再次登上 </a:t>
+            </a:r>
+            <a:r>
+              <a:rPr lang="en-US" altLang="zh-CN" dirty="0">
+                <a:solidFill>
+                  <a:srgbClr val="191919"/>
+                </a:solidFill>
+                <a:latin typeface="pingfang sc"/>
+              </a:rPr>
+              <a:t>VS </a:t>
+            </a:r>
+            <a:r>
+              <a:rPr lang="zh-CN" altLang="en-US" dirty="0">
+                <a:solidFill>
+                  <a:srgbClr val="191919"/>
+                </a:solidFill>
+                <a:latin typeface="pingfang sc"/>
+              </a:rPr>
+              <a:t>舞台！</a:t>
+            </a:r>
+            <a:endParaRPr lang="zh-CN" altLang="en-US" dirty="0"/>
+          </a:p>
+        </p:txBody>
+      </p:sp>
+      <p:sp>
+        <p:nvSpPr>
+          <p:cNvPr id="2" name="矩形 1"/>
+          <p:cNvSpPr/>
+          <p:nvPr/>
+        </p:nvSpPr>
+        <p:spPr>
+          <a:xfrm>
+            <a:off x="1246494" y="2176776"/>
+            <a:ext cx="6096000" cy="646331"/>
+          </a:xfrm>
+          <a:prstGeom prst="rect">
+            <a:avLst/>
+          </a:prstGeom>
+        </p:spPr>
+        <p:txBody>
+          <a:bodyPr>
+            <a:spAutoFit/>
+          </a:bodyPr>
+          <a:lstStyle/>
+          <a:p>
+            <a:r>
+              <a:rPr lang="zh-CN" altLang="en-US"/>
+              <a:t>http://www.360doc.com/content/15/1015/10/2369606_505768400.shtml</a:t>
+            </a:r>
+          </a:p>
+        </p:txBody>
+      </p:sp>
+    </p:spTree>
+    <p:extLst>
+      <p:ext uri="{BB962C8B-B14F-4D97-AF65-F5344CB8AC3E}">
+        <p14:creationId xmlns:p14="http://schemas.microsoft.com/office/powerpoint/2010/main" val="277915250"/>
+      </p:ext>
+    </p:extLst>
+  </p:cSld>
+  <p:clrMapOvr>
+    <a:masterClrMapping/>
+  </p:clrMapOvr>
+</p:sld>
+</file>
+
+<file path=ppt/slides/slide18.xml><?xml version="1.0" encoding="utf-8"?>
+<p:sld xmlns:a="http://schemas.openxmlformats.org/drawingml/2006/main" xmlns:r="http://schemas.openxmlformats.org/officeDocument/2006/relationships" xmlns:p="http://schemas.openxmlformats.org/presentationml/2006/main">
+  <p:cSld>
+    <p:spTree>
+      <p:nvGrpSpPr>
+        <p:cNvPr id="1" name=""/>
+        <p:cNvGrpSpPr/>
+        <p:nvPr/>
+      </p:nvGrpSpPr>
+      <p:grpSpPr>
+        <a:xfrm>
+          <a:off x="0" y="0"/>
+          <a:ext cx="0" cy="0"/>
+          <a:chOff x="0" y="0"/>
+          <a:chExt cx="0" cy="0"/>
+        </a:xfrm>
+      </p:grpSpPr>
+      <p:sp>
+        <p:nvSpPr>
+          <p:cNvPr id="4" name="矩形 3"/>
+          <p:cNvSpPr/>
+          <p:nvPr/>
+        </p:nvSpPr>
+        <p:spPr>
+          <a:xfrm>
+            <a:off x="889296" y="514782"/>
+            <a:ext cx="1414170" cy="369332"/>
+          </a:xfrm>
+          <a:prstGeom prst="rect">
+            <a:avLst/>
+          </a:prstGeom>
+        </p:spPr>
+        <p:txBody>
+          <a:bodyPr wrap="none">
+            <a:spAutoFit/>
+          </a:bodyPr>
+          <a:lstStyle/>
+          <a:p>
+            <a:r>
+              <a:rPr lang="en-US" altLang="zh-CN" dirty="0"/>
+              <a:t>Adriana Lima</a:t>
+            </a:r>
+            <a:endParaRPr lang="zh-CN" altLang="en-US" dirty="0"/>
+          </a:p>
+        </p:txBody>
+      </p:sp>
+    </p:spTree>
+    <p:extLst>
+      <p:ext uri="{BB962C8B-B14F-4D97-AF65-F5344CB8AC3E}">
+        <p14:creationId xmlns:p14="http://schemas.microsoft.com/office/powerpoint/2010/main" val="4108009793"/>
+      </p:ext>
+    </p:extLst>
+  </p:cSld>
+  <p:clrMapOvr>
+    <a:masterClrMapping/>
+  </p:clrMapOvr>
+</p:sld>
+</file>
+
+<file path=ppt/slides/slide19.xml><?xml version="1.0" encoding="utf-8"?>
+<p:sld xmlns:a="http://schemas.openxmlformats.org/drawingml/2006/main" xmlns:r="http://schemas.openxmlformats.org/officeDocument/2006/relationships" xmlns:p="http://schemas.openxmlformats.org/presentationml/2006/main">
+  <p:cSld>
+    <p:spTree>
+      <p:nvGrpSpPr>
+        <p:cNvPr id="1" name=""/>
+        <p:cNvGrpSpPr/>
+        <p:nvPr/>
+      </p:nvGrpSpPr>
+      <p:grpSpPr>
+        <a:xfrm>
+          <a:off x="0" y="0"/>
+          <a:ext cx="0" cy="0"/>
+          <a:chOff x="0" y="0"/>
+          <a:chExt cx="0" cy="0"/>
+        </a:xfrm>
+      </p:grpSpPr>
+      <p:sp>
+        <p:nvSpPr>
+          <p:cNvPr id="2" name="矩形 1"/>
+          <p:cNvSpPr/>
+          <p:nvPr/>
+        </p:nvSpPr>
+        <p:spPr>
+          <a:xfrm>
             <a:off x="3916908" y="644900"/>
             <a:ext cx="4299044" cy="369332"/>
           </a:xfrm>
@@ -3905,13 +4633,8 @@
           <a:p>
             <a:r>
               <a:rPr lang="zh-CN" altLang="en-US" dirty="0"/>
-              <a:t>它有一个假的总部地址</a:t>
-            </a:r>
-            <a:r>
-              <a:rPr lang="zh-CN" altLang="en-US" dirty="0" smtClean="0"/>
-              <a:t> </a:t>
-            </a:r>
-            <a:endParaRPr lang="zh-CN" altLang="en-US" dirty="0"/>
+              <a:t>它有一个假的总部地址 </a:t>
+            </a:r>
           </a:p>
         </p:txBody>
       </p:sp>
@@ -3938,11 +4661,7 @@
           <a:p>
             <a:r>
               <a:rPr lang="zh-CN" altLang="en-US" dirty="0"/>
-              <a:t>为了保持品牌英式、 高档的形象， 公司曾经在商品目录上印着地址“伦敦， </a:t>
-            </a:r>
-            <a:r>
-              <a:rPr lang="zh-CN" altLang="en-US" dirty="0" smtClean="0"/>
-              <a:t>玛格丽特大街 </a:t>
+              <a:t>为了保持品牌英式、 高档的形象， 公司曾经在商品目录上印着地址“伦敦， 玛格丽特大街 </a:t>
             </a:r>
             <a:r>
               <a:rPr lang="en-US" altLang="zh-CN" dirty="0"/>
@@ -3950,13 +4669,8 @@
             </a:r>
             <a:r>
               <a:rPr lang="zh-CN" altLang="en-US" dirty="0"/>
-              <a:t>号”， 但其实他们的总部在美国俄亥俄州的哥伦布市。</a:t>
-            </a:r>
-            <a:r>
-              <a:rPr lang="zh-CN" altLang="en-US" dirty="0" smtClean="0"/>
-              <a:t> </a:t>
-            </a:r>
-            <a:endParaRPr lang="zh-CN" altLang="en-US" dirty="0"/>
+              <a:t>号”， 但其实他们的总部在美国俄亥俄州的哥伦布市。 </a:t>
+            </a:r>
           </a:p>
         </p:txBody>
       </p:sp>
@@ -3970,13 +4684,6 @@
   <p:clrMapOvr>
     <a:masterClrMapping/>
   </p:clrMapOvr>
-  <p:timing>
-    <p:tnLst>
-      <p:par>
-        <p:cTn id="1" dur="indefinite" restart="never" nodeType="tmRoot"/>
-      </p:par>
-    </p:tnLst>
-  </p:timing>
 </p:sld>
 </file>
 
@@ -4005,8 +4712,8 @@
         </p:nvSpPr>
         <p:spPr>
           <a:xfrm>
-            <a:off x="1437983" y="1642161"/>
-            <a:ext cx="9417963" cy="830997"/>
+            <a:off x="3849231" y="2598003"/>
+            <a:ext cx="4493538" cy="830997"/>
           </a:xfrm>
           <a:prstGeom prst="rect">
             <a:avLst/>
@@ -4019,7 +4726,7 @@
           <a:lstStyle/>
           <a:p>
             <a:r>
-              <a:rPr lang="zh-CN" altLang="en-US" sz="4800" b="0" i="0" dirty="0" smtClean="0">
+              <a:rPr lang="zh-CN" altLang="en-US" sz="4800" b="0" i="0" dirty="0">
                 <a:solidFill>
                   <a:srgbClr val="000000"/>
                 </a:solidFill>
@@ -4027,22 +4734,52 @@
                 <a:latin typeface="SimSun" panose="02010600030101010101" pitchFamily="2" charset="-122"/>
                 <a:ea typeface="SimSun" panose="02010600030101010101" pitchFamily="2" charset="-122"/>
               </a:rPr>
-              <a:t>你为什么喜欢看维多利亚的秘密？</a:t>
+              <a:t>最新的你看了吗</a:t>
             </a:r>
             <a:endParaRPr lang="zh-CN" altLang="en-US" sz="4800" dirty="0"/>
           </a:p>
         </p:txBody>
       </p:sp>
-      <p:sp>
-        <p:nvSpPr>
-          <p:cNvPr id="5" name="矩形 4"/>
+    </p:spTree>
+    <p:extLst>
+      <p:ext uri="{BB962C8B-B14F-4D97-AF65-F5344CB8AC3E}">
+        <p14:creationId xmlns:p14="http://schemas.microsoft.com/office/powerpoint/2010/main" val="253557497"/>
+      </p:ext>
+    </p:extLst>
+  </p:cSld>
+  <p:clrMapOvr>
+    <a:masterClrMapping/>
+  </p:clrMapOvr>
+</p:sld>
+</file>
+
+<file path=ppt/slides/slide20.xml><?xml version="1.0" encoding="utf-8"?>
+<p:sld xmlns:a="http://schemas.openxmlformats.org/drawingml/2006/main" xmlns:r="http://schemas.openxmlformats.org/officeDocument/2006/relationships" xmlns:p="http://schemas.openxmlformats.org/presentationml/2006/main">
+  <p:cSld>
+    <p:spTree>
+      <p:nvGrpSpPr>
+        <p:cNvPr id="1" name=""/>
+        <p:cNvGrpSpPr/>
+        <p:nvPr/>
+      </p:nvGrpSpPr>
+      <p:grpSpPr>
+        <a:xfrm>
+          <a:off x="0" y="0"/>
+          <a:ext cx="0" cy="0"/>
+          <a:chOff x="0" y="0"/>
+          <a:chExt cx="0" cy="0"/>
+        </a:xfrm>
+      </p:grpSpPr>
+      <p:sp>
+        <p:nvSpPr>
+          <p:cNvPr id="3" name="矩形 2"/>
           <p:cNvSpPr/>
           <p:nvPr/>
         </p:nvSpPr>
         <p:spPr>
           <a:xfrm>
-            <a:off x="1437983" y="2654370"/>
-            <a:ext cx="3262432" cy="830997"/>
+            <a:off x="2102528" y="2030388"/>
+            <a:ext cx="8494633" cy="830997"/>
           </a:xfrm>
           <a:prstGeom prst="rect">
             <a:avLst/>
@@ -4055,51 +4792,34 @@
           <a:lstStyle/>
           <a:p>
             <a:r>
-              <a:rPr lang="zh-CN" altLang="en-US" sz="4800" b="0" i="0" dirty="0" smtClean="0">
+              <a:rPr lang="zh-CN" altLang="en-US" sz="4800" dirty="0">
                 <a:solidFill>
                   <a:srgbClr val="000000"/>
                 </a:solidFill>
-                <a:effectLst/>
                 <a:latin typeface="SimSun" panose="02010600030101010101" pitchFamily="2" charset="-122"/>
                 <a:ea typeface="SimSun" panose="02010600030101010101" pitchFamily="2" charset="-122"/>
               </a:rPr>
-              <a:t>你喜欢谁？</a:t>
-            </a:r>
-            <a:endParaRPr lang="zh-CN" altLang="en-US" sz="4800" dirty="0"/>
-          </a:p>
-        </p:txBody>
-      </p:sp>
-      <p:sp>
-        <p:nvSpPr>
-          <p:cNvPr id="6" name="矩形 5"/>
-          <p:cNvSpPr/>
-          <p:nvPr/>
-        </p:nvSpPr>
-        <p:spPr>
-          <a:xfrm>
-            <a:off x="1437983" y="3666579"/>
-            <a:ext cx="3877985" cy="830997"/>
-          </a:xfrm>
-          <a:prstGeom prst="rect">
-            <a:avLst/>
-          </a:prstGeom>
-        </p:spPr>
-        <p:txBody>
-          <a:bodyPr wrap="none">
-            <a:spAutoFit/>
-          </a:bodyPr>
-          <a:lstStyle/>
-          <a:p>
-            <a:r>
-              <a:rPr lang="zh-CN" altLang="en-US" sz="4800" b="0" i="0" dirty="0" smtClean="0">
+              <a:t>别给我放</a:t>
+            </a:r>
+            <a:r>
+              <a:rPr lang="en-US" altLang="zh-CN" sz="4800" dirty="0">
                 <a:solidFill>
                   <a:srgbClr val="000000"/>
                 </a:solidFill>
-                <a:effectLst/>
                 <a:latin typeface="SimSun" panose="02010600030101010101" pitchFamily="2" charset="-122"/>
                 <a:ea typeface="SimSun" panose="02010600030101010101" pitchFamily="2" charset="-122"/>
               </a:rPr>
-              <a:t>你是男人吗？</a:t>
+              <a:t>PPT</a:t>
+            </a:r>
+            <a:r>
+              <a:rPr lang="zh-CN" altLang="en-US" sz="4800" dirty="0">
+                <a:solidFill>
+                  <a:srgbClr val="000000"/>
+                </a:solidFill>
+                <a:latin typeface="SimSun" panose="02010600030101010101" pitchFamily="2" charset="-122"/>
+                <a:ea typeface="SimSun" panose="02010600030101010101" pitchFamily="2" charset="-122"/>
+              </a:rPr>
+              <a:t>，什么时候看视频</a:t>
             </a:r>
             <a:endParaRPr lang="zh-CN" altLang="en-US" sz="4800" dirty="0"/>
           </a:p>
@@ -4108,7 +4828,7 @@
     </p:spTree>
     <p:extLst>
       <p:ext uri="{BB962C8B-B14F-4D97-AF65-F5344CB8AC3E}">
-        <p14:creationId xmlns:p14="http://schemas.microsoft.com/office/powerpoint/2010/main" val="253557497"/>
+        <p14:creationId xmlns:p14="http://schemas.microsoft.com/office/powerpoint/2010/main" val="3873684703"/>
       </p:ext>
     </p:extLst>
   </p:cSld>
@@ -4137,243 +4857,27 @@
       </p:grpSpPr>
       <p:sp>
         <p:nvSpPr>
-          <p:cNvPr id="4" name="矩形 3"/>
+          <p:cNvPr id="6" name="矩形 5"/>
           <p:cNvSpPr/>
           <p:nvPr/>
         </p:nvSpPr>
         <p:spPr>
           <a:xfrm>
-            <a:off x="1160635" y="3596849"/>
-            <a:ext cx="10686197" cy="1477328"/>
+            <a:off x="4420334" y="2850652"/>
+            <a:ext cx="3877985" cy="830997"/>
           </a:xfrm>
           <a:prstGeom prst="rect">
             <a:avLst/>
           </a:prstGeom>
         </p:spPr>
         <p:txBody>
-          <a:bodyPr wrap="square">
-            <a:spAutoFit/>
-          </a:bodyPr>
-          <a:lstStyle/>
-          <a:p>
-            <a:r>
-              <a:rPr lang="zh-CN" altLang="en-US" b="0" i="0" dirty="0" smtClean="0">
-                <a:solidFill>
-                  <a:srgbClr val="333333"/>
-                </a:solidFill>
-                <a:effectLst/>
-                <a:latin typeface="arial" panose="020B0604020202020204" pitchFamily="34" charset="0"/>
-              </a:rPr>
-              <a:t>维多利亚的秘密</a:t>
-            </a:r>
-            <a:r>
-              <a:rPr lang="zh-CN" altLang="en-US" b="0" i="1" dirty="0" smtClean="0">
-                <a:solidFill>
-                  <a:srgbClr val="333333"/>
-                </a:solidFill>
-                <a:effectLst/>
-                <a:latin typeface="arial" panose="020B0604020202020204" pitchFamily="34" charset="0"/>
-              </a:rPr>
-              <a:t>（英文：</a:t>
-            </a:r>
-            <a:r>
-              <a:rPr lang="en-US" altLang="zh-CN" b="0" i="1" dirty="0" smtClean="0">
-                <a:solidFill>
-                  <a:srgbClr val="333333"/>
-                </a:solidFill>
-                <a:effectLst/>
-                <a:latin typeface="arial" panose="020B0604020202020204" pitchFamily="34" charset="0"/>
-              </a:rPr>
-              <a:t>Victoria's Secret</a:t>
-            </a:r>
-            <a:r>
-              <a:rPr lang="zh-CN" altLang="en-US" b="0" i="1" dirty="0" smtClean="0">
-                <a:solidFill>
-                  <a:srgbClr val="333333"/>
-                </a:solidFill>
-                <a:effectLst/>
-                <a:latin typeface="arial" panose="020B0604020202020204" pitchFamily="34" charset="0"/>
-              </a:rPr>
-              <a:t>，简称“</a:t>
-            </a:r>
-            <a:r>
-              <a:rPr lang="en-US" altLang="zh-CN" b="0" i="1" dirty="0" smtClean="0">
-                <a:solidFill>
-                  <a:srgbClr val="333333"/>
-                </a:solidFill>
-                <a:effectLst/>
-                <a:latin typeface="arial" panose="020B0604020202020204" pitchFamily="34" charset="0"/>
-              </a:rPr>
-              <a:t>VS”</a:t>
-            </a:r>
-            <a:r>
-              <a:rPr lang="zh-CN" altLang="en-US" b="0" i="1" dirty="0" smtClean="0">
-                <a:solidFill>
-                  <a:srgbClr val="333333"/>
-                </a:solidFill>
-                <a:effectLst/>
-                <a:latin typeface="arial" panose="020B0604020202020204" pitchFamily="34" charset="0"/>
-              </a:rPr>
-              <a:t>）</a:t>
-            </a:r>
-            <a:r>
-              <a:rPr lang="zh-CN" altLang="en-US" b="0" i="0" dirty="0" smtClean="0">
-                <a:solidFill>
-                  <a:srgbClr val="333333"/>
-                </a:solidFill>
-                <a:effectLst/>
-                <a:latin typeface="arial" panose="020B0604020202020204" pitchFamily="34" charset="0"/>
-              </a:rPr>
-              <a:t>是美国的一家连锁女性成衣零售店，主要经营内衣和文胸等。</a:t>
-            </a:r>
-          </a:p>
-          <a:p>
-            <a:r>
-              <a:rPr lang="zh-CN" altLang="en-US" b="0" i="0" dirty="0" smtClean="0">
-                <a:solidFill>
-                  <a:srgbClr val="333333"/>
-                </a:solidFill>
-                <a:effectLst/>
-                <a:latin typeface="arial" panose="020B0604020202020204" pitchFamily="34" charset="0"/>
-              </a:rPr>
-              <a:t>产品种类包括了女士内衣、</a:t>
-            </a:r>
-            <a:r>
-              <a:rPr lang="zh-CN" altLang="en-US" b="0" i="0" u="none" strike="noStrike" dirty="0" smtClean="0">
-                <a:solidFill>
-                  <a:srgbClr val="136EC2"/>
-                </a:solidFill>
-                <a:effectLst/>
-                <a:latin typeface="arial" panose="020B0604020202020204" pitchFamily="34" charset="0"/>
-                <a:hlinkClick r:id="rId2"/>
-              </a:rPr>
-              <a:t>文胸</a:t>
-            </a:r>
-            <a:r>
-              <a:rPr lang="zh-CN" altLang="en-US" b="0" i="0" dirty="0" smtClean="0">
-                <a:solidFill>
-                  <a:srgbClr val="333333"/>
-                </a:solidFill>
-                <a:effectLst/>
-                <a:latin typeface="arial" panose="020B0604020202020204" pitchFamily="34" charset="0"/>
-              </a:rPr>
-              <a:t>、内裤、泳装、休闲女装、女鞋、化妆品及各种</a:t>
-            </a:r>
-            <a:r>
-              <a:rPr lang="zh-CN" altLang="en-US" b="0" i="0" u="none" strike="noStrike" dirty="0" smtClean="0">
-                <a:solidFill>
-                  <a:srgbClr val="136EC2"/>
-                </a:solidFill>
-                <a:effectLst/>
-                <a:latin typeface="arial" panose="020B0604020202020204" pitchFamily="34" charset="0"/>
-                <a:hlinkClick r:id="rId3"/>
-              </a:rPr>
-              <a:t>配套服装</a:t>
-            </a:r>
-            <a:r>
-              <a:rPr lang="zh-CN" altLang="en-US" b="0" i="0" dirty="0" smtClean="0">
-                <a:solidFill>
-                  <a:srgbClr val="333333"/>
-                </a:solidFill>
-                <a:effectLst/>
-                <a:latin typeface="arial" panose="020B0604020202020204" pitchFamily="34" charset="0"/>
-              </a:rPr>
-              <a:t>、豪华短裤、香水化妆品以及相关书籍等，是全球最著名的、</a:t>
-            </a:r>
-            <a:r>
-              <a:rPr lang="zh-CN" altLang="en-US" b="0" i="0" u="none" strike="noStrike" dirty="0" smtClean="0">
-                <a:solidFill>
-                  <a:srgbClr val="136EC2"/>
-                </a:solidFill>
-                <a:effectLst/>
-                <a:latin typeface="arial" panose="020B0604020202020204" pitchFamily="34" charset="0"/>
-                <a:hlinkClick r:id="rId4"/>
-              </a:rPr>
-              <a:t>性感内衣</a:t>
-            </a:r>
-            <a:r>
-              <a:rPr lang="zh-CN" altLang="en-US" b="0" i="0" dirty="0" smtClean="0">
-                <a:solidFill>
-                  <a:srgbClr val="333333"/>
-                </a:solidFill>
-                <a:effectLst/>
-                <a:latin typeface="arial" panose="020B0604020202020204" pitchFamily="34" charset="0"/>
-              </a:rPr>
-              <a:t>品牌之一。</a:t>
-            </a:r>
-            <a:r>
-              <a:rPr lang="en-US" altLang="zh-CN" b="0" i="0" dirty="0" smtClean="0">
-                <a:solidFill>
-                  <a:srgbClr val="333333"/>
-                </a:solidFill>
-                <a:effectLst/>
-                <a:latin typeface="arial" panose="020B0604020202020204" pitchFamily="34" charset="0"/>
-              </a:rPr>
-              <a:t>2002</a:t>
-            </a:r>
-            <a:r>
-              <a:rPr lang="zh-CN" altLang="en-US" b="0" i="0" dirty="0" smtClean="0">
-                <a:solidFill>
-                  <a:srgbClr val="333333"/>
-                </a:solidFill>
-                <a:effectLst/>
-                <a:latin typeface="arial" panose="020B0604020202020204" pitchFamily="34" charset="0"/>
-              </a:rPr>
-              <a:t>年它推出的镶嵌宝石、价值</a:t>
-            </a:r>
-            <a:r>
-              <a:rPr lang="en-US" altLang="zh-CN" b="0" i="0" dirty="0" smtClean="0">
-                <a:solidFill>
-                  <a:srgbClr val="333333"/>
-                </a:solidFill>
-                <a:effectLst/>
-                <a:latin typeface="arial" panose="020B0604020202020204" pitchFamily="34" charset="0"/>
-              </a:rPr>
-              <a:t>1000</a:t>
-            </a:r>
-            <a:r>
-              <a:rPr lang="zh-CN" altLang="en-US" b="0" i="0" dirty="0" smtClean="0">
-                <a:solidFill>
-                  <a:srgbClr val="333333"/>
-                </a:solidFill>
-                <a:effectLst/>
-                <a:latin typeface="arial" panose="020B0604020202020204" pitchFamily="34" charset="0"/>
-              </a:rPr>
-              <a:t>万美元的胸罩更是轰动美国和巴西。 </a:t>
-            </a:r>
-            <a:endParaRPr lang="zh-CN" altLang="en-US" b="0" i="0" dirty="0">
-              <a:solidFill>
-                <a:srgbClr val="333333"/>
-              </a:solidFill>
-              <a:effectLst/>
-              <a:latin typeface="arial" panose="020B0604020202020204" pitchFamily="34" charset="0"/>
-            </a:endParaRPr>
-          </a:p>
-        </p:txBody>
-      </p:sp>
-      <p:sp>
-        <p:nvSpPr>
-          <p:cNvPr id="3" name="矩形 2"/>
-          <p:cNvSpPr/>
-          <p:nvPr/>
-        </p:nvSpPr>
-        <p:spPr>
-          <a:xfrm>
-            <a:off x="4194831" y="1369206"/>
-            <a:ext cx="3262432" cy="830997"/>
-          </a:xfrm>
-          <a:prstGeom prst="rect">
-            <a:avLst/>
-          </a:prstGeom>
-        </p:spPr>
-        <p:txBody>
           <a:bodyPr wrap="none">
             <a:spAutoFit/>
           </a:bodyPr>
           <a:lstStyle/>
           <a:p>
             <a:r>
-              <a:rPr lang="zh-CN" altLang="en-US" sz="4800" b="0" i="0" dirty="0" smtClean="0">
+              <a:rPr lang="zh-CN" altLang="en-US" sz="4800" b="0" i="0" dirty="0">
                 <a:solidFill>
                   <a:srgbClr val="000000"/>
                 </a:solidFill>
@@ -4381,7 +4885,7 @@
                 <a:latin typeface="SimSun" panose="02010600030101010101" pitchFamily="2" charset="-122"/>
                 <a:ea typeface="SimSun" panose="02010600030101010101" pitchFamily="2" charset="-122"/>
               </a:rPr>
-              <a:t>不止卖内衣</a:t>
+              <a:t>你是男人吗？</a:t>
             </a:r>
             <a:endParaRPr lang="zh-CN" altLang="en-US" sz="4800" dirty="0"/>
           </a:p>
@@ -4390,7 +4894,7 @@
     </p:spTree>
     <p:extLst>
       <p:ext uri="{BB962C8B-B14F-4D97-AF65-F5344CB8AC3E}">
-        <p14:creationId xmlns:p14="http://schemas.microsoft.com/office/powerpoint/2010/main" val="1434498344"/>
+        <p14:creationId xmlns:p14="http://schemas.microsoft.com/office/powerpoint/2010/main" val="2844860915"/>
       </p:ext>
     </p:extLst>
   </p:cSld>
@@ -4419,269 +4923,96 @@
       </p:grpSpPr>
       <p:sp>
         <p:nvSpPr>
-          <p:cNvPr id="2" name="矩形 1"/>
+          <p:cNvPr id="2" name="矩形 1">
+            <a:extLst>
+              <a:ext uri="{FF2B5EF4-FFF2-40B4-BE49-F238E27FC236}">
+                <a16:creationId xmlns:a16="http://schemas.microsoft.com/office/drawing/2014/main" id="{08B811A1-115F-4A47-9A16-E136BA66E6B5}"/>
+              </a:ext>
+            </a:extLst>
+          </p:cNvPr>
           <p:cNvSpPr/>
           <p:nvPr/>
         </p:nvSpPr>
         <p:spPr>
           <a:xfrm>
-            <a:off x="5276656" y="1279054"/>
-            <a:ext cx="1415772" cy="830997"/>
+            <a:off x="1026941" y="759655"/>
+            <a:ext cx="9819250" cy="1200329"/>
           </a:xfrm>
           <a:prstGeom prst="rect">
             <a:avLst/>
           </a:prstGeom>
         </p:spPr>
         <p:txBody>
-          <a:bodyPr wrap="none">
-            <a:spAutoFit/>
-          </a:bodyPr>
-          <a:lstStyle/>
-          <a:p>
-            <a:r>
-              <a:rPr lang="zh-CN" altLang="en-US" sz="4800" b="0" i="0" dirty="0" smtClean="0">
-                <a:solidFill>
-                  <a:srgbClr val="000000"/>
-                </a:solidFill>
-                <a:effectLst/>
-                <a:latin typeface="SimSun" panose="02010600030101010101" pitchFamily="2" charset="-122"/>
-                <a:ea typeface="SimSun" panose="02010600030101010101" pitchFamily="2" charset="-122"/>
-              </a:rPr>
-              <a:t>诞生</a:t>
-            </a:r>
-            <a:endParaRPr lang="zh-CN" altLang="en-US" sz="4800" dirty="0"/>
-          </a:p>
-        </p:txBody>
-      </p:sp>
-      <p:sp>
-        <p:nvSpPr>
-          <p:cNvPr id="49" name="矩形 48"/>
-          <p:cNvSpPr/>
-          <p:nvPr/>
-        </p:nvSpPr>
-        <p:spPr>
-          <a:xfrm>
-            <a:off x="559556" y="2506851"/>
-            <a:ext cx="10849971" cy="3139321"/>
-          </a:xfrm>
-          <a:prstGeom prst="rect">
-            <a:avLst/>
-          </a:prstGeom>
-        </p:spPr>
-        <p:txBody>
           <a:bodyPr wrap="square">
             <a:spAutoFit/>
           </a:bodyPr>
           <a:lstStyle/>
           <a:p>
-            <a:r>
-              <a:rPr lang="zh-CN" altLang="en-US" dirty="0"/>
-              <a:t>在他陪着老婆逛内衣店时，被当时内衣店不人性化的装潢、店员的对男顾客的态度、以及大部分内衣老气横秋的款式吓到，从此立志整一家让男人女人都逛得舒心、买得放心、装修还倍儿精美的内衣</a:t>
-            </a:r>
-            <a:r>
-              <a:rPr lang="zh-CN" altLang="en-US" dirty="0" smtClean="0"/>
-              <a:t>店。</a:t>
-            </a:r>
-            <a:endParaRPr lang="en-US" altLang="zh-CN" dirty="0" smtClean="0"/>
-          </a:p>
-          <a:p>
-            <a:r>
-              <a:rPr lang="en-US" altLang="zh-CN" dirty="0" smtClean="0"/>
-              <a:t>1977</a:t>
-            </a:r>
-            <a:r>
-              <a:rPr lang="zh-CN" altLang="en-US" dirty="0" smtClean="0"/>
+            <a:pPr>
+              <a:buSzPct val="90000"/>
+            </a:pPr>
+            <a:r>
+              <a:rPr lang="en-US" altLang="zh-CN" dirty="0"/>
+              <a:t>2018</a:t>
+            </a:r>
+            <a:r>
+              <a:rPr lang="zh-CN" altLang="zh-CN" dirty="0"/>
               <a:t>年</a:t>
             </a:r>
             <a:r>
-              <a:rPr lang="zh-CN" altLang="en-US" dirty="0"/>
-              <a:t>他</a:t>
-            </a:r>
-            <a:r>
-              <a:rPr lang="zh-CN" altLang="en-US" dirty="0" smtClean="0"/>
-              <a:t>在</a:t>
-            </a:r>
-            <a:r>
-              <a:rPr lang="zh-CN" altLang="en-US" dirty="0"/>
-              <a:t>旧金山</a:t>
-            </a:r>
-            <a:r>
-              <a:rPr lang="zh-CN" altLang="en-US" dirty="0" smtClean="0"/>
-              <a:t>开</a:t>
-            </a:r>
-            <a:r>
-              <a:rPr lang="zh-CN" altLang="en-US" dirty="0"/>
-              <a:t>了第</a:t>
-            </a:r>
-            <a:r>
-              <a:rPr lang="zh-CN" altLang="en-US" dirty="0" smtClean="0"/>
-              <a:t>一家</a:t>
-            </a:r>
-            <a:r>
-              <a:rPr lang="en-US" altLang="zh-CN" dirty="0" smtClean="0"/>
-              <a:t>Victoria’s</a:t>
-            </a:r>
-            <a:r>
-              <a:rPr lang="zh-CN" altLang="en-US" dirty="0"/>
-              <a:t>󰀌</a:t>
-            </a:r>
-            <a:r>
-              <a:rPr lang="en-US" altLang="zh-CN" dirty="0" smtClean="0"/>
-              <a:t>Secret</a:t>
-            </a:r>
-            <a:r>
-              <a:rPr lang="zh-CN" altLang="en-US" dirty="0" smtClean="0"/>
-              <a:t>，</a:t>
-            </a:r>
-            <a:r>
-              <a:rPr lang="zh-CN" altLang="en-US" dirty="0"/>
-              <a:t>是一家环境更高档的精品内衣</a:t>
-            </a:r>
-            <a:r>
-              <a:rPr lang="zh-CN" altLang="en-US" dirty="0" smtClean="0"/>
-              <a:t>店。</a:t>
-            </a:r>
-            <a:r>
-              <a:rPr lang="zh-CN" altLang="en-US" dirty="0"/>
-              <a:t>为了开这样一家店， </a:t>
-            </a:r>
-            <a:r>
               <a:rPr lang="en-US" altLang="zh-CN" dirty="0"/>
-              <a:t>Raymond </a:t>
-            </a:r>
-            <a:r>
-              <a:rPr lang="zh-CN" altLang="en-US" dirty="0"/>
-              <a:t>分别从银行和亲戚那各借贷了 </a:t>
+              <a:t>11</a:t>
+            </a:r>
+            <a:r>
+              <a:rPr lang="zh-CN" altLang="zh-CN" dirty="0"/>
+              <a:t>月</a:t>
             </a:r>
             <a:r>
               <a:rPr lang="en-US" altLang="zh-CN" dirty="0"/>
-              <a:t>4 </a:t>
-            </a:r>
-            <a:r>
-              <a:rPr lang="zh-CN" altLang="en-US" dirty="0"/>
-              <a:t>万美金。 第一年就挣</a:t>
-            </a:r>
-            <a:r>
-              <a:rPr lang="zh-CN" altLang="en-US" dirty="0" smtClean="0"/>
-              <a:t>了</a:t>
-            </a:r>
-            <a:r>
-              <a:rPr lang="en-US" altLang="zh-CN" dirty="0" smtClean="0"/>
-              <a:t>50 </a:t>
-            </a:r>
-            <a:r>
-              <a:rPr lang="zh-CN" altLang="en-US" dirty="0"/>
-              <a:t>万， 随后他快速开始邮购广告目录业务， 并开了三家分店。 经过五年运营， </a:t>
-            </a:r>
-            <a:r>
-              <a:rPr lang="en-US" altLang="zh-CN" dirty="0" smtClean="0"/>
-              <a:t>1982</a:t>
-            </a:r>
-            <a:r>
-              <a:rPr lang="zh-CN" altLang="en-US" dirty="0" smtClean="0"/>
-              <a:t>年</a:t>
-            </a:r>
-            <a:r>
-              <a:rPr lang="zh-CN" altLang="en-US" dirty="0"/>
-              <a:t>因资金周转不灵， 他把已有六家分店的维秘以低价卖给了 </a:t>
+              <a:t>8</a:t>
+            </a:r>
+            <a:r>
+              <a:rPr lang="zh-CN" altLang="zh-CN" dirty="0"/>
+              <a:t>日在大天朝人民为双十一的到来在剁手狂欢的，在大西洋彼岸的美利坚正在为一场“情趣内衣展”的到来而心动不已。这就是内衣帝国</a:t>
             </a:r>
             <a:r>
               <a:rPr lang="en-US" altLang="zh-CN" dirty="0"/>
-              <a:t>The Limited </a:t>
-            </a:r>
-            <a:r>
-              <a:rPr lang="zh-CN" altLang="en-US" dirty="0"/>
-              <a:t>的</a:t>
-            </a:r>
-            <a:r>
-              <a:rPr lang="zh-CN" altLang="en-US" dirty="0" smtClean="0"/>
-              <a:t>创办人</a:t>
-            </a:r>
-            <a:r>
-              <a:rPr lang="en-US" altLang="zh-CN" dirty="0" smtClean="0"/>
-              <a:t>Leslie </a:t>
-            </a:r>
-            <a:r>
-              <a:rPr lang="en-US" altLang="zh-CN" dirty="0" err="1"/>
-              <a:t>Wexner</a:t>
-            </a:r>
-            <a:r>
-              <a:rPr lang="zh-CN" altLang="en-US" dirty="0"/>
-              <a:t>。 在后者的运营下， 不到十年， 维秘就以 </a:t>
+              <a:t>-</a:t>
+            </a:r>
+            <a:r>
+              <a:rPr lang="zh-CN" altLang="zh-CN" dirty="0"/>
+              <a:t>维多利亚秘密的时尚内衣秀。这场同时在全球</a:t>
             </a:r>
             <a:r>
               <a:rPr lang="en-US" altLang="zh-CN" dirty="0"/>
-              <a:t>10 </a:t>
-            </a:r>
-            <a:r>
-              <a:rPr lang="zh-CN" altLang="en-US" dirty="0"/>
-              <a:t>亿美元成为全美最大的</a:t>
-            </a:r>
-            <a:r>
-              <a:rPr lang="zh-CN" altLang="en-US" dirty="0" smtClean="0"/>
-              <a:t>内衣</a:t>
-            </a:r>
-            <a:r>
-              <a:rPr lang="zh-CN" altLang="en-US" dirty="0"/>
-              <a:t>零售商</a:t>
-            </a:r>
-            <a:r>
-              <a:rPr lang="zh-CN" altLang="en-US" dirty="0" smtClean="0"/>
-              <a:t>。</a:t>
-            </a:r>
-            <a:endParaRPr lang="en-US" altLang="zh-CN" dirty="0" smtClean="0"/>
-          </a:p>
-          <a:p>
-            <a:endParaRPr lang="en-US" altLang="zh-CN" dirty="0"/>
-          </a:p>
-          <a:p>
+              <a:t>180</a:t>
+            </a:r>
+            <a:r>
+              <a:rPr lang="zh-CN" altLang="zh-CN" dirty="0"/>
+              <a:t>个国家转播，拥有</a:t>
+            </a:r>
             <a:r>
               <a:rPr lang="en-US" altLang="zh-CN" dirty="0"/>
-              <a:t>Roy</a:t>
-            </a:r>
-            <a:r>
-              <a:rPr lang="zh-CN" altLang="en-US" dirty="0"/>
-              <a:t>之所以钟爱“维多利亚”这个名字，是因为英国自维多利亚女王继位之后，女性的地位有了很大提高，越来越多女性走出家门开始工作，</a:t>
-            </a:r>
-            <a:r>
-              <a:rPr lang="en-US" altLang="zh-CN" dirty="0"/>
-              <a:t>Roy</a:t>
-            </a:r>
-            <a:r>
-              <a:rPr lang="zh-CN" altLang="en-US" dirty="0"/>
-              <a:t>想把这种女性解放的思想灌输于自己的品牌。</a:t>
-            </a:r>
-          </a:p>
-          <a:p>
-            <a:r>
-              <a:rPr lang="zh-CN" altLang="en-US" dirty="0"/>
-              <a:t>至于为何叫秘密，则是描述维多利亚时代的奢华而神秘的审美风格；也寓意内衣店，是男性的秘密之地</a:t>
-            </a:r>
-            <a:r>
-              <a:rPr lang="zh-CN" altLang="en-US" dirty="0" smtClean="0"/>
-              <a:t>。</a:t>
-            </a:r>
-            <a:endParaRPr lang="zh-CN" altLang="en-US" dirty="0"/>
+              <a:t>10</a:t>
+            </a:r>
+            <a:r>
+              <a:rPr lang="zh-CN" altLang="zh-CN" dirty="0"/>
+              <a:t>亿名观众的秀，可以粗暴的解释为：一场全球直男围观满场肉体，并且毫无保留进行集体舔屏行为的内衣展销会。</a:t>
+            </a:r>
+            <a:endParaRPr lang="en-US" altLang="zh-CN" sz="1600" dirty="0"/>
           </a:p>
         </p:txBody>
       </p:sp>
     </p:spTree>
     <p:extLst>
       <p:ext uri="{BB962C8B-B14F-4D97-AF65-F5344CB8AC3E}">
-        <p14:creationId xmlns:p14="http://schemas.microsoft.com/office/powerpoint/2010/main" val="1255513578"/>
+        <p14:creationId xmlns:p14="http://schemas.microsoft.com/office/powerpoint/2010/main" val="306650934"/>
       </p:ext>
     </p:extLst>
   </p:cSld>
   <p:clrMapOvr>
     <a:masterClrMapping/>
   </p:clrMapOvr>
-  <p:timing>
-    <p:tnLst>
-      <p:par>
-        <p:cTn id="1" dur="indefinite" restart="never" nodeType="tmRoot"/>
-      </p:par>
-    </p:tnLst>
-  </p:timing>
 </p:sld>
 </file>
 
@@ -4704,46 +5035,61 @@
       </p:grpSpPr>
       <p:sp>
         <p:nvSpPr>
-          <p:cNvPr id="2" name="矩形 1"/>
+          <p:cNvPr id="6" name="矩形 5"/>
           <p:cNvSpPr/>
           <p:nvPr/>
         </p:nvSpPr>
         <p:spPr>
           <a:xfrm>
-            <a:off x="3889612" y="876912"/>
-            <a:ext cx="4299044" cy="369332"/>
+            <a:off x="2280501" y="417510"/>
+            <a:ext cx="6955750" cy="1569660"/>
           </a:xfrm>
           <a:prstGeom prst="rect">
             <a:avLst/>
           </a:prstGeom>
         </p:spPr>
         <p:txBody>
-          <a:bodyPr wrap="square">
+          <a:bodyPr wrap="none">
             <a:spAutoFit/>
           </a:bodyPr>
           <a:lstStyle/>
           <a:p>
-            <a:r>
-              <a:rPr lang="zh-CN" altLang="en-US" dirty="0" smtClean="0"/>
-              <a:t>“维多利亚”到底</a:t>
-            </a:r>
-            <a:r>
-              <a:rPr lang="zh-CN" altLang="en-US" dirty="0"/>
-              <a:t>是谁？她有什么秘密？</a:t>
-            </a:r>
-          </a:p>
-        </p:txBody>
-      </p:sp>
-      <p:sp>
-        <p:nvSpPr>
-          <p:cNvPr id="4" name="矩形 3"/>
+            <a:pPr algn="ctr"/>
+            <a:r>
+              <a:rPr lang="zh-CN" altLang="en-US" sz="4800" dirty="0"/>
+              <a:t>“维多利亚”到底是谁？</a:t>
+            </a:r>
+            <a:endParaRPr lang="en-US" altLang="zh-CN" sz="4800" dirty="0"/>
+          </a:p>
+          <a:p>
+            <a:pPr algn="ctr"/>
+            <a:r>
+              <a:rPr lang="en-US" altLang="zh-CN" sz="4800" dirty="0"/>
+              <a:t>	</a:t>
+            </a:r>
+            <a:r>
+              <a:rPr lang="zh-CN" altLang="en-US" sz="4800" dirty="0"/>
+              <a:t>她有什么秘密？</a:t>
+            </a:r>
+          </a:p>
+        </p:txBody>
+      </p:sp>
+      <p:sp>
+        <p:nvSpPr>
+          <p:cNvPr id="3" name="矩形 2">
+            <a:extLst>
+              <a:ext uri="{FF2B5EF4-FFF2-40B4-BE49-F238E27FC236}">
+                <a16:creationId xmlns:a16="http://schemas.microsoft.com/office/drawing/2014/main" id="{F2698113-6A9B-4B76-905F-286A1105D7AC}"/>
+              </a:ext>
+            </a:extLst>
+          </p:cNvPr>
           <p:cNvSpPr/>
           <p:nvPr/>
         </p:nvSpPr>
         <p:spPr>
           <a:xfrm>
-            <a:off x="777922" y="3910549"/>
-            <a:ext cx="11122925" cy="1477328"/>
+            <a:off x="671014" y="2008509"/>
+            <a:ext cx="10849971" cy="4801314"/>
           </a:xfrm>
           <a:prstGeom prst="rect">
             <a:avLst/>
@@ -4756,146 +5102,250 @@
           <a:lstStyle/>
           <a:p>
             <a:r>
-              <a:rPr lang="en-US" altLang="zh-CN" b="0" i="0" dirty="0" smtClean="0">
+              <a:rPr lang="zh-CN" altLang="en-US" dirty="0"/>
+              <a:t>在他陪着老婆逛内衣店时，被当时内衣店不人性化的装潢、店员的对男顾客的态度、以及大部分内衣老气横秋的款式吓到，从此立志整一家让男人女人都逛得舒心、买得放心、装修还倍儿精美的内衣店。</a:t>
+            </a:r>
+            <a:endParaRPr lang="en-US" altLang="zh-CN" dirty="0"/>
+          </a:p>
+          <a:p>
+            <a:r>
+              <a:rPr lang="en-US" altLang="zh-CN" dirty="0"/>
+              <a:t>1977</a:t>
+            </a:r>
+            <a:r>
+              <a:rPr lang="zh-CN" altLang="en-US" dirty="0"/>
+              <a:t>年他在旧金山开了第一家</a:t>
+            </a:r>
+            <a:r>
+              <a:rPr lang="en-US" altLang="zh-CN" dirty="0"/>
+              <a:t>Victoria’s</a:t>
+            </a:r>
+            <a:r>
+              <a:rPr lang="zh-CN" altLang="en-US" dirty="0"/>
+              <a:t>󰀌</a:t>
+            </a:r>
+            <a:r>
+              <a:rPr lang="en-US" altLang="zh-CN" dirty="0"/>
+              <a:t>Secret</a:t>
+            </a:r>
+            <a:r>
+              <a:rPr lang="zh-CN" altLang="en-US" dirty="0"/>
+              <a:t>，是一家环境更高档的精品内衣店。为了开这样一家店， </a:t>
+            </a:r>
+            <a:r>
+              <a:rPr lang="en-US" altLang="zh-CN" dirty="0"/>
+              <a:t>Raymond </a:t>
+            </a:r>
+            <a:r>
+              <a:rPr lang="zh-CN" altLang="en-US" dirty="0"/>
+              <a:t>分别从银行和亲戚那各借贷了 </a:t>
+            </a:r>
+            <a:r>
+              <a:rPr lang="en-US" altLang="zh-CN" dirty="0"/>
+              <a:t>4 </a:t>
+            </a:r>
+            <a:r>
+              <a:rPr lang="zh-CN" altLang="en-US" dirty="0"/>
+              <a:t>万美金。 第一年就挣了</a:t>
+            </a:r>
+            <a:r>
+              <a:rPr lang="en-US" altLang="zh-CN" dirty="0"/>
+              <a:t>50 </a:t>
+            </a:r>
+            <a:r>
+              <a:rPr lang="zh-CN" altLang="en-US" dirty="0"/>
+              <a:t>万， 随后他快速开始邮购广告目录业务， 并开了三家分店。 经过五年运营， </a:t>
+            </a:r>
+            <a:r>
+              <a:rPr lang="en-US" altLang="zh-CN" dirty="0"/>
+              <a:t>1982</a:t>
+            </a:r>
+            <a:r>
+              <a:rPr lang="zh-CN" altLang="en-US" dirty="0"/>
+              <a:t>年因资金周转不灵， 他把已有六家分店的维秘以低价卖给了 </a:t>
+            </a:r>
+            <a:r>
+              <a:rPr lang="en-US" altLang="zh-CN" dirty="0"/>
+              <a:t>The Limited </a:t>
+            </a:r>
+            <a:r>
+              <a:rPr lang="zh-CN" altLang="en-US" dirty="0"/>
+              <a:t>的创办人</a:t>
+            </a:r>
+            <a:r>
+              <a:rPr lang="en-US" altLang="zh-CN" dirty="0"/>
+              <a:t>Leslie </a:t>
+            </a:r>
+            <a:r>
+              <a:rPr lang="en-US" altLang="zh-CN" dirty="0" err="1"/>
+              <a:t>Wexner</a:t>
+            </a:r>
+            <a:r>
+              <a:rPr lang="zh-CN" altLang="en-US" dirty="0"/>
+              <a:t>。 在后者的运营下， 不到十年， 维秘就以 </a:t>
+            </a:r>
+            <a:r>
+              <a:rPr lang="en-US" altLang="zh-CN" dirty="0"/>
+              <a:t>10 </a:t>
+            </a:r>
+            <a:r>
+              <a:rPr lang="zh-CN" altLang="en-US" dirty="0"/>
+              <a:t>亿美元成为全美最大的内衣零售商。</a:t>
+            </a:r>
+            <a:endParaRPr lang="en-US" altLang="zh-CN" dirty="0"/>
+          </a:p>
+          <a:p>
+            <a:r>
+              <a:rPr lang="en-US" altLang="zh-CN" dirty="0"/>
+              <a:t>Roy</a:t>
+            </a:r>
+            <a:r>
+              <a:rPr lang="zh-CN" altLang="en-US" dirty="0"/>
+              <a:t>之所以钟爱“维多利亚”这个名字，是因为英国自维多利亚女王继位之后，女性的地位有了很大提高，越来越多女性走出家门开始工作，</a:t>
+            </a:r>
+            <a:r>
+              <a:rPr lang="en-US" altLang="zh-CN" dirty="0"/>
+              <a:t>Roy</a:t>
+            </a:r>
+            <a:r>
+              <a:rPr lang="zh-CN" altLang="en-US" dirty="0"/>
+              <a:t>想把这种女性解放的思想灌输于自己的品牌。</a:t>
+            </a:r>
+          </a:p>
+          <a:p>
+            <a:r>
+              <a:rPr lang="zh-CN" altLang="en-US" dirty="0"/>
+              <a:t>至于为何叫秘密，则是描述维多利亚时代的奢华而神秘的审美风格；也寓意内衣店，是男性的秘密之地。</a:t>
+            </a:r>
+            <a:endParaRPr lang="en-US" altLang="zh-CN" dirty="0"/>
+          </a:p>
+          <a:p>
+            <a:endParaRPr lang="en-US" altLang="zh-CN" dirty="0"/>
+          </a:p>
+          <a:p>
+            <a:r>
+              <a:rPr lang="en-US" altLang="zh-CN" dirty="0">
                 <a:solidFill>
                   <a:srgbClr val="000000"/>
                 </a:solidFill>
-                <a:effectLst/>
                 <a:latin typeface="NimbusRomNo9L-Regu"/>
               </a:rPr>
               <a:t>Victoria’s Secret </a:t>
             </a:r>
             <a:r>
-              <a:rPr lang="zh-CN" altLang="en-US" b="0" i="0" dirty="0" smtClean="0">
+              <a:rPr lang="zh-CN" altLang="en-US" dirty="0">
                 <a:solidFill>
                   <a:srgbClr val="000000"/>
                 </a:solidFill>
-                <a:effectLst/>
                 <a:latin typeface="SimSun" panose="02010600030101010101" pitchFamily="2" charset="-122"/>
                 <a:ea typeface="SimSun" panose="02010600030101010101" pitchFamily="2" charset="-122"/>
               </a:rPr>
               <a:t>并非来源于任何一个叫维多利亚的人。 因为时髦的店内装修和英式的家居风格， </a:t>
             </a:r>
             <a:r>
-              <a:rPr lang="zh-CN" altLang="en-US" b="0" i="0" dirty="0" smtClean="0">
+              <a:rPr lang="zh-CN" altLang="en-US" dirty="0">
                 <a:solidFill>
                   <a:srgbClr val="000000"/>
                 </a:solidFill>
-                <a:effectLst/>
                 <a:latin typeface="NimbusRomNo9L-Regu"/>
               </a:rPr>
               <a:t>“</a:t>
             </a:r>
             <a:r>
-              <a:rPr lang="zh-CN" altLang="en-US" b="0" i="0" dirty="0" smtClean="0">
+              <a:rPr lang="zh-CN" altLang="en-US" dirty="0">
                 <a:solidFill>
                   <a:srgbClr val="000000"/>
                 </a:solidFill>
-                <a:effectLst/>
                 <a:latin typeface="SimSun" panose="02010600030101010101" pitchFamily="2" charset="-122"/>
                 <a:ea typeface="SimSun" panose="02010600030101010101" pitchFamily="2" charset="-122"/>
               </a:rPr>
               <a:t>充满暗色木头、 东方地毯和丝绸窗帘， 像维多利亚时代女性的闺房</a:t>
             </a:r>
             <a:r>
-              <a:rPr lang="zh-CN" altLang="en-US" b="0" i="0" dirty="0" smtClean="0">
+              <a:rPr lang="zh-CN" altLang="en-US" dirty="0">
                 <a:solidFill>
                   <a:srgbClr val="000000"/>
                 </a:solidFill>
-                <a:effectLst/>
                 <a:latin typeface="NimbusRomNo9L-Regu"/>
               </a:rPr>
               <a:t>”</a:t>
             </a:r>
             <a:r>
-              <a:rPr lang="zh-CN" altLang="en-US" b="0" i="0" dirty="0" smtClean="0">
+              <a:rPr lang="zh-CN" altLang="en-US" dirty="0">
                 <a:solidFill>
                   <a:srgbClr val="000000"/>
                 </a:solidFill>
-                <a:effectLst/>
                 <a:latin typeface="SimSun" panose="02010600030101010101" pitchFamily="2" charset="-122"/>
                 <a:ea typeface="SimSun" panose="02010600030101010101" pitchFamily="2" charset="-122"/>
               </a:rPr>
               <a:t>、 </a:t>
             </a:r>
             <a:r>
-              <a:rPr lang="zh-CN" altLang="en-US" b="0" i="0" dirty="0" smtClean="0">
+              <a:rPr lang="zh-CN" altLang="en-US" dirty="0">
                 <a:solidFill>
                   <a:srgbClr val="000000"/>
                 </a:solidFill>
-                <a:effectLst/>
                 <a:latin typeface="NimbusRomNo9L-Regu"/>
               </a:rPr>
               <a:t>“</a:t>
             </a:r>
             <a:r>
-              <a:rPr lang="zh-CN" altLang="en-US" b="0" i="0" dirty="0" smtClean="0">
+              <a:rPr lang="zh-CN" altLang="en-US" dirty="0">
                 <a:solidFill>
                   <a:srgbClr val="000000"/>
                 </a:solidFill>
-                <a:effectLst/>
                 <a:latin typeface="SimSun" panose="02010600030101010101" pitchFamily="2" charset="-122"/>
                 <a:ea typeface="SimSun" panose="02010600030101010101" pitchFamily="2" charset="-122"/>
               </a:rPr>
               <a:t>外部装修精美， 内部的维秘更引人一探究竟</a:t>
             </a:r>
             <a:r>
-              <a:rPr lang="zh-CN" altLang="en-US" b="0" i="0" dirty="0" smtClean="0">
+              <a:rPr lang="zh-CN" altLang="en-US" dirty="0">
                 <a:solidFill>
                   <a:srgbClr val="000000"/>
                 </a:solidFill>
-                <a:effectLst/>
                 <a:latin typeface="NimbusRomNo9L-Regu"/>
               </a:rPr>
               <a:t>”</a:t>
             </a:r>
             <a:r>
-              <a:rPr lang="zh-CN" altLang="en-US" b="0" i="0" dirty="0" smtClean="0">
+              <a:rPr lang="zh-CN" altLang="en-US" dirty="0">
                 <a:solidFill>
                   <a:srgbClr val="000000"/>
                 </a:solidFill>
-                <a:effectLst/>
                 <a:latin typeface="SimSun" panose="02010600030101010101" pitchFamily="2" charset="-122"/>
                 <a:ea typeface="SimSun" panose="02010600030101010101" pitchFamily="2" charset="-122"/>
               </a:rPr>
               <a:t>。 明白吗？ 就是一种英式维多利亚风格的装修风格， 同时保持神秘感。</a:t>
             </a:r>
             <a:r>
-              <a:rPr lang="zh-CN" altLang="en-US" dirty="0" smtClean="0"/>
+              <a:rPr lang="zh-CN" altLang="en-US" dirty="0"/>
               <a:t> </a:t>
             </a:r>
-            <a:endParaRPr lang="en-US" altLang="zh-CN" dirty="0" smtClean="0"/>
+            <a:endParaRPr lang="en-US" altLang="zh-CN" dirty="0"/>
           </a:p>
           <a:p>
             <a:r>
               <a:rPr lang="zh-CN" altLang="en-US" dirty="0"/>
-              <a:t>“维多利亚的秘密”中的“维多利亚”，指维多利亚时期家装风格，就是他对第一家门店装修风格的定位，可见罗伊的出挑的审美素养</a:t>
-            </a:r>
-            <a:r>
-              <a:rPr lang="zh-CN" altLang="en-US" dirty="0" smtClean="0"/>
-              <a:t>。</a:t>
+              <a:t>“维多利亚的秘密”中的“维多利亚”，指维多利亚时期家装风格，就是他对第一家门店装修风格的定位，可见罗伊的出挑的审美素养。</a:t>
             </a:r>
             <a:endParaRPr lang="en-US" altLang="zh-CN" dirty="0"/>
+          </a:p>
+          <a:p>
+            <a:endParaRPr lang="zh-CN" altLang="en-US" dirty="0"/>
           </a:p>
         </p:txBody>
       </p:sp>
     </p:spTree>
     <p:extLst>
       <p:ext uri="{BB962C8B-B14F-4D97-AF65-F5344CB8AC3E}">
-        <p14:creationId xmlns:p14="http://schemas.microsoft.com/office/powerpoint/2010/main" val="3735478692"/>
+        <p14:creationId xmlns:p14="http://schemas.microsoft.com/office/powerpoint/2010/main" val="3209672389"/>
       </p:ext>
     </p:extLst>
   </p:cSld>
   <p:clrMapOvr>
     <a:masterClrMapping/>
   </p:clrMapOvr>
-  <p:timing>
-    <p:tnLst>
-      <p:par>
-        <p:cTn id="1" dur="indefinite" restart="never" nodeType="tmRoot"/>
-      </p:par>
-    </p:tnLst>
-  </p:timing>
 </p:sld>
 </file>
 
@@ -4918,152 +5368,297 @@
       </p:grpSpPr>
       <p:sp>
         <p:nvSpPr>
-          <p:cNvPr id="2" name="矩形 1"/>
-          <p:cNvSpPr/>
-          <p:nvPr/>
+          <p:cNvPr id="7170" name="Rectangle 2">
+            <a:extLst>
+              <a:ext uri="{FF2B5EF4-FFF2-40B4-BE49-F238E27FC236}">
+                <a16:creationId xmlns:a16="http://schemas.microsoft.com/office/drawing/2014/main" id="{71CA690E-1E35-43E3-A967-640615742981}"/>
+              </a:ext>
+            </a:extLst>
+          </p:cNvPr>
+          <p:cNvSpPr>
+            <a:spLocks noGrp="1" noChangeArrowheads="1"/>
+          </p:cNvSpPr>
+          <p:nvPr>
+            <p:ph type="title"/>
+          </p:nvPr>
+        </p:nvSpPr>
+        <p:spPr/>
+        <p:txBody>
+          <a:bodyPr/>
+          <a:lstStyle/>
+          <a:p>
+            <a:pPr eaLnBrk="1" hangingPunct="1"/>
+            <a:r>
+              <a:rPr lang="zh-CN" altLang="en-US">
+                <a:ea typeface="宋体" panose="02010600030101010101" pitchFamily="2" charset="-122"/>
+              </a:rPr>
+              <a:t>品牌发展－</a:t>
+            </a:r>
+            <a:r>
+              <a:rPr lang="zh-CN" altLang="en-US" sz="3600">
+                <a:ea typeface="宋体" panose="02010600030101010101" pitchFamily="2" charset="-122"/>
+              </a:rPr>
+              <a:t>创立</a:t>
+            </a:r>
+            <a:endParaRPr lang="en-US" altLang="zh-CN" sz="4000">
+              <a:ea typeface="宋体" panose="02010600030101010101" pitchFamily="2" charset="-122"/>
+            </a:endParaRPr>
+          </a:p>
+        </p:txBody>
+      </p:sp>
+      <p:sp>
+        <p:nvSpPr>
+          <p:cNvPr id="48131" name="Rectangle 3">
+            <a:extLst>
+              <a:ext uri="{FF2B5EF4-FFF2-40B4-BE49-F238E27FC236}">
+                <a16:creationId xmlns:a16="http://schemas.microsoft.com/office/drawing/2014/main" id="{1A58F490-FC8E-400A-BE90-13BE989C6510}"/>
+              </a:ext>
+            </a:extLst>
+          </p:cNvPr>
+          <p:cNvSpPr>
+            <a:spLocks noGrp="1" noChangeArrowheads="1"/>
+          </p:cNvSpPr>
+          <p:nvPr>
+            <p:ph type="body" sz="half" idx="1"/>
+          </p:nvPr>
         </p:nvSpPr>
         <p:spPr>
           <a:xfrm>
-            <a:off x="5128000" y="670658"/>
-            <a:ext cx="2395471" cy="523220"/>
+            <a:off x="1981200" y="1935163"/>
+            <a:ext cx="8066088" cy="3155950"/>
           </a:xfrm>
-          <a:prstGeom prst="rect">
-            <a:avLst/>
-          </a:prstGeom>
         </p:spPr>
         <p:txBody>
-          <a:bodyPr wrap="square">
-            <a:spAutoFit/>
+          <a:bodyPr>
+            <a:normAutofit fontScale="92500" lnSpcReduction="10000"/>
           </a:bodyPr>
           <a:lstStyle/>
           <a:p>
-            <a:r>
-              <a:rPr lang="zh-CN" altLang="en-US" sz="2800" dirty="0"/>
-              <a:t>内衣界的春</a:t>
-            </a:r>
-            <a:r>
-              <a:rPr lang="zh-CN" altLang="en-US" sz="2800" dirty="0" smtClean="0"/>
-              <a:t>晚</a:t>
-            </a:r>
-            <a:endParaRPr lang="zh-CN" altLang="en-US" sz="2800" dirty="0"/>
-          </a:p>
-        </p:txBody>
-      </p:sp>
-      <p:sp>
-        <p:nvSpPr>
-          <p:cNvPr id="3" name="矩形 2"/>
-          <p:cNvSpPr/>
-          <p:nvPr/>
-        </p:nvSpPr>
-        <p:spPr>
-          <a:xfrm>
-            <a:off x="1050876" y="1679729"/>
-            <a:ext cx="10549720" cy="1200329"/>
-          </a:xfrm>
-          <a:prstGeom prst="rect">
-            <a:avLst/>
-          </a:prstGeom>
-        </p:spPr>
-        <p:txBody>
-          <a:bodyPr wrap="square">
-            <a:spAutoFit/>
-          </a:bodyPr>
-          <a:lstStyle/>
-          <a:p>
-            <a:r>
-              <a:rPr lang="zh-CN" altLang="en-US" b="0" i="0" dirty="0" smtClean="0">
-                <a:solidFill>
-                  <a:srgbClr val="000000"/>
-                </a:solidFill>
-                <a:effectLst/>
-                <a:latin typeface="SimSun" panose="02010600030101010101" pitchFamily="2" charset="-122"/>
-                <a:ea typeface="SimSun" panose="02010600030101010101" pitchFamily="2" charset="-122"/>
-              </a:rPr>
-              <a:t>始于</a:t>
-            </a:r>
-            <a:r>
-              <a:rPr lang="en-US" altLang="zh-CN" b="0" i="0" dirty="0" smtClean="0">
-                <a:solidFill>
-                  <a:srgbClr val="000000"/>
-                </a:solidFill>
-                <a:effectLst/>
-                <a:latin typeface="SimSun" panose="02010600030101010101" pitchFamily="2" charset="-122"/>
-                <a:ea typeface="SimSun" panose="02010600030101010101" pitchFamily="2" charset="-122"/>
-              </a:rPr>
-              <a:t>1995</a:t>
-            </a:r>
-          </a:p>
-          <a:p>
-            <a:r>
-              <a:rPr lang="zh-CN" altLang="en-US" b="0" i="0" dirty="0" smtClean="0">
-                <a:solidFill>
-                  <a:srgbClr val="000000"/>
-                </a:solidFill>
-                <a:effectLst/>
-                <a:latin typeface="SimSun" panose="02010600030101010101" pitchFamily="2" charset="-122"/>
-                <a:ea typeface="SimSun" panose="02010600030101010101" pitchFamily="2" charset="-122"/>
-              </a:rPr>
-              <a:t>从 </a:t>
-            </a:r>
-            <a:r>
-              <a:rPr lang="en-US" altLang="zh-CN" b="0" i="0" dirty="0" smtClean="0">
-                <a:solidFill>
-                  <a:srgbClr val="000000"/>
-                </a:solidFill>
-                <a:effectLst/>
-                <a:latin typeface="NimbusRomNo9L-Regu"/>
-              </a:rPr>
-              <a:t>1995 </a:t>
-            </a:r>
-            <a:r>
-              <a:rPr lang="zh-CN" altLang="en-US" b="0" i="0" dirty="0" smtClean="0">
-                <a:solidFill>
-                  <a:srgbClr val="000000"/>
-                </a:solidFill>
-                <a:effectLst/>
-                <a:latin typeface="SimSun" panose="02010600030101010101" pitchFamily="2" charset="-122"/>
-                <a:ea typeface="SimSun" panose="02010600030101010101" pitchFamily="2" charset="-122"/>
-              </a:rPr>
-              <a:t>年开始， 维秘一年一度的时装秀场就如同时装界的超级碗。 隆重庆典吸引了来自全世界超过 </a:t>
-            </a:r>
-            <a:r>
-              <a:rPr lang="en-US" altLang="zh-CN" b="0" i="0" dirty="0" smtClean="0">
-                <a:solidFill>
-                  <a:srgbClr val="000000"/>
-                </a:solidFill>
-                <a:effectLst/>
-                <a:latin typeface="NimbusRomNo9L-Regu"/>
-              </a:rPr>
-              <a:t>180 </a:t>
-            </a:r>
-            <a:r>
-              <a:rPr lang="zh-CN" altLang="en-US" b="0" i="0" dirty="0" smtClean="0">
-                <a:solidFill>
-                  <a:srgbClr val="000000"/>
-                </a:solidFill>
-                <a:effectLst/>
-                <a:latin typeface="SimSun" panose="02010600030101010101" pitchFamily="2" charset="-122"/>
-                <a:ea typeface="SimSun" panose="02010600030101010101" pitchFamily="2" charset="-122"/>
-              </a:rPr>
-              <a:t>个国家和地区的观众。</a:t>
-            </a:r>
-            <a:r>
-              <a:rPr lang="zh-CN" altLang="en-US" dirty="0" smtClean="0"/>
-              <a:t> </a:t>
-            </a:r>
-            <a:endParaRPr lang="en-US" altLang="zh-CN" dirty="0" smtClean="0"/>
-          </a:p>
-          <a:p>
-            <a:endParaRPr lang="zh-CN" altLang="en-US" dirty="0"/>
+            <a:pPr eaLnBrk="1" hangingPunct="1"/>
+            <a:r>
+              <a:rPr lang="zh-CN" altLang="zh-CN" sz="2000">
+                <a:ea typeface="宋体" panose="02010600030101010101" pitchFamily="2" charset="-122"/>
+              </a:rPr>
+              <a:t>很多人可能不知道，作为内衣界带头大哥的</a:t>
+            </a:r>
+            <a:r>
+              <a:rPr lang="en-US" altLang="zh-CN" sz="2000">
+                <a:ea typeface="宋体" panose="02010600030101010101" pitchFamily="2" charset="-122"/>
+              </a:rPr>
+              <a:t>VS</a:t>
+            </a:r>
+            <a:r>
+              <a:rPr lang="zh-CN" altLang="zh-CN" sz="2000">
+                <a:ea typeface="宋体" panose="02010600030101010101" pitchFamily="2" charset="-122"/>
+              </a:rPr>
+              <a:t>，创始人是一个跟你们一样的纯正直男癌，名叫</a:t>
+            </a:r>
+            <a:r>
+              <a:rPr lang="en-US" altLang="zh-CN" sz="2000">
+                <a:ea typeface="宋体" panose="02010600030101010101" pitchFamily="2" charset="-122"/>
+              </a:rPr>
+              <a:t>ROY RAYMOND</a:t>
+            </a:r>
+            <a:r>
+              <a:rPr lang="zh-CN" altLang="zh-CN" sz="2000">
+                <a:ea typeface="宋体" panose="02010600030101010101" pitchFamily="2" charset="-122"/>
+              </a:rPr>
+              <a:t>。那为什么会想到开内衣店啊？就是</a:t>
+            </a:r>
+            <a:r>
+              <a:rPr lang="en-US" altLang="zh-CN" sz="2000">
+                <a:ea typeface="宋体" panose="02010600030101010101" pitchFamily="2" charset="-122"/>
+              </a:rPr>
+              <a:t>ROY</a:t>
+            </a:r>
+            <a:r>
+              <a:rPr lang="zh-CN" altLang="zh-CN" sz="2000">
+                <a:ea typeface="宋体" panose="02010600030101010101" pitchFamily="2" charset="-122"/>
+              </a:rPr>
+              <a:t>在给老婆挑选内衣的时候，内心有成吨的羞耻感，</a:t>
+            </a:r>
+            <a:r>
+              <a:rPr lang="en-US" altLang="zh-CN" sz="2000">
+                <a:ea typeface="宋体" panose="02010600030101010101" pitchFamily="2" charset="-122"/>
+              </a:rPr>
+              <a:t>ROY</a:t>
+            </a:r>
+            <a:r>
+              <a:rPr lang="zh-CN" altLang="zh-CN" sz="2000">
+                <a:ea typeface="宋体" panose="02010600030101010101" pitchFamily="2" charset="-122"/>
+              </a:rPr>
+              <a:t>说：女店员看我的眼神，就是像在看一个变态，</a:t>
+            </a:r>
+            <a:r>
+              <a:rPr lang="en-US" altLang="zh-CN" sz="2000">
+                <a:ea typeface="宋体" panose="02010600030101010101" pitchFamily="2" charset="-122"/>
+              </a:rPr>
+              <a:t>FUCK</a:t>
+            </a:r>
+            <a:r>
+              <a:rPr lang="zh-CN" altLang="zh-CN" sz="2000">
+                <a:ea typeface="宋体" panose="02010600030101010101" pitchFamily="2" charset="-122"/>
+              </a:rPr>
+              <a:t>，我要自己开店。</a:t>
+            </a:r>
+            <a:endParaRPr lang="en-US" altLang="zh-CN" sz="2000">
+              <a:ea typeface="宋体" panose="02010600030101010101" pitchFamily="2" charset="-122"/>
+            </a:endParaRPr>
+          </a:p>
+          <a:p>
+            <a:pPr eaLnBrk="1" hangingPunct="1"/>
+            <a:r>
+              <a:rPr lang="zh-CN" altLang="zh-CN" sz="2000">
+                <a:ea typeface="宋体" panose="02010600030101010101" pitchFamily="2" charset="-122"/>
+              </a:rPr>
+              <a:t>这时候直男们可能在想为啥我就没想到开店赚票子呢？原因很简单嘛，因为你没有女朋友啊</a:t>
+            </a:r>
+            <a:r>
+              <a:rPr lang="zh-CN" altLang="en-US" sz="2000">
+                <a:ea typeface="宋体" panose="02010600030101010101" pitchFamily="2" charset="-122"/>
+              </a:rPr>
+              <a:t>。</a:t>
+            </a:r>
+            <a:endParaRPr lang="en-US" altLang="zh-CN" sz="2000">
+              <a:ea typeface="宋体" panose="02010600030101010101" pitchFamily="2" charset="-122"/>
+            </a:endParaRPr>
+          </a:p>
+          <a:p>
+            <a:pPr eaLnBrk="1" hangingPunct="1"/>
+            <a:r>
+              <a:rPr lang="en-US" altLang="zh-CN" sz="2000">
+                <a:ea typeface="宋体" panose="02010600030101010101" pitchFamily="2" charset="-122"/>
+              </a:rPr>
+              <a:t>1977</a:t>
+            </a:r>
+            <a:r>
+              <a:rPr lang="zh-CN" altLang="zh-CN" sz="2000">
+                <a:ea typeface="宋体" panose="02010600030101010101" pitchFamily="2" charset="-122"/>
+              </a:rPr>
+              <a:t>年</a:t>
+            </a:r>
+            <a:r>
+              <a:rPr lang="en-US" altLang="zh-CN" sz="2000">
+                <a:ea typeface="宋体" panose="02010600030101010101" pitchFamily="2" charset="-122"/>
+              </a:rPr>
+              <a:t>30</a:t>
+            </a:r>
+            <a:r>
+              <a:rPr lang="zh-CN" altLang="zh-CN" sz="2000">
+                <a:ea typeface="宋体" panose="02010600030101010101" pitchFamily="2" charset="-122"/>
+              </a:rPr>
+              <a:t>岁的</a:t>
+            </a:r>
+            <a:r>
+              <a:rPr lang="en-US" altLang="zh-CN" sz="2000">
+                <a:ea typeface="宋体" panose="02010600030101010101" pitchFamily="2" charset="-122"/>
+              </a:rPr>
+              <a:t>ROY</a:t>
+            </a:r>
+            <a:r>
+              <a:rPr lang="zh-CN" altLang="zh-CN" sz="2000">
+                <a:ea typeface="宋体" panose="02010600030101010101" pitchFamily="2" charset="-122"/>
+              </a:rPr>
+              <a:t>向他的七大姑八大姨借了</a:t>
+            </a:r>
+            <a:r>
+              <a:rPr lang="en-US" altLang="zh-CN" sz="2000">
+                <a:ea typeface="宋体" panose="02010600030101010101" pitchFamily="2" charset="-122"/>
+              </a:rPr>
+              <a:t>8</a:t>
+            </a:r>
+            <a:r>
+              <a:rPr lang="zh-CN" altLang="zh-CN" sz="2000">
+                <a:ea typeface="宋体" panose="02010600030101010101" pitchFamily="2" charset="-122"/>
+              </a:rPr>
+              <a:t>万美金，在美国旧金山开了第一家店。为了不让男性顾客像曾经的自己一样尴尬，他在招聘营业员的时候，首先一点就是：热情，友好，不把男顾客当变态看。</a:t>
+            </a:r>
+            <a:r>
+              <a:rPr lang="en-US" altLang="zh-CN" sz="2000">
+                <a:ea typeface="宋体" panose="02010600030101010101" pitchFamily="2" charset="-122"/>
+              </a:rPr>
+              <a:t>VS</a:t>
+            </a:r>
+            <a:r>
+              <a:rPr lang="zh-CN" altLang="zh-CN" sz="2000">
+                <a:ea typeface="宋体" panose="02010600030101010101" pitchFamily="2" charset="-122"/>
+              </a:rPr>
+              <a:t>完全是一个从直男视角出发的内衣店，很快就打响了名号，仅仅一年就赚了</a:t>
+            </a:r>
+            <a:r>
+              <a:rPr lang="en-US" altLang="zh-CN" sz="2000">
+                <a:ea typeface="宋体" panose="02010600030101010101" pitchFamily="2" charset="-122"/>
+              </a:rPr>
+              <a:t>50</a:t>
+            </a:r>
+            <a:r>
+              <a:rPr lang="zh-CN" altLang="zh-CN" sz="2000">
+                <a:ea typeface="宋体" panose="02010600030101010101" pitchFamily="2" charset="-122"/>
+              </a:rPr>
+              <a:t>万美元（原来开个内衣店这么赚钱），</a:t>
+            </a:r>
+            <a:r>
+              <a:rPr lang="en-US" altLang="zh-CN" sz="2000">
+                <a:ea typeface="宋体" panose="02010600030101010101" pitchFamily="2" charset="-122"/>
+              </a:rPr>
+              <a:t>5</a:t>
+            </a:r>
+            <a:r>
+              <a:rPr lang="zh-CN" altLang="zh-CN" sz="2000">
+                <a:ea typeface="宋体" panose="02010600030101010101" pitchFamily="2" charset="-122"/>
+              </a:rPr>
+              <a:t>年以后</a:t>
+            </a:r>
+            <a:r>
+              <a:rPr lang="en-US" altLang="zh-CN" sz="2000">
+                <a:ea typeface="宋体" panose="02010600030101010101" pitchFamily="2" charset="-122"/>
+              </a:rPr>
+              <a:t>ROY</a:t>
+            </a:r>
+            <a:r>
+              <a:rPr lang="zh-CN" altLang="zh-CN" sz="2000">
+                <a:ea typeface="宋体" panose="02010600030101010101" pitchFamily="2" charset="-122"/>
+              </a:rPr>
+              <a:t>就有</a:t>
+            </a:r>
+            <a:r>
+              <a:rPr lang="en-US" altLang="zh-CN" sz="2000">
+                <a:ea typeface="宋体" panose="02010600030101010101" pitchFamily="2" charset="-122"/>
+              </a:rPr>
+              <a:t>5</a:t>
+            </a:r>
+            <a:r>
+              <a:rPr lang="zh-CN" altLang="zh-CN" sz="2000">
+                <a:ea typeface="宋体" panose="02010600030101010101" pitchFamily="2" charset="-122"/>
+              </a:rPr>
+              <a:t>家</a:t>
+            </a:r>
+            <a:r>
+              <a:rPr lang="en-US" altLang="zh-CN" sz="2000">
+                <a:ea typeface="宋体" panose="02010600030101010101" pitchFamily="2" charset="-122"/>
+              </a:rPr>
+              <a:t>VS</a:t>
+            </a:r>
+            <a:r>
+              <a:rPr lang="zh-CN" altLang="zh-CN" sz="2000">
+                <a:ea typeface="宋体" panose="02010600030101010101" pitchFamily="2" charset="-122"/>
+              </a:rPr>
+              <a:t>店。</a:t>
+            </a:r>
+            <a:endParaRPr lang="en-US" altLang="zh-CN" sz="2000" b="1">
+              <a:ea typeface="宋体" panose="02010600030101010101" pitchFamily="2" charset="-122"/>
+              <a:cs typeface="Arial" panose="020B0604020202020204" pitchFamily="34" charset="0"/>
+            </a:endParaRPr>
+          </a:p>
+          <a:p>
+            <a:pPr eaLnBrk="1" hangingPunct="1"/>
+            <a:endParaRPr lang="en-US" altLang="zh-CN" sz="2000">
+              <a:ea typeface="宋体" panose="02010600030101010101" pitchFamily="2" charset="-122"/>
+            </a:endParaRPr>
           </a:p>
         </p:txBody>
       </p:sp>
     </p:spTree>
-    <p:extLst>
-      <p:ext uri="{BB962C8B-B14F-4D97-AF65-F5344CB8AC3E}">
-        <p14:creationId xmlns:p14="http://schemas.microsoft.com/office/powerpoint/2010/main" val="2176899133"/>
-      </p:ext>
-    </p:extLst>
   </p:cSld>
   <p:clrMapOvr>
     <a:masterClrMapping/>
@@ -5071,7 +5666,339 @@
   <p:timing>
     <p:tnLst>
       <p:par>
-        <p:cTn id="1" dur="indefinite" restart="never" nodeType="tmRoot"/>
+        <p:cTn id="1" dur="indefinite" restart="never" nodeType="tmRoot">
+          <p:childTnLst>
+            <p:seq concurrent="1" nextAc="seek">
+              <p:cTn id="2" dur="indefinite" nodeType="mainSeq">
+                <p:childTnLst>
+                  <p:par>
+                    <p:cTn id="3" fill="hold" nodeType="clickPar">
+                      <p:stCondLst>
+                        <p:cond delay="indefinite"/>
+                      </p:stCondLst>
+                      <p:childTnLst>
+                        <p:par>
+                          <p:cTn id="4" fill="hold" nodeType="withGroup">
+                            <p:stCondLst>
+                              <p:cond delay="0"/>
+                            </p:stCondLst>
+                            <p:childTnLst>
+                              <p:par>
+                                <p:cTn id="5" presetID="2" presetClass="entr" presetSubtype="4" fill="hold" nodeType="clickEffect">
+                                  <p:stCondLst>
+                                    <p:cond delay="0"/>
+                                  </p:stCondLst>
+                                  <p:childTnLst>
+                                    <p:set>
+                                      <p:cBhvr>
+                                        <p:cTn id="6" dur="1" fill="hold">
+                                          <p:stCondLst>
+                                            <p:cond delay="0"/>
+                                          </p:stCondLst>
+                                        </p:cTn>
+                                        <p:tgtEl>
+                                          <p:spTgt spid="48131">
+                                            <p:txEl>
+                                              <p:pRg st="0" end="0"/>
+                                            </p:txEl>
+                                          </p:spTgt>
+                                        </p:tgtEl>
+                                        <p:attrNameLst>
+                                          <p:attrName>style.visibility</p:attrName>
+                                        </p:attrNameLst>
+                                      </p:cBhvr>
+                                      <p:to>
+                                        <p:strVal val="visible"/>
+                                      </p:to>
+                                    </p:set>
+                                    <p:anim calcmode="lin" valueType="num">
+                                      <p:cBhvr additive="base">
+                                        <p:cTn id="7" dur="500" fill="hold"/>
+                                        <p:tgtEl>
+                                          <p:spTgt spid="48131">
+                                            <p:txEl>
+                                              <p:pRg st="0" end="0"/>
+                                            </p:txEl>
+                                          </p:spTgt>
+                                        </p:tgtEl>
+                                        <p:attrNameLst>
+                                          <p:attrName>ppt_x</p:attrName>
+                                        </p:attrNameLst>
+                                      </p:cBhvr>
+                                      <p:tavLst>
+                                        <p:tav tm="0">
+                                          <p:val>
+                                            <p:strVal val="#ppt_x"/>
+                                          </p:val>
+                                        </p:tav>
+                                        <p:tav tm="100000">
+                                          <p:val>
+                                            <p:strVal val="#ppt_x"/>
+                                          </p:val>
+                                        </p:tav>
+                                      </p:tavLst>
+                                    </p:anim>
+                                    <p:anim calcmode="lin" valueType="num">
+                                      <p:cBhvr additive="base">
+                                        <p:cTn id="8" dur="500" fill="hold"/>
+                                        <p:tgtEl>
+                                          <p:spTgt spid="48131">
+                                            <p:txEl>
+                                              <p:pRg st="0" end="0"/>
+                                            </p:txEl>
+                                          </p:spTgt>
+                                        </p:tgtEl>
+                                        <p:attrNameLst>
+                                          <p:attrName>ppt_y</p:attrName>
+                                        </p:attrNameLst>
+                                      </p:cBhvr>
+                                      <p:tavLst>
+                                        <p:tav tm="0">
+                                          <p:val>
+                                            <p:strVal val="1+#ppt_h/2"/>
+                                          </p:val>
+                                        </p:tav>
+                                        <p:tav tm="100000">
+                                          <p:val>
+                                            <p:strVal val="#ppt_y"/>
+                                          </p:val>
+                                        </p:tav>
+                                      </p:tavLst>
+                                    </p:anim>
+                                  </p:childTnLst>
+                                </p:cTn>
+                              </p:par>
+                            </p:childTnLst>
+                          </p:cTn>
+                        </p:par>
+                      </p:childTnLst>
+                    </p:cTn>
+                  </p:par>
+                  <p:par>
+                    <p:cTn id="9" fill="hold" nodeType="clickPar">
+                      <p:stCondLst>
+                        <p:cond delay="indefinite"/>
+                      </p:stCondLst>
+                      <p:childTnLst>
+                        <p:par>
+                          <p:cTn id="10" fill="hold" nodeType="withGroup">
+                            <p:stCondLst>
+                              <p:cond delay="0"/>
+                            </p:stCondLst>
+                            <p:childTnLst>
+                              <p:par>
+                                <p:cTn id="11" presetID="2" presetClass="entr" presetSubtype="4" fill="hold" nodeType="clickEffect">
+                                  <p:stCondLst>
+                                    <p:cond delay="0"/>
+                                  </p:stCondLst>
+                                  <p:childTnLst>
+                                    <p:set>
+                                      <p:cBhvr>
+                                        <p:cTn id="12" dur="1" fill="hold">
+                                          <p:stCondLst>
+                                            <p:cond delay="0"/>
+                                          </p:stCondLst>
+                                        </p:cTn>
+                                        <p:tgtEl>
+                                          <p:spTgt spid="48131">
+                                            <p:txEl>
+                                              <p:pRg st="1" end="1"/>
+                                            </p:txEl>
+                                          </p:spTgt>
+                                        </p:tgtEl>
+                                        <p:attrNameLst>
+                                          <p:attrName>style.visibility</p:attrName>
+                                        </p:attrNameLst>
+                                      </p:cBhvr>
+                                      <p:to>
+                                        <p:strVal val="visible"/>
+                                      </p:to>
+                                    </p:set>
+                                    <p:anim calcmode="lin" valueType="num">
+                                      <p:cBhvr additive="base">
+                                        <p:cTn id="13" dur="500" fill="hold"/>
+                                        <p:tgtEl>
+                                          <p:spTgt spid="48131">
+                                            <p:txEl>
+                                              <p:pRg st="1" end="1"/>
+                                            </p:txEl>
+                                          </p:spTgt>
+                                        </p:tgtEl>
+                                        <p:attrNameLst>
+                                          <p:attrName>ppt_x</p:attrName>
+                                        </p:attrNameLst>
+                                      </p:cBhvr>
+                                      <p:tavLst>
+                                        <p:tav tm="0">
+                                          <p:val>
+                                            <p:strVal val="#ppt_x"/>
+                                          </p:val>
+                                        </p:tav>
+                                        <p:tav tm="100000">
+                                          <p:val>
+                                            <p:strVal val="#ppt_x"/>
+                                          </p:val>
+                                        </p:tav>
+                                      </p:tavLst>
+                                    </p:anim>
+                                    <p:anim calcmode="lin" valueType="num">
+                                      <p:cBhvr additive="base">
+                                        <p:cTn id="14" dur="500" fill="hold"/>
+                                        <p:tgtEl>
+                                          <p:spTgt spid="48131">
+                                            <p:txEl>
+                                              <p:pRg st="1" end="1"/>
+                                            </p:txEl>
+                                          </p:spTgt>
+                                        </p:tgtEl>
+                                        <p:attrNameLst>
+                                          <p:attrName>ppt_y</p:attrName>
+                                        </p:attrNameLst>
+                                      </p:cBhvr>
+                                      <p:tavLst>
+                                        <p:tav tm="0">
+                                          <p:val>
+                                            <p:strVal val="1+#ppt_h/2"/>
+                                          </p:val>
+                                        </p:tav>
+                                        <p:tav tm="100000">
+                                          <p:val>
+                                            <p:strVal val="#ppt_y"/>
+                                          </p:val>
+                                        </p:tav>
+                                      </p:tavLst>
+                                    </p:anim>
+                                  </p:childTnLst>
+                                </p:cTn>
+                              </p:par>
+                            </p:childTnLst>
+                          </p:cTn>
+                        </p:par>
+                      </p:childTnLst>
+                    </p:cTn>
+                  </p:par>
+                  <p:par>
+                    <p:cTn id="15" fill="hold" nodeType="clickPar">
+                      <p:stCondLst>
+                        <p:cond delay="indefinite"/>
+                      </p:stCondLst>
+                      <p:childTnLst>
+                        <p:par>
+                          <p:cTn id="16" fill="hold" nodeType="withGroup">
+                            <p:stCondLst>
+                              <p:cond delay="0"/>
+                            </p:stCondLst>
+                            <p:childTnLst>
+                              <p:par>
+                                <p:cTn id="17" presetID="2" presetClass="entr" presetSubtype="4" fill="hold" nodeType="clickEffect">
+                                  <p:stCondLst>
+                                    <p:cond delay="0"/>
+                                  </p:stCondLst>
+                                  <p:childTnLst>
+                                    <p:set>
+                                      <p:cBhvr>
+                                        <p:cTn id="18" dur="1" fill="hold">
+                                          <p:stCondLst>
+                                            <p:cond delay="0"/>
+                                          </p:stCondLst>
+                                        </p:cTn>
+                                        <p:tgtEl>
+                                          <p:spTgt spid="48131">
+                                            <p:txEl>
+                                              <p:pRg st="2" end="2"/>
+                                            </p:txEl>
+                                          </p:spTgt>
+                                        </p:tgtEl>
+                                        <p:attrNameLst>
+                                          <p:attrName>style.visibility</p:attrName>
+                                        </p:attrNameLst>
+                                      </p:cBhvr>
+                                      <p:to>
+                                        <p:strVal val="visible"/>
+                                      </p:to>
+                                    </p:set>
+                                    <p:anim calcmode="lin" valueType="num">
+                                      <p:cBhvr additive="base">
+                                        <p:cTn id="19" dur="500" fill="hold"/>
+                                        <p:tgtEl>
+                                          <p:spTgt spid="48131">
+                                            <p:txEl>
+                                              <p:pRg st="2" end="2"/>
+                                            </p:txEl>
+                                          </p:spTgt>
+                                        </p:tgtEl>
+                                        <p:attrNameLst>
+                                          <p:attrName>ppt_x</p:attrName>
+                                        </p:attrNameLst>
+                                      </p:cBhvr>
+                                      <p:tavLst>
+                                        <p:tav tm="0">
+                                          <p:val>
+                                            <p:strVal val="#ppt_x"/>
+                                          </p:val>
+                                        </p:tav>
+                                        <p:tav tm="100000">
+                                          <p:val>
+                                            <p:strVal val="#ppt_x"/>
+                                          </p:val>
+                                        </p:tav>
+                                      </p:tavLst>
+                                    </p:anim>
+                                    <p:anim calcmode="lin" valueType="num">
+                                      <p:cBhvr additive="base">
+                                        <p:cTn id="20" dur="500" fill="hold"/>
+                                        <p:tgtEl>
+                                          <p:spTgt spid="48131">
+                                            <p:txEl>
+                                              <p:pRg st="2" end="2"/>
+                                            </p:txEl>
+                                          </p:spTgt>
+                                        </p:tgtEl>
+                                        <p:attrNameLst>
+                                          <p:attrName>ppt_y</p:attrName>
+                                        </p:attrNameLst>
+                                      </p:cBhvr>
+                                      <p:tavLst>
+                                        <p:tav tm="0">
+                                          <p:val>
+                                            <p:strVal val="1+#ppt_h/2"/>
+                                          </p:val>
+                                        </p:tav>
+                                        <p:tav tm="100000">
+                                          <p:val>
+                                            <p:strVal val="#ppt_y"/>
+                                          </p:val>
+                                        </p:tav>
+                                      </p:tavLst>
+                                    </p:anim>
+                                  </p:childTnLst>
+                                </p:cTn>
+                              </p:par>
+                            </p:childTnLst>
+                          </p:cTn>
+                        </p:par>
+                      </p:childTnLst>
+                    </p:cTn>
+                  </p:par>
+                </p:childTnLst>
+              </p:cTn>
+              <p:prevCondLst>
+                <p:cond evt="onPrev" delay="0">
+                  <p:tgtEl>
+                    <p:sldTgt/>
+                  </p:tgtEl>
+                </p:cond>
+              </p:prevCondLst>
+              <p:nextCondLst>
+                <p:cond evt="onNext" delay="0">
+                  <p:tgtEl>
+                    <p:sldTgt/>
+                  </p:tgtEl>
+                </p:cond>
+              </p:nextCondLst>
+            </p:seq>
+          </p:childTnLst>
+        </p:cTn>
       </p:par>
     </p:tnLst>
   </p:timing>
@@ -5097,45 +6024,405 @@
       </p:grpSpPr>
       <p:sp>
         <p:nvSpPr>
-          <p:cNvPr id="50" name="矩形 49"/>
-          <p:cNvSpPr/>
-          <p:nvPr/>
+          <p:cNvPr id="8194" name="Rectangle 2">
+            <a:extLst>
+              <a:ext uri="{FF2B5EF4-FFF2-40B4-BE49-F238E27FC236}">
+                <a16:creationId xmlns:a16="http://schemas.microsoft.com/office/drawing/2014/main" id="{C74C7E1D-4954-4E6C-A760-57B4E7EC22A5}"/>
+              </a:ext>
+            </a:extLst>
+          </p:cNvPr>
+          <p:cNvSpPr>
+            <a:spLocks noGrp="1" noChangeArrowheads="1"/>
+          </p:cNvSpPr>
+          <p:nvPr>
+            <p:ph type="title"/>
+          </p:nvPr>
+        </p:nvSpPr>
+        <p:spPr/>
+        <p:txBody>
+          <a:bodyPr/>
+          <a:lstStyle/>
+          <a:p>
+            <a:pPr eaLnBrk="1" hangingPunct="1"/>
+            <a:r>
+              <a:rPr lang="zh-CN" altLang="en-US">
+                <a:ea typeface="宋体" panose="02010600030101010101" pitchFamily="2" charset="-122"/>
+              </a:rPr>
+              <a:t>品牌发展－</a:t>
+            </a:r>
+            <a:r>
+              <a:rPr lang="zh-CN" altLang="en-US" sz="3600">
+                <a:ea typeface="宋体" panose="02010600030101010101" pitchFamily="2" charset="-122"/>
+              </a:rPr>
+              <a:t>创立</a:t>
+            </a:r>
+            <a:endParaRPr lang="en-US" altLang="zh-CN" sz="4000">
+              <a:ea typeface="宋体" panose="02010600030101010101" pitchFamily="2" charset="-122"/>
+            </a:endParaRPr>
+          </a:p>
+        </p:txBody>
+      </p:sp>
+      <p:sp>
+        <p:nvSpPr>
+          <p:cNvPr id="48131" name="Rectangle 3">
+            <a:extLst>
+              <a:ext uri="{FF2B5EF4-FFF2-40B4-BE49-F238E27FC236}">
+                <a16:creationId xmlns:a16="http://schemas.microsoft.com/office/drawing/2014/main" id="{9B693C9C-A10A-447F-8551-4DA35F82C8BD}"/>
+              </a:ext>
+            </a:extLst>
+          </p:cNvPr>
+          <p:cNvSpPr>
+            <a:spLocks noGrp="1" noChangeArrowheads="1"/>
+          </p:cNvSpPr>
+          <p:nvPr>
+            <p:ph type="body" sz="half" idx="1"/>
+          </p:nvPr>
         </p:nvSpPr>
         <p:spPr>
           <a:xfrm>
-            <a:off x="5258872" y="501134"/>
-            <a:ext cx="1428596" cy="369332"/>
+            <a:off x="1981200" y="1935163"/>
+            <a:ext cx="8066088" cy="3155950"/>
           </a:xfrm>
-          <a:prstGeom prst="rect">
-            <a:avLst/>
-          </a:prstGeom>
         </p:spPr>
         <p:txBody>
-          <a:bodyPr wrap="none">
-            <a:spAutoFit/>
+          <a:bodyPr>
+            <a:normAutofit fontScale="92500" lnSpcReduction="10000"/>
           </a:bodyPr>
           <a:lstStyle/>
           <a:p>
-            <a:r>
-              <a:rPr lang="en-US" altLang="zh-CN" b="0" i="0" dirty="0" smtClean="0">
-                <a:solidFill>
-                  <a:srgbClr val="3B3B3B"/>
-                </a:solidFill>
-                <a:effectLst/>
-                <a:latin typeface="Helvetica" panose="020B0604020202020204" pitchFamily="34" charset="0"/>
-              </a:rPr>
-              <a:t>Fantasy Bra</a:t>
-            </a:r>
-            <a:endParaRPr lang="zh-CN" altLang="en-US" dirty="0"/>
+            <a:pPr eaLnBrk="1" hangingPunct="1"/>
+            <a:r>
+              <a:rPr lang="zh-CN" altLang="zh-CN" sz="2000">
+                <a:ea typeface="宋体" panose="02010600030101010101" pitchFamily="2" charset="-122"/>
+              </a:rPr>
+              <a:t>可惜的是</a:t>
+            </a:r>
+            <a:r>
+              <a:rPr lang="en-US" altLang="zh-CN" sz="2000">
+                <a:ea typeface="宋体" panose="02010600030101010101" pitchFamily="2" charset="-122"/>
+              </a:rPr>
+              <a:t>ROY</a:t>
+            </a:r>
+            <a:r>
+              <a:rPr lang="zh-CN" altLang="zh-CN" sz="2000">
+                <a:ea typeface="宋体" panose="02010600030101010101" pitchFamily="2" charset="-122"/>
+              </a:rPr>
+              <a:t>这哥们不善长经营，后来资金运转持续恶化，他不得不将年收入</a:t>
+            </a:r>
+            <a:r>
+              <a:rPr lang="en-US" altLang="zh-CN" sz="2000">
+                <a:ea typeface="宋体" panose="02010600030101010101" pitchFamily="2" charset="-122"/>
+              </a:rPr>
+              <a:t>600</a:t>
+            </a:r>
+            <a:r>
+              <a:rPr lang="zh-CN" altLang="zh-CN" sz="2000">
+                <a:ea typeface="宋体" panose="02010600030101010101" pitchFamily="2" charset="-122"/>
+              </a:rPr>
+              <a:t>万美金的</a:t>
+            </a:r>
+            <a:r>
+              <a:rPr lang="en-US" altLang="zh-CN" sz="2000">
+                <a:ea typeface="宋体" panose="02010600030101010101" pitchFamily="2" charset="-122"/>
+              </a:rPr>
+              <a:t>VS</a:t>
+            </a:r>
+            <a:r>
+              <a:rPr lang="zh-CN" altLang="zh-CN" sz="2000">
+                <a:ea typeface="宋体" panose="02010600030101010101" pitchFamily="2" charset="-122"/>
+              </a:rPr>
+              <a:t>以</a:t>
+            </a:r>
+            <a:r>
+              <a:rPr lang="en-US" altLang="zh-CN" sz="2000">
+                <a:ea typeface="宋体" panose="02010600030101010101" pitchFamily="2" charset="-122"/>
+              </a:rPr>
+              <a:t>400</a:t>
+            </a:r>
+            <a:r>
+              <a:rPr lang="zh-CN" altLang="zh-CN" sz="2000">
+                <a:ea typeface="宋体" panose="02010600030101010101" pitchFamily="2" charset="-122"/>
+              </a:rPr>
+              <a:t>万美金卖给了</a:t>
+            </a:r>
+            <a:r>
+              <a:rPr lang="en-US" altLang="zh-CN" sz="2000">
+                <a:ea typeface="宋体" panose="02010600030101010101" pitchFamily="2" charset="-122"/>
+              </a:rPr>
+              <a:t>THE LIMITED</a:t>
+            </a:r>
+            <a:r>
+              <a:rPr lang="zh-CN" altLang="zh-CN" sz="2000">
+                <a:ea typeface="宋体" panose="02010600030101010101" pitchFamily="2" charset="-122"/>
+              </a:rPr>
+              <a:t>的创始人</a:t>
+            </a:r>
+            <a:r>
+              <a:rPr lang="en-US" altLang="zh-CN" sz="2000">
+                <a:ea typeface="宋体" panose="02010600030101010101" pitchFamily="2" charset="-122"/>
+              </a:rPr>
+              <a:t>LESLIE WEXNER</a:t>
+            </a:r>
+            <a:r>
+              <a:rPr lang="zh-CN" altLang="en-US" sz="2000">
+                <a:ea typeface="宋体" panose="02010600030101010101" pitchFamily="2" charset="-122"/>
+              </a:rPr>
+              <a:t>。</a:t>
+            </a:r>
+            <a:r>
+              <a:rPr lang="zh-CN" altLang="zh-CN" sz="2000">
+                <a:ea typeface="宋体" panose="02010600030101010101" pitchFamily="2" charset="-122"/>
+              </a:rPr>
+              <a:t>这要搁现在</a:t>
+            </a:r>
+            <a:r>
+              <a:rPr lang="zh-CN" altLang="en-US" sz="2000">
+                <a:ea typeface="宋体" panose="02010600030101010101" pitchFamily="2" charset="-122"/>
+              </a:rPr>
+              <a:t>，</a:t>
+            </a:r>
+            <a:r>
+              <a:rPr lang="zh-CN" altLang="zh-CN" sz="2000">
+                <a:ea typeface="宋体" panose="02010600030101010101" pitchFamily="2" charset="-122"/>
+              </a:rPr>
+              <a:t>还不得马上找券商，讲个啥子美国梦的准备登陆新三板？</a:t>
+            </a:r>
+            <a:endParaRPr lang="en-US" altLang="zh-CN" sz="2000">
+              <a:ea typeface="宋体" panose="02010600030101010101" pitchFamily="2" charset="-122"/>
+            </a:endParaRPr>
+          </a:p>
+          <a:p>
+            <a:pPr eaLnBrk="1" hangingPunct="1"/>
+            <a:r>
+              <a:rPr lang="zh-CN" altLang="zh-CN" sz="2000">
+                <a:ea typeface="宋体" panose="02010600030101010101" pitchFamily="2" charset="-122"/>
+              </a:rPr>
+              <a:t>在获得资金注入后短短一年，</a:t>
+            </a:r>
+            <a:r>
+              <a:rPr lang="en-US" altLang="zh-CN" sz="2000">
+                <a:ea typeface="宋体" panose="02010600030101010101" pitchFamily="2" charset="-122"/>
+              </a:rPr>
+              <a:t>VS</a:t>
+            </a:r>
+            <a:r>
+              <a:rPr lang="zh-CN" altLang="zh-CN" sz="2000">
+                <a:ea typeface="宋体" panose="02010600030101010101" pitchFamily="2" charset="-122"/>
+              </a:rPr>
+              <a:t>就风靡全球，市值</a:t>
+            </a:r>
+            <a:r>
+              <a:rPr lang="en-US" altLang="zh-CN" sz="2000">
+                <a:ea typeface="宋体" panose="02010600030101010101" pitchFamily="2" charset="-122"/>
+              </a:rPr>
+              <a:t>5</a:t>
+            </a:r>
+            <a:r>
+              <a:rPr lang="zh-CN" altLang="zh-CN" sz="2000">
+                <a:ea typeface="宋体" panose="02010600030101010101" pitchFamily="2" charset="-122"/>
+              </a:rPr>
+              <a:t>亿美元。</a:t>
+            </a:r>
+            <a:r>
+              <a:rPr lang="en-US" altLang="zh-CN" sz="2000">
+                <a:ea typeface="宋体" panose="02010600030101010101" pitchFamily="2" charset="-122"/>
+              </a:rPr>
+              <a:t>The Limited</a:t>
+            </a:r>
+            <a:r>
+              <a:rPr lang="zh-CN" altLang="zh-CN" sz="2000">
+                <a:ea typeface="宋体" panose="02010600030101010101" pitchFamily="2" charset="-122"/>
+              </a:rPr>
+              <a:t>公司完整地保持了维密的个性化形象。维密在</a:t>
+            </a:r>
+            <a:r>
+              <a:rPr lang="en-US" altLang="zh-CN" sz="2000">
+                <a:ea typeface="宋体" panose="02010600030101010101" pitchFamily="2" charset="-122"/>
+              </a:rPr>
+              <a:t>80</a:t>
+            </a:r>
+            <a:r>
+              <a:rPr lang="zh-CN" altLang="zh-CN" sz="2000">
+                <a:ea typeface="宋体" panose="02010600030101010101" pitchFamily="2" charset="-122"/>
+              </a:rPr>
+              <a:t>年代迅速扩展到全美各大商城。</a:t>
+            </a:r>
+            <a:r>
+              <a:rPr lang="en-US" altLang="zh-CN" sz="2000">
+                <a:ea typeface="宋体" panose="02010600030101010101" pitchFamily="2" charset="-122"/>
+              </a:rPr>
+              <a:t>The Limited</a:t>
+            </a:r>
+            <a:r>
+              <a:rPr lang="zh-CN" altLang="zh-CN" sz="2000">
+                <a:ea typeface="宋体" panose="02010600030101010101" pitchFamily="2" charset="-122"/>
+              </a:rPr>
+              <a:t>公司更将经营范围拓展到鞋子、晚装、香水等其他产品，每年</a:t>
+            </a:r>
+            <a:r>
+              <a:rPr lang="en-US" altLang="zh-CN" sz="2000">
+                <a:ea typeface="宋体" panose="02010600030101010101" pitchFamily="2" charset="-122"/>
+              </a:rPr>
+              <a:t>8</a:t>
+            </a:r>
+            <a:r>
+              <a:rPr lang="zh-CN" altLang="zh-CN" sz="2000">
+                <a:ea typeface="宋体" panose="02010600030101010101" pitchFamily="2" charset="-122"/>
+              </a:rPr>
+              <a:t>次发行邮购目录。雷蒙德做梦也想不到的是，</a:t>
+            </a:r>
+            <a:r>
+              <a:rPr lang="en-US" altLang="zh-CN" sz="2000">
+                <a:ea typeface="宋体" panose="02010600030101010101" pitchFamily="2" charset="-122"/>
+              </a:rPr>
+              <a:t>90</a:t>
+            </a:r>
+            <a:r>
+              <a:rPr lang="zh-CN" altLang="zh-CN" sz="2000">
+                <a:ea typeface="宋体" panose="02010600030101010101" pitchFamily="2" charset="-122"/>
+              </a:rPr>
+              <a:t>年代初期，维密更成为全美最大型的，超过</a:t>
+            </a:r>
+            <a:r>
+              <a:rPr lang="en-US" altLang="zh-CN" sz="2000">
+                <a:ea typeface="宋体" panose="02010600030101010101" pitchFamily="2" charset="-122"/>
+              </a:rPr>
+              <a:t>10</a:t>
+            </a:r>
+            <a:r>
+              <a:rPr lang="zh-CN" altLang="zh-CN" sz="2000">
+                <a:ea typeface="宋体" panose="02010600030101010101" pitchFamily="2" charset="-122"/>
+              </a:rPr>
+              <a:t>亿美元的女式内衣零售商。</a:t>
+            </a:r>
+            <a:endParaRPr lang="en-US" altLang="zh-CN" sz="2000">
+              <a:ea typeface="宋体" panose="02010600030101010101" pitchFamily="2" charset="-122"/>
+            </a:endParaRPr>
+          </a:p>
+          <a:p>
+            <a:pPr eaLnBrk="1" hangingPunct="1"/>
+            <a:r>
+              <a:rPr lang="en-US" altLang="zh-CN" sz="2000">
+                <a:ea typeface="宋体" panose="02010600030101010101" pitchFamily="2" charset="-122"/>
+              </a:rPr>
+              <a:t>1993</a:t>
+            </a:r>
+            <a:r>
+              <a:rPr lang="zh-CN" altLang="zh-CN" sz="2000">
+                <a:ea typeface="宋体" panose="02010600030101010101" pitchFamily="2" charset="-122"/>
+              </a:rPr>
+              <a:t>年</a:t>
+            </a:r>
+            <a:r>
+              <a:rPr lang="en-US" altLang="zh-CN" sz="2000">
+                <a:ea typeface="宋体" panose="02010600030101010101" pitchFamily="2" charset="-122"/>
+              </a:rPr>
+              <a:t>,</a:t>
+            </a:r>
+            <a:r>
+              <a:rPr lang="zh-CN" altLang="zh-CN" sz="2000">
+                <a:ea typeface="宋体" panose="02010600030101010101" pitchFamily="2" charset="-122"/>
+              </a:rPr>
+              <a:t>眼看自己一手创建却拱手让人的牌子越来越成功</a:t>
+            </a:r>
+            <a:r>
+              <a:rPr lang="en-US" altLang="zh-CN" sz="2000">
+                <a:ea typeface="宋体" panose="02010600030101010101" pitchFamily="2" charset="-122"/>
+              </a:rPr>
+              <a:t>,</a:t>
+            </a:r>
+            <a:r>
+              <a:rPr lang="zh-CN" altLang="zh-CN" sz="2000">
+                <a:ea typeface="宋体" panose="02010600030101010101" pitchFamily="2" charset="-122"/>
+              </a:rPr>
+              <a:t>雷蒙德的精神几近崩溃</a:t>
+            </a:r>
+            <a:r>
+              <a:rPr lang="en-US" altLang="zh-CN" sz="2000">
+                <a:ea typeface="宋体" panose="02010600030101010101" pitchFamily="2" charset="-122"/>
+              </a:rPr>
+              <a:t>,8月26日,</a:t>
+            </a:r>
+            <a:r>
+              <a:rPr lang="zh-CN" altLang="zh-CN" sz="2000">
+                <a:ea typeface="宋体" panose="02010600030101010101" pitchFamily="2" charset="-122"/>
+              </a:rPr>
+              <a:t>他纵身跳下旧金山的金门大桥</a:t>
+            </a:r>
+            <a:r>
+              <a:rPr lang="en-US" altLang="zh-CN" sz="2000">
+                <a:ea typeface="宋体" panose="02010600030101010101" pitchFamily="2" charset="-122"/>
+              </a:rPr>
+              <a:t>,</a:t>
+            </a:r>
+            <a:r>
+              <a:rPr lang="zh-CN" altLang="zh-CN" sz="2000">
+                <a:ea typeface="宋体" panose="02010600030101010101" pitchFamily="2" charset="-122"/>
+              </a:rPr>
+              <a:t>结束了自己年仅</a:t>
+            </a:r>
+            <a:r>
+              <a:rPr lang="en-US" altLang="zh-CN" sz="2000">
+                <a:ea typeface="宋体" panose="02010600030101010101" pitchFamily="2" charset="-122"/>
+              </a:rPr>
+              <a:t>46</a:t>
+            </a:r>
+            <a:r>
+              <a:rPr lang="zh-CN" altLang="zh-CN" sz="2000">
+                <a:ea typeface="宋体" panose="02010600030101010101" pitchFamily="2" charset="-122"/>
+              </a:rPr>
+              <a:t>岁的生命。此时</a:t>
+            </a:r>
+            <a:r>
+              <a:rPr lang="en-US" altLang="zh-CN" sz="2000">
+                <a:ea typeface="宋体" panose="02010600030101010101" pitchFamily="2" charset="-122"/>
+              </a:rPr>
+              <a:t>,</a:t>
+            </a:r>
+            <a:r>
+              <a:rPr lang="zh-CN" altLang="zh-CN" sz="2000">
+                <a:ea typeface="宋体" panose="02010600030101010101" pitchFamily="2" charset="-122"/>
+              </a:rPr>
+              <a:t>维多利亚的秘密刚刚走过</a:t>
+            </a:r>
+            <a:r>
+              <a:rPr lang="en-US" altLang="zh-CN" sz="2000">
+                <a:ea typeface="宋体" panose="02010600030101010101" pitchFamily="2" charset="-122"/>
+              </a:rPr>
+              <a:t>16</a:t>
+            </a:r>
+            <a:r>
+              <a:rPr lang="zh-CN" altLang="zh-CN" sz="2000">
+                <a:ea typeface="宋体" panose="02010600030101010101" pitchFamily="2" charset="-122"/>
+              </a:rPr>
+              <a:t>岁</a:t>
+            </a:r>
+            <a:r>
+              <a:rPr lang="zh-CN" altLang="en-US" sz="2000">
+                <a:ea typeface="宋体" panose="02010600030101010101" pitchFamily="2" charset="-122"/>
+              </a:rPr>
+              <a:t>。</a:t>
+            </a:r>
+            <a:endParaRPr lang="en-US" altLang="zh-CN" sz="2000" b="1">
+              <a:ea typeface="宋体" panose="02010600030101010101" pitchFamily="2" charset="-122"/>
+              <a:cs typeface="Arial" panose="020B0604020202020204" pitchFamily="34" charset="0"/>
+            </a:endParaRPr>
+          </a:p>
+          <a:p>
+            <a:pPr eaLnBrk="1" hangingPunct="1"/>
+            <a:endParaRPr lang="zh-CN" altLang="zh-CN" sz="2000">
+              <a:ea typeface="宋体" panose="02010600030101010101" pitchFamily="2" charset="-122"/>
+            </a:endParaRPr>
+          </a:p>
+          <a:p>
+            <a:pPr eaLnBrk="1" hangingPunct="1"/>
+            <a:endParaRPr lang="en-US" altLang="zh-CN" sz="2000">
+              <a:ea typeface="宋体" panose="02010600030101010101" pitchFamily="2" charset="-122"/>
+            </a:endParaRPr>
           </a:p>
         </p:txBody>
       </p:sp>
     </p:spTree>
-    <p:extLst>
-      <p:ext uri="{BB962C8B-B14F-4D97-AF65-F5344CB8AC3E}">
-        <p14:creationId xmlns:p14="http://schemas.microsoft.com/office/powerpoint/2010/main" val="2057136439"/>
-      </p:ext>
-    </p:extLst>
   </p:cSld>
   <p:clrMapOvr>
     <a:masterClrMapping/>
@@ -5143,7 +6430,375 @@
   <p:timing>
     <p:tnLst>
       <p:par>
-        <p:cTn id="1" dur="indefinite" restart="never" nodeType="tmRoot"/>
+        <p:cTn id="1" dur="indefinite" restart="never" nodeType="tmRoot">
+          <p:childTnLst>
+            <p:seq concurrent="1" nextAc="seek">
+              <p:cTn id="2" dur="indefinite" nodeType="mainSeq">
+                <p:childTnLst>
+                  <p:par>
+                    <p:cTn id="3" fill="hold" nodeType="clickPar">
+                      <p:stCondLst>
+                        <p:cond delay="indefinite"/>
+                      </p:stCondLst>
+                      <p:childTnLst>
+                        <p:par>
+                          <p:cTn id="4" fill="hold" nodeType="withGroup">
+                            <p:stCondLst>
+                              <p:cond delay="0"/>
+                            </p:stCondLst>
+                            <p:childTnLst>
+                              <p:par>
+                                <p:cTn id="5" presetID="42" presetClass="entr" presetSubtype="0" fill="hold" nodeType="clickEffect">
+                                  <p:stCondLst>
+                                    <p:cond delay="0"/>
+                                  </p:stCondLst>
+                                  <p:childTnLst>
+                                    <p:set>
+                                      <p:cBhvr>
+                                        <p:cTn id="6" dur="1" fill="hold">
+                                          <p:stCondLst>
+                                            <p:cond delay="0"/>
+                                          </p:stCondLst>
+                                        </p:cTn>
+                                        <p:tgtEl>
+                                          <p:spTgt spid="48131">
+                                            <p:txEl>
+                                              <p:pRg st="0" end="0"/>
+                                            </p:txEl>
+                                          </p:spTgt>
+                                        </p:tgtEl>
+                                        <p:attrNameLst>
+                                          <p:attrName>style.visibility</p:attrName>
+                                        </p:attrNameLst>
+                                      </p:cBhvr>
+                                      <p:to>
+                                        <p:strVal val="visible"/>
+                                      </p:to>
+                                    </p:set>
+                                    <p:animEffect transition="in" filter="fade">
+                                      <p:cBhvr>
+                                        <p:cTn id="7" dur="1000"/>
+                                        <p:tgtEl>
+                                          <p:spTgt spid="48131">
+                                            <p:txEl>
+                                              <p:pRg st="0" end="0"/>
+                                            </p:txEl>
+                                          </p:spTgt>
+                                        </p:tgtEl>
+                                      </p:cBhvr>
+                                    </p:animEffect>
+                                    <p:anim calcmode="lin" valueType="num">
+                                      <p:cBhvr>
+                                        <p:cTn id="8" dur="1000" fill="hold"/>
+                                        <p:tgtEl>
+                                          <p:spTgt spid="48131">
+                                            <p:txEl>
+                                              <p:pRg st="0" end="0"/>
+                                            </p:txEl>
+                                          </p:spTgt>
+                                        </p:tgtEl>
+                                        <p:attrNameLst>
+                                          <p:attrName>ppt_x</p:attrName>
+                                        </p:attrNameLst>
+                                      </p:cBhvr>
+                                      <p:tavLst>
+                                        <p:tav tm="0">
+                                          <p:val>
+                                            <p:strVal val="#ppt_x"/>
+                                          </p:val>
+                                        </p:tav>
+                                        <p:tav tm="100000">
+                                          <p:val>
+                                            <p:strVal val="#ppt_x"/>
+                                          </p:val>
+                                        </p:tav>
+                                      </p:tavLst>
+                                    </p:anim>
+                                    <p:anim calcmode="lin" valueType="num">
+                                      <p:cBhvr>
+                                        <p:cTn id="9" dur="1000" fill="hold"/>
+                                        <p:tgtEl>
+                                          <p:spTgt spid="48131">
+                                            <p:txEl>
+                                              <p:pRg st="0" end="0"/>
+                                            </p:txEl>
+                                          </p:spTgt>
+                                        </p:tgtEl>
+                                        <p:attrNameLst>
+                                          <p:attrName>ppt_y</p:attrName>
+                                        </p:attrNameLst>
+                                      </p:cBhvr>
+                                      <p:tavLst>
+                                        <p:tav tm="0">
+                                          <p:val>
+                                            <p:strVal val="#ppt_y+.1"/>
+                                          </p:val>
+                                        </p:tav>
+                                        <p:tav tm="100000">
+                                          <p:val>
+                                            <p:strVal val="#ppt_y"/>
+                                          </p:val>
+                                        </p:tav>
+                                      </p:tavLst>
+                                    </p:anim>
+                                  </p:childTnLst>
+                                </p:cTn>
+                              </p:par>
+                            </p:childTnLst>
+                          </p:cTn>
+                        </p:par>
+                      </p:childTnLst>
+                    </p:cTn>
+                  </p:par>
+                  <p:par>
+                    <p:cTn id="10" fill="hold" nodeType="clickPar">
+                      <p:stCondLst>
+                        <p:cond delay="indefinite"/>
+                      </p:stCondLst>
+                      <p:childTnLst>
+                        <p:par>
+                          <p:cTn id="11" fill="hold" nodeType="withGroup">
+                            <p:stCondLst>
+                              <p:cond delay="0"/>
+                            </p:stCondLst>
+                            <p:childTnLst>
+                              <p:par>
+                                <p:cTn id="12" presetID="42" presetClass="entr" presetSubtype="0" fill="hold" nodeType="clickEffect">
+                                  <p:stCondLst>
+                                    <p:cond delay="0"/>
+                                  </p:stCondLst>
+                                  <p:childTnLst>
+                                    <p:set>
+                                      <p:cBhvr>
+                                        <p:cTn id="13" dur="1" fill="hold">
+                                          <p:stCondLst>
+                                            <p:cond delay="0"/>
+                                          </p:stCondLst>
+                                        </p:cTn>
+                                        <p:tgtEl>
+                                          <p:spTgt spid="48131">
+                                            <p:txEl>
+                                              <p:pRg st="1" end="1"/>
+                                            </p:txEl>
+                                          </p:spTgt>
+                                        </p:tgtEl>
+                                        <p:attrNameLst>
+                                          <p:attrName>style.visibility</p:attrName>
+                                        </p:attrNameLst>
+                                      </p:cBhvr>
+                                      <p:to>
+                                        <p:strVal val="visible"/>
+                                      </p:to>
+                                    </p:set>
+                                    <p:animEffect transition="in" filter="fade">
+                                      <p:cBhvr>
+                                        <p:cTn id="14" dur="1000"/>
+                                        <p:tgtEl>
+                                          <p:spTgt spid="48131">
+                                            <p:txEl>
+                                              <p:pRg st="1" end="1"/>
+                                            </p:txEl>
+                                          </p:spTgt>
+                                        </p:tgtEl>
+                                      </p:cBhvr>
+                                    </p:animEffect>
+                                    <p:anim calcmode="lin" valueType="num">
+                                      <p:cBhvr>
+                                        <p:cTn id="15" dur="1000" fill="hold"/>
+                                        <p:tgtEl>
+                                          <p:spTgt spid="48131">
+                                            <p:txEl>
+                                              <p:pRg st="1" end="1"/>
+                                            </p:txEl>
+                                          </p:spTgt>
+                                        </p:tgtEl>
+                                        <p:attrNameLst>
+                                          <p:attrName>ppt_x</p:attrName>
+                                        </p:attrNameLst>
+                                      </p:cBhvr>
+                                      <p:tavLst>
+                                        <p:tav tm="0">
+                                          <p:val>
+                                            <p:strVal val="#ppt_x"/>
+                                          </p:val>
+                                        </p:tav>
+                                        <p:tav tm="100000">
+                                          <p:val>
+                                            <p:strVal val="#ppt_x"/>
+                                          </p:val>
+                                        </p:tav>
+                                      </p:tavLst>
+                                    </p:anim>
+                                    <p:anim calcmode="lin" valueType="num">
+                                      <p:cBhvr>
+                                        <p:cTn id="16" dur="1000" fill="hold"/>
+                                        <p:tgtEl>
+                                          <p:spTgt spid="48131">
+                                            <p:txEl>
+                                              <p:pRg st="1" end="1"/>
+                                            </p:txEl>
+                                          </p:spTgt>
+                                        </p:tgtEl>
+                                        <p:attrNameLst>
+                                          <p:attrName>ppt_y</p:attrName>
+                                        </p:attrNameLst>
+                                      </p:cBhvr>
+                                      <p:tavLst>
+                                        <p:tav tm="0">
+                                          <p:val>
+                                            <p:strVal val="#ppt_y+.1"/>
+                                          </p:val>
+                                        </p:tav>
+                                        <p:tav tm="100000">
+                                          <p:val>
+                                            <p:strVal val="#ppt_y"/>
+                                          </p:val>
+                                        </p:tav>
+                                      </p:tavLst>
+                                    </p:anim>
+                                  </p:childTnLst>
+                                </p:cTn>
+                              </p:par>
+                            </p:childTnLst>
+                          </p:cTn>
+                        </p:par>
+                      </p:childTnLst>
+                    </p:cTn>
+                  </p:par>
+                  <p:par>
+                    <p:cTn id="17" fill="hold" nodeType="clickPar">
+                      <p:stCondLst>
+                        <p:cond delay="indefinite"/>
+                      </p:stCondLst>
+                      <p:childTnLst>
+                        <p:par>
+                          <p:cTn id="18" fill="hold" nodeType="withGroup">
+                            <p:stCondLst>
+                              <p:cond delay="0"/>
+                            </p:stCondLst>
+                            <p:childTnLst>
+                              <p:par>
+                                <p:cTn id="19" presetID="42" presetClass="entr" presetSubtype="0" fill="hold" nodeType="clickEffect">
+                                  <p:stCondLst>
+                                    <p:cond delay="0"/>
+                                  </p:stCondLst>
+                                  <p:childTnLst>
+                                    <p:set>
+                                      <p:cBhvr>
+                                        <p:cTn id="20" dur="1" fill="hold">
+                                          <p:stCondLst>
+                                            <p:cond delay="0"/>
+                                          </p:stCondLst>
+                                        </p:cTn>
+                                        <p:tgtEl>
+                                          <p:spTgt spid="48131">
+                                            <p:txEl>
+                                              <p:pRg st="2" end="2"/>
+                                            </p:txEl>
+                                          </p:spTgt>
+                                        </p:tgtEl>
+                                        <p:attrNameLst>
+                                          <p:attrName>style.visibility</p:attrName>
+                                        </p:attrNameLst>
+                                      </p:cBhvr>
+                                      <p:to>
+                                        <p:strVal val="visible"/>
+                                      </p:to>
+                                    </p:set>
+                                    <p:animEffect transition="in" filter="fade">
+                                      <p:cBhvr>
+                                        <p:cTn id="21" dur="1000"/>
+                                        <p:tgtEl>
+                                          <p:spTgt spid="48131">
+                                            <p:txEl>
+                                              <p:pRg st="2" end="2"/>
+                                            </p:txEl>
+                                          </p:spTgt>
+                                        </p:tgtEl>
+                                      </p:cBhvr>
+                                    </p:animEffect>
+                                    <p:anim calcmode="lin" valueType="num">
+                                      <p:cBhvr>
+                                        <p:cTn id="22" dur="1000" fill="hold"/>
+                                        <p:tgtEl>
+                                          <p:spTgt spid="48131">
+                                            <p:txEl>
+                                              <p:pRg st="2" end="2"/>
+                                            </p:txEl>
+                                          </p:spTgt>
+                                        </p:tgtEl>
+                                        <p:attrNameLst>
+                                          <p:attrName>ppt_x</p:attrName>
+                                        </p:attrNameLst>
+                                      </p:cBhvr>
+                                      <p:tavLst>
+                                        <p:tav tm="0">
+                                          <p:val>
+                                            <p:strVal val="#ppt_x"/>
+                                          </p:val>
+                                        </p:tav>
+                                        <p:tav tm="100000">
+                                          <p:val>
+                                            <p:strVal val="#ppt_x"/>
+                                          </p:val>
+                                        </p:tav>
+                                      </p:tavLst>
+                                    </p:anim>
+                                    <p:anim calcmode="lin" valueType="num">
+                                      <p:cBhvr>
+                                        <p:cTn id="23" dur="1000" fill="hold"/>
+                                        <p:tgtEl>
+                                          <p:spTgt spid="48131">
+                                            <p:txEl>
+                                              <p:pRg st="2" end="2"/>
+                                            </p:txEl>
+                                          </p:spTgt>
+                                        </p:tgtEl>
+                                        <p:attrNameLst>
+                                          <p:attrName>ppt_y</p:attrName>
+                                        </p:attrNameLst>
+                                      </p:cBhvr>
+                                      <p:tavLst>
+                                        <p:tav tm="0">
+                                          <p:val>
+                                            <p:strVal val="#ppt_y+.1"/>
+                                          </p:val>
+                                        </p:tav>
+                                        <p:tav tm="100000">
+                                          <p:val>
+                                            <p:strVal val="#ppt_y"/>
+                                          </p:val>
+                                        </p:tav>
+                                      </p:tavLst>
+                                    </p:anim>
+                                  </p:childTnLst>
+                                </p:cTn>
+                              </p:par>
+                            </p:childTnLst>
+                          </p:cTn>
+                        </p:par>
+                      </p:childTnLst>
+                    </p:cTn>
+                  </p:par>
+                </p:childTnLst>
+              </p:cTn>
+              <p:prevCondLst>
+                <p:cond evt="onPrev" delay="0">
+                  <p:tgtEl>
+                    <p:sldTgt/>
+                  </p:tgtEl>
+                </p:cond>
+              </p:prevCondLst>
+              <p:nextCondLst>
+                <p:cond evt="onNext" delay="0">
+                  <p:tgtEl>
+                    <p:sldTgt/>
+                  </p:tgtEl>
+                </p:cond>
+              </p:nextCondLst>
+            </p:seq>
+          </p:childTnLst>
+        </p:cTn>
       </p:par>
     </p:tnLst>
   </p:timing>
@@ -5169,49 +6824,258 @@
       </p:grpSpPr>
       <p:sp>
         <p:nvSpPr>
-          <p:cNvPr id="50" name="矩形 49"/>
+          <p:cNvPr id="4" name="矩形 3"/>
           <p:cNvSpPr/>
           <p:nvPr/>
         </p:nvSpPr>
         <p:spPr>
           <a:xfrm>
-            <a:off x="5258872" y="501134"/>
-            <a:ext cx="646331" cy="369332"/>
+            <a:off x="1160634" y="3257952"/>
+            <a:ext cx="10686197" cy="1477328"/>
           </a:xfrm>
           <a:prstGeom prst="rect">
             <a:avLst/>
           </a:prstGeom>
         </p:spPr>
         <p:txBody>
+          <a:bodyPr wrap="square">
+            <a:spAutoFit/>
+          </a:bodyPr>
+          <a:lstStyle/>
+          <a:p>
+            <a:r>
+              <a:rPr lang="zh-CN" altLang="en-US" b="0" i="0" dirty="0">
+                <a:solidFill>
+                  <a:srgbClr val="333333"/>
+                </a:solidFill>
+                <a:effectLst/>
+                <a:latin typeface="arial" panose="020B0604020202020204" pitchFamily="34" charset="0"/>
+              </a:rPr>
+              <a:t>维多利亚的秘密</a:t>
+            </a:r>
+            <a:r>
+              <a:rPr lang="zh-CN" altLang="en-US" b="0" i="1" dirty="0">
+                <a:solidFill>
+                  <a:srgbClr val="333333"/>
+                </a:solidFill>
+                <a:effectLst/>
+                <a:latin typeface="arial" panose="020B0604020202020204" pitchFamily="34" charset="0"/>
+              </a:rPr>
+              <a:t>（英文：</a:t>
+            </a:r>
+            <a:r>
+              <a:rPr lang="en-US" altLang="zh-CN" b="0" i="1" dirty="0">
+                <a:solidFill>
+                  <a:srgbClr val="333333"/>
+                </a:solidFill>
+                <a:effectLst/>
+                <a:latin typeface="arial" panose="020B0604020202020204" pitchFamily="34" charset="0"/>
+              </a:rPr>
+              <a:t>Victoria's Secret</a:t>
+            </a:r>
+            <a:r>
+              <a:rPr lang="zh-CN" altLang="en-US" b="0" i="1" dirty="0">
+                <a:solidFill>
+                  <a:srgbClr val="333333"/>
+                </a:solidFill>
+                <a:effectLst/>
+                <a:latin typeface="arial" panose="020B0604020202020204" pitchFamily="34" charset="0"/>
+              </a:rPr>
+              <a:t>，简称“</a:t>
+            </a:r>
+            <a:r>
+              <a:rPr lang="en-US" altLang="zh-CN" b="0" i="1" dirty="0">
+                <a:solidFill>
+                  <a:srgbClr val="333333"/>
+                </a:solidFill>
+                <a:effectLst/>
+                <a:latin typeface="arial" panose="020B0604020202020204" pitchFamily="34" charset="0"/>
+              </a:rPr>
+              <a:t>VS”</a:t>
+            </a:r>
+            <a:r>
+              <a:rPr lang="zh-CN" altLang="en-US" b="0" i="1" dirty="0">
+                <a:solidFill>
+                  <a:srgbClr val="333333"/>
+                </a:solidFill>
+                <a:effectLst/>
+                <a:latin typeface="arial" panose="020B0604020202020204" pitchFamily="34" charset="0"/>
+              </a:rPr>
+              <a:t>）</a:t>
+            </a:r>
+            <a:r>
+              <a:rPr lang="zh-CN" altLang="en-US" b="0" i="0" dirty="0">
+                <a:solidFill>
+                  <a:srgbClr val="333333"/>
+                </a:solidFill>
+                <a:effectLst/>
+                <a:latin typeface="arial" panose="020B0604020202020204" pitchFamily="34" charset="0"/>
+              </a:rPr>
+              <a:t>是美国的一家连锁女性成衣零售店，主要经营内衣和文胸等。</a:t>
+            </a:r>
+          </a:p>
+          <a:p>
+            <a:r>
+              <a:rPr lang="zh-CN" altLang="en-US" b="0" i="0" dirty="0">
+                <a:solidFill>
+                  <a:srgbClr val="333333"/>
+                </a:solidFill>
+                <a:effectLst/>
+                <a:latin typeface="arial" panose="020B0604020202020204" pitchFamily="34" charset="0"/>
+              </a:rPr>
+              <a:t>产品种类包括了女士内衣、</a:t>
+            </a:r>
+            <a:r>
+              <a:rPr lang="zh-CN" altLang="en-US" b="0" i="0" u="none" strike="noStrike" dirty="0">
+                <a:solidFill>
+                  <a:srgbClr val="136EC2"/>
+                </a:solidFill>
+                <a:effectLst/>
+                <a:latin typeface="arial" panose="020B0604020202020204" pitchFamily="34" charset="0"/>
+                <a:hlinkClick r:id="rId2"/>
+              </a:rPr>
+              <a:t>文胸</a:t>
+            </a:r>
+            <a:r>
+              <a:rPr lang="zh-CN" altLang="en-US" b="0" i="0" dirty="0">
+                <a:solidFill>
+                  <a:srgbClr val="333333"/>
+                </a:solidFill>
+                <a:effectLst/>
+                <a:latin typeface="arial" panose="020B0604020202020204" pitchFamily="34" charset="0"/>
+              </a:rPr>
+              <a:t>、内裤、泳装、休闲女装、女鞋、化妆品及各种</a:t>
+            </a:r>
+            <a:r>
+              <a:rPr lang="zh-CN" altLang="en-US" b="0" i="0" u="none" strike="noStrike" dirty="0">
+                <a:solidFill>
+                  <a:srgbClr val="136EC2"/>
+                </a:solidFill>
+                <a:effectLst/>
+                <a:latin typeface="arial" panose="020B0604020202020204" pitchFamily="34" charset="0"/>
+                <a:hlinkClick r:id="rId3"/>
+              </a:rPr>
+              <a:t>配套服装</a:t>
+            </a:r>
+            <a:r>
+              <a:rPr lang="zh-CN" altLang="en-US" b="0" i="0" dirty="0">
+                <a:solidFill>
+                  <a:srgbClr val="333333"/>
+                </a:solidFill>
+                <a:effectLst/>
+                <a:latin typeface="arial" panose="020B0604020202020204" pitchFamily="34" charset="0"/>
+              </a:rPr>
+              <a:t>、豪华短裤、香水化妆品以及相关书籍等，是全球最著名的、</a:t>
+            </a:r>
+            <a:r>
+              <a:rPr lang="zh-CN" altLang="en-US" b="0" i="0" u="none" strike="noStrike" dirty="0">
+                <a:solidFill>
+                  <a:srgbClr val="136EC2"/>
+                </a:solidFill>
+                <a:effectLst/>
+                <a:latin typeface="arial" panose="020B0604020202020204" pitchFamily="34" charset="0"/>
+                <a:hlinkClick r:id="rId4"/>
+              </a:rPr>
+              <a:t>性感内衣</a:t>
+            </a:r>
+            <a:r>
+              <a:rPr lang="zh-CN" altLang="en-US" b="0" i="0" dirty="0">
+                <a:solidFill>
+                  <a:srgbClr val="333333"/>
+                </a:solidFill>
+                <a:effectLst/>
+                <a:latin typeface="arial" panose="020B0604020202020204" pitchFamily="34" charset="0"/>
+              </a:rPr>
+              <a:t>品牌之一。</a:t>
+            </a:r>
+            <a:r>
+              <a:rPr lang="en-US" altLang="zh-CN" b="0" i="0" dirty="0">
+                <a:solidFill>
+                  <a:srgbClr val="333333"/>
+                </a:solidFill>
+                <a:effectLst/>
+                <a:latin typeface="arial" panose="020B0604020202020204" pitchFamily="34" charset="0"/>
+              </a:rPr>
+              <a:t>2002</a:t>
+            </a:r>
+            <a:r>
+              <a:rPr lang="zh-CN" altLang="en-US" b="0" i="0" dirty="0">
+                <a:solidFill>
+                  <a:srgbClr val="333333"/>
+                </a:solidFill>
+                <a:effectLst/>
+                <a:latin typeface="arial" panose="020B0604020202020204" pitchFamily="34" charset="0"/>
+              </a:rPr>
+              <a:t>年它推出的镶嵌宝石、价值</a:t>
+            </a:r>
+            <a:r>
+              <a:rPr lang="en-US" altLang="zh-CN" b="0" i="0" dirty="0">
+                <a:solidFill>
+                  <a:srgbClr val="333333"/>
+                </a:solidFill>
+                <a:effectLst/>
+                <a:latin typeface="arial" panose="020B0604020202020204" pitchFamily="34" charset="0"/>
+              </a:rPr>
+              <a:t>1000</a:t>
+            </a:r>
+            <a:r>
+              <a:rPr lang="zh-CN" altLang="en-US" b="0" i="0" dirty="0">
+                <a:solidFill>
+                  <a:srgbClr val="333333"/>
+                </a:solidFill>
+                <a:effectLst/>
+                <a:latin typeface="arial" panose="020B0604020202020204" pitchFamily="34" charset="0"/>
+              </a:rPr>
+              <a:t>万美元的胸罩更是轰动美国和巴西。 </a:t>
+            </a:r>
+          </a:p>
+        </p:txBody>
+      </p:sp>
+      <p:sp>
+        <p:nvSpPr>
+          <p:cNvPr id="3" name="矩形 2"/>
+          <p:cNvSpPr/>
+          <p:nvPr/>
+        </p:nvSpPr>
+        <p:spPr>
+          <a:xfrm>
+            <a:off x="2102528" y="2030388"/>
+            <a:ext cx="8802410" cy="830997"/>
+          </a:xfrm>
+          <a:prstGeom prst="rect">
+            <a:avLst/>
+          </a:prstGeom>
+        </p:spPr>
+        <p:txBody>
           <a:bodyPr wrap="none">
             <a:spAutoFit/>
           </a:bodyPr>
           <a:lstStyle/>
           <a:p>
             <a:r>
-              <a:rPr lang="zh-CN" altLang="en-US" dirty="0"/>
-              <a:t>翅膀</a:t>
-            </a:r>
+              <a:rPr lang="zh-CN" altLang="en-US" sz="4800" dirty="0">
+                <a:solidFill>
+                  <a:srgbClr val="000000"/>
+                </a:solidFill>
+                <a:latin typeface="SimSun" panose="02010600030101010101" pitchFamily="2" charset="-122"/>
+                <a:ea typeface="SimSun" panose="02010600030101010101" pitchFamily="2" charset="-122"/>
+              </a:rPr>
+              <a:t>维多利亚的秘密就是卖内衣的吗</a:t>
+            </a:r>
+            <a:endParaRPr lang="zh-CN" altLang="en-US" sz="4800" dirty="0"/>
           </a:p>
         </p:txBody>
       </p:sp>
     </p:spTree>
     <p:extLst>
       <p:ext uri="{BB962C8B-B14F-4D97-AF65-F5344CB8AC3E}">
-        <p14:creationId xmlns:p14="http://schemas.microsoft.com/office/powerpoint/2010/main" val="2744261869"/>
+        <p14:creationId xmlns:p14="http://schemas.microsoft.com/office/powerpoint/2010/main" val="1434498344"/>
       </p:ext>
     </p:extLst>
   </p:cSld>
   <p:clrMapOvr>
     <a:masterClrMapping/>
   </p:clrMapOvr>
-  <p:timing>
-    <p:tnLst>
-      <p:par>
-        <p:cTn id="1" dur="indefinite" restart="never" nodeType="tmRoot"/>
-      </p:par>
-    </p:tnLst>
-  </p:timing>
 </p:sld>
 </file>
 
@@ -5234,39 +7098,332 @@
       </p:grpSpPr>
       <p:sp>
         <p:nvSpPr>
-          <p:cNvPr id="50" name="矩形 49"/>
-          <p:cNvSpPr/>
-          <p:nvPr/>
+          <p:cNvPr id="32770" name="Rectangle 2">
+            <a:extLst>
+              <a:ext uri="{FF2B5EF4-FFF2-40B4-BE49-F238E27FC236}">
+                <a16:creationId xmlns:a16="http://schemas.microsoft.com/office/drawing/2014/main" id="{391F3380-A0BC-4C90-8F64-D4B7F93C2140}"/>
+              </a:ext>
+            </a:extLst>
+          </p:cNvPr>
+          <p:cNvSpPr>
+            <a:spLocks noGrp="1" noChangeArrowheads="1"/>
+          </p:cNvSpPr>
+          <p:nvPr>
+            <p:ph type="title"/>
+          </p:nvPr>
         </p:nvSpPr>
         <p:spPr>
           <a:xfrm>
-            <a:off x="5258872" y="501134"/>
-            <a:ext cx="1107996" cy="369332"/>
+            <a:off x="1981199" y="715890"/>
+            <a:ext cx="6734175" cy="944563"/>
           </a:xfrm>
-          <a:prstGeom prst="rect">
-            <a:avLst/>
-          </a:prstGeom>
         </p:spPr>
         <p:txBody>
-          <a:bodyPr wrap="none">
-            <a:spAutoFit/>
+          <a:bodyPr/>
+          <a:lstStyle/>
+          <a:p>
+            <a:r>
+              <a:rPr lang="zh-CN" altLang="en-US" sz="3200" dirty="0"/>
+              <a:t>内衣界的春晚</a:t>
+            </a:r>
+          </a:p>
+        </p:txBody>
+      </p:sp>
+      <p:sp>
+        <p:nvSpPr>
+          <p:cNvPr id="48131" name="Rectangle 3">
+            <a:extLst>
+              <a:ext uri="{FF2B5EF4-FFF2-40B4-BE49-F238E27FC236}">
+                <a16:creationId xmlns:a16="http://schemas.microsoft.com/office/drawing/2014/main" id="{1041A92B-0639-4C0E-8E5E-935ECA926772}"/>
+              </a:ext>
+            </a:extLst>
+          </p:cNvPr>
+          <p:cNvSpPr>
+            <a:spLocks noGrp="1" noChangeArrowheads="1"/>
+          </p:cNvSpPr>
+          <p:nvPr>
+            <p:ph type="body" sz="half" idx="1"/>
+          </p:nvPr>
+        </p:nvSpPr>
+        <p:spPr>
+          <a:xfrm>
+            <a:off x="1981199" y="1935162"/>
+            <a:ext cx="8119403" cy="4015471"/>
+          </a:xfrm>
+        </p:spPr>
+        <p:txBody>
+          <a:bodyPr>
+            <a:normAutofit fontScale="92500" lnSpcReduction="10000"/>
           </a:bodyPr>
           <a:lstStyle/>
           <a:p>
-            <a:r>
-              <a:rPr lang="zh-CN" altLang="en-US" dirty="0" smtClean="0"/>
-              <a:t>表演嘉宾</a:t>
-            </a:r>
-            <a:endParaRPr lang="zh-CN" altLang="en-US" dirty="0"/>
+            <a:pPr eaLnBrk="1" hangingPunct="1"/>
+            <a:r>
+              <a:rPr lang="zh-CN" altLang="zh-CN" sz="2000" dirty="0">
+                <a:ea typeface="宋体" panose="02010600030101010101" pitchFamily="2" charset="-122"/>
+              </a:rPr>
+              <a:t>它用穷奢极欲的场面绘制出一场拉斯维加斯式的豪华春梦。</a:t>
+            </a:r>
+            <a:endParaRPr lang="en-US" altLang="zh-CN" sz="2000" dirty="0">
+              <a:ea typeface="宋体" panose="02010600030101010101" pitchFamily="2" charset="-122"/>
+            </a:endParaRPr>
+          </a:p>
+          <a:p>
+            <a:pPr eaLnBrk="1" hangingPunct="1"/>
+            <a:r>
+              <a:rPr lang="zh-CN" altLang="zh-CN" sz="2000" dirty="0">
+                <a:ea typeface="宋体" panose="02010600030101010101" pitchFamily="2" charset="-122"/>
+              </a:rPr>
+              <a:t>一场长达</a:t>
+            </a:r>
+            <a:r>
+              <a:rPr lang="en-US" altLang="zh-CN" sz="2000" dirty="0">
+                <a:ea typeface="宋体" panose="02010600030101010101" pitchFamily="2" charset="-122"/>
+              </a:rPr>
+              <a:t>1</a:t>
+            </a:r>
+            <a:r>
+              <a:rPr lang="zh-CN" altLang="zh-CN" sz="2000" dirty="0">
+                <a:ea typeface="宋体" panose="02010600030101010101" pitchFamily="2" charset="-122"/>
+              </a:rPr>
+              <a:t>个小时的电视录播，节目制作费超过</a:t>
+            </a:r>
+            <a:r>
+              <a:rPr lang="en-US" altLang="zh-CN" sz="2000" dirty="0">
+                <a:ea typeface="宋体" panose="02010600030101010101" pitchFamily="2" charset="-122"/>
+              </a:rPr>
+              <a:t>1200</a:t>
+            </a:r>
+            <a:r>
+              <a:rPr lang="zh-CN" altLang="zh-CN" sz="2000" dirty="0">
+                <a:ea typeface="宋体" panose="02010600030101010101" pitchFamily="2" charset="-122"/>
+              </a:rPr>
+              <a:t>万美元，</a:t>
+            </a:r>
+            <a:r>
+              <a:rPr lang="en-US" altLang="zh-CN" sz="2000" dirty="0">
+                <a:ea typeface="宋体" panose="02010600030101010101" pitchFamily="2" charset="-122"/>
+              </a:rPr>
+              <a:t>Rihanna</a:t>
+            </a:r>
+            <a:r>
+              <a:rPr lang="zh-CN" altLang="zh-CN" sz="2000" dirty="0">
+                <a:ea typeface="宋体" panose="02010600030101010101" pitchFamily="2" charset="-122"/>
+              </a:rPr>
+              <a:t>、</a:t>
+            </a:r>
+            <a:r>
+              <a:rPr lang="en-US" altLang="zh-CN" sz="2000" dirty="0">
+                <a:ea typeface="宋体" panose="02010600030101010101" pitchFamily="2" charset="-122"/>
+              </a:rPr>
+              <a:t>Jay Z</a:t>
+            </a:r>
+            <a:r>
+              <a:rPr lang="zh-CN" altLang="zh-CN" sz="2000" dirty="0">
+                <a:ea typeface="宋体" panose="02010600030101010101" pitchFamily="2" charset="-122"/>
+              </a:rPr>
+              <a:t>、</a:t>
+            </a:r>
+            <a:r>
+              <a:rPr lang="en-US" altLang="zh-CN" sz="2000" dirty="0">
+                <a:ea typeface="宋体" panose="02010600030101010101" pitchFamily="2" charset="-122"/>
+              </a:rPr>
+              <a:t>Katy Perry</a:t>
+            </a:r>
+            <a:r>
+              <a:rPr lang="zh-CN" altLang="zh-CN" sz="2000" dirty="0">
+                <a:ea typeface="宋体" panose="02010600030101010101" pitchFamily="2" charset="-122"/>
+              </a:rPr>
+              <a:t>、</a:t>
+            </a:r>
+            <a:r>
+              <a:rPr lang="en-US" altLang="zh-CN" sz="2000" dirty="0">
+                <a:ea typeface="宋体" panose="02010600030101010101" pitchFamily="2" charset="-122"/>
+              </a:rPr>
+              <a:t>Kanye West</a:t>
+            </a:r>
+            <a:r>
+              <a:rPr lang="zh-CN" altLang="zh-CN" sz="2000" dirty="0">
+                <a:ea typeface="宋体" panose="02010600030101010101" pitchFamily="2" charset="-122"/>
+              </a:rPr>
+              <a:t>等巨星登台伴唱，</a:t>
+            </a:r>
+            <a:r>
+              <a:rPr lang="en-US" altLang="zh-CN" sz="2000" dirty="0">
+                <a:ea typeface="宋体" panose="02010600030101010101" pitchFamily="2" charset="-122"/>
+              </a:rPr>
+              <a:t>180</a:t>
+            </a:r>
+            <a:r>
+              <a:rPr lang="zh-CN" altLang="zh-CN" sz="2000" dirty="0">
+                <a:ea typeface="宋体" panose="02010600030101010101" pitchFamily="2" charset="-122"/>
+              </a:rPr>
+              <a:t>个国家转播，</a:t>
+            </a:r>
+            <a:r>
+              <a:rPr lang="en-US" altLang="zh-CN" sz="2000" dirty="0">
+                <a:ea typeface="宋体" panose="02010600030101010101" pitchFamily="2" charset="-122"/>
+              </a:rPr>
+              <a:t>10</a:t>
+            </a:r>
+            <a:r>
+              <a:rPr lang="zh-CN" altLang="zh-CN" sz="2000" dirty="0">
+                <a:ea typeface="宋体" panose="02010600030101010101" pitchFamily="2" charset="-122"/>
+              </a:rPr>
+              <a:t>亿观众，这不是格莱美颁奖，只是一场内衣走秀。</a:t>
+            </a:r>
+            <a:endParaRPr lang="en-US" altLang="zh-CN" sz="2000" dirty="0">
+              <a:ea typeface="宋体" panose="02010600030101010101" pitchFamily="2" charset="-122"/>
+            </a:endParaRPr>
+          </a:p>
+          <a:p>
+            <a:pPr eaLnBrk="1" hangingPunct="1"/>
+            <a:r>
+              <a:rPr lang="zh-CN" altLang="zh-CN" sz="2000" dirty="0">
+                <a:ea typeface="宋体" panose="02010600030101010101" pitchFamily="2" charset="-122"/>
+              </a:rPr>
+              <a:t>从上世纪</a:t>
+            </a:r>
+            <a:r>
+              <a:rPr lang="en-US" altLang="zh-CN" sz="2000" dirty="0">
+                <a:ea typeface="宋体" panose="02010600030101010101" pitchFamily="2" charset="-122"/>
+              </a:rPr>
+              <a:t>90</a:t>
+            </a:r>
+            <a:r>
+              <a:rPr lang="zh-CN" altLang="zh-CN" sz="2000" dirty="0">
+                <a:ea typeface="宋体" panose="02010600030101010101" pitchFamily="2" charset="-122"/>
+              </a:rPr>
+              <a:t>年代起，已经延续了</a:t>
+            </a:r>
+            <a:r>
+              <a:rPr lang="en-US" altLang="zh-CN" sz="2000" dirty="0">
+                <a:ea typeface="宋体" panose="02010600030101010101" pitchFamily="2" charset="-122"/>
+              </a:rPr>
+              <a:t>18</a:t>
+            </a:r>
+            <a:r>
+              <a:rPr lang="zh-CN" altLang="zh-CN" sz="2000" dirty="0">
+                <a:ea typeface="宋体" panose="02010600030101010101" pitchFamily="2" charset="-122"/>
+              </a:rPr>
+              <a:t>年的一年一度“维多利亚的秘密”内衣秀</a:t>
+            </a:r>
+            <a:r>
+              <a:rPr lang="en-US" altLang="zh-CN" sz="2000" dirty="0">
+                <a:ea typeface="宋体" panose="02010600030101010101" pitchFamily="2" charset="-122"/>
+              </a:rPr>
+              <a:t>(Victoria</a:t>
+            </a:r>
+            <a:r>
+              <a:rPr lang="zh-CN" altLang="zh-CN" sz="2000" dirty="0">
+                <a:ea typeface="宋体" panose="02010600030101010101" pitchFamily="2" charset="-122"/>
+              </a:rPr>
+              <a:t>’</a:t>
+            </a:r>
+            <a:r>
+              <a:rPr lang="en-US" altLang="zh-CN" sz="2000" dirty="0">
+                <a:ea typeface="宋体" panose="02010600030101010101" pitchFamily="2" charset="-122"/>
+              </a:rPr>
+              <a:t>s Secret Fashion Show)</a:t>
+            </a:r>
+            <a:r>
+              <a:rPr lang="zh-CN" altLang="zh-CN" sz="2000" dirty="0">
+                <a:ea typeface="宋体" panose="02010600030101010101" pitchFamily="2" charset="-122"/>
+              </a:rPr>
+              <a:t>，用穷奢极欲的场面绘制出一场拉斯维加斯式的豪华春梦：最棒的妞，最美的臀部，最绮丽的场景，最惊悚的配饰，最诱人的内衣，最红的乐队，并以上千万美金的钻石内衣压轴</a:t>
+            </a:r>
+            <a:r>
+              <a:rPr lang="zh-CN" altLang="en-US" sz="2000" dirty="0">
+                <a:ea typeface="宋体" panose="02010600030101010101" pitchFamily="2" charset="-122"/>
+              </a:rPr>
+              <a:t>。</a:t>
+            </a:r>
+            <a:endParaRPr lang="en-US" altLang="zh-CN" sz="2000" dirty="0">
+              <a:ea typeface="宋体" panose="02010600030101010101" pitchFamily="2" charset="-122"/>
+            </a:endParaRPr>
+          </a:p>
+          <a:p>
+            <a:r>
+              <a:rPr lang="zh-CN" altLang="en-US" sz="2000" dirty="0">
+                <a:solidFill>
+                  <a:srgbClr val="000000"/>
+                </a:solidFill>
+                <a:latin typeface="SimSun" panose="02010600030101010101" pitchFamily="2" charset="-122"/>
+                <a:ea typeface="SimSun" panose="02010600030101010101" pitchFamily="2" charset="-122"/>
+              </a:rPr>
+              <a:t>从 </a:t>
+            </a:r>
+            <a:r>
+              <a:rPr lang="en-US" altLang="zh-CN" sz="2000" dirty="0">
+                <a:solidFill>
+                  <a:srgbClr val="000000"/>
+                </a:solidFill>
+                <a:latin typeface="NimbusRomNo9L-Regu"/>
+              </a:rPr>
+              <a:t>1995 </a:t>
+            </a:r>
+            <a:r>
+              <a:rPr lang="zh-CN" altLang="en-US" sz="2000" dirty="0">
+                <a:solidFill>
+                  <a:srgbClr val="000000"/>
+                </a:solidFill>
+                <a:latin typeface="SimSun" panose="02010600030101010101" pitchFamily="2" charset="-122"/>
+                <a:ea typeface="SimSun" panose="02010600030101010101" pitchFamily="2" charset="-122"/>
+              </a:rPr>
+              <a:t>年开始， 维秘一年一度的时装秀场就如同时装界的超级碗。 隆重庆典吸引了来自全世界超过 </a:t>
+            </a:r>
+            <a:r>
+              <a:rPr lang="en-US" altLang="zh-CN" sz="2000" dirty="0">
+                <a:solidFill>
+                  <a:srgbClr val="000000"/>
+                </a:solidFill>
+                <a:latin typeface="NimbusRomNo9L-Regu"/>
+              </a:rPr>
+              <a:t>180 </a:t>
+            </a:r>
+            <a:r>
+              <a:rPr lang="zh-CN" altLang="en-US" sz="2000" dirty="0">
+                <a:solidFill>
+                  <a:srgbClr val="000000"/>
+                </a:solidFill>
+                <a:latin typeface="SimSun" panose="02010600030101010101" pitchFamily="2" charset="-122"/>
+                <a:ea typeface="SimSun" panose="02010600030101010101" pitchFamily="2" charset="-122"/>
+              </a:rPr>
+              <a:t>个国家和地区的观众。</a:t>
+            </a:r>
+            <a:r>
+              <a:rPr lang="zh-CN" altLang="en-US" sz="2000" dirty="0"/>
+              <a:t> </a:t>
+            </a:r>
+            <a:endParaRPr lang="en-US" altLang="zh-CN" sz="2000" dirty="0"/>
+          </a:p>
+          <a:p>
+            <a:pPr eaLnBrk="1" hangingPunct="1"/>
+            <a:endParaRPr lang="en-US" altLang="zh-CN" sz="2000" dirty="0">
+              <a:ea typeface="宋体" panose="02010600030101010101" pitchFamily="2" charset="-122"/>
+            </a:endParaRPr>
+          </a:p>
+          <a:p>
+            <a:pPr eaLnBrk="1" hangingPunct="1"/>
+            <a:r>
+              <a:rPr lang="zh-CN" altLang="zh-CN" sz="2000" dirty="0">
+                <a:ea typeface="宋体" panose="02010600030101010101" pitchFamily="2" charset="-122"/>
+              </a:rPr>
+              <a:t>一切无所不用其极，它已经脱离一场时装秀的范畴，它更像一次用内衣来演绎的性高潮。</a:t>
+            </a:r>
+            <a:endParaRPr lang="en-US" altLang="zh-CN" sz="2000" dirty="0">
+              <a:ea typeface="宋体" panose="02010600030101010101" pitchFamily="2" charset="-122"/>
+            </a:endParaRPr>
+          </a:p>
+          <a:p>
+            <a:pPr eaLnBrk="1" hangingPunct="1"/>
+            <a:endParaRPr lang="en-US" altLang="zh-CN" sz="2000" dirty="0">
+              <a:ea typeface="宋体" panose="02010600030101010101" pitchFamily="2" charset="-122"/>
+            </a:endParaRPr>
           </a:p>
         </p:txBody>
       </p:sp>
     </p:spTree>
-    <p:extLst>
-      <p:ext uri="{BB962C8B-B14F-4D97-AF65-F5344CB8AC3E}">
-        <p14:creationId xmlns:p14="http://schemas.microsoft.com/office/powerpoint/2010/main" val="3635737253"/>
-      </p:ext>
-    </p:extLst>
   </p:cSld>
   <p:clrMapOvr>
     <a:masterClrMapping/>
@@ -5274,7 +7431,335 @@
   <p:timing>
     <p:tnLst>
       <p:par>
-        <p:cTn id="1" dur="indefinite" restart="never" nodeType="tmRoot"/>
+        <p:cTn id="1" dur="indefinite" restart="never" nodeType="tmRoot">
+          <p:childTnLst>
+            <p:seq concurrent="1" nextAc="seek">
+              <p:cTn id="2" dur="indefinite" nodeType="mainSeq">
+                <p:childTnLst>
+                  <p:par>
+                    <p:cTn id="3" fill="hold" nodeType="clickPar">
+                      <p:stCondLst>
+                        <p:cond delay="indefinite"/>
+                      </p:stCondLst>
+                      <p:childTnLst>
+                        <p:par>
+                          <p:cTn id="4" fill="hold" nodeType="withGroup">
+                            <p:stCondLst>
+                              <p:cond delay="0"/>
+                            </p:stCondLst>
+                            <p:childTnLst>
+                              <p:par>
+                                <p:cTn id="5" presetID="14" presetClass="entr" presetSubtype="10" fill="hold" nodeType="clickEffect">
+                                  <p:stCondLst>
+                                    <p:cond delay="0"/>
+                                  </p:stCondLst>
+                                  <p:childTnLst>
+                                    <p:set>
+                                      <p:cBhvr>
+                                        <p:cTn id="6" dur="1" fill="hold">
+                                          <p:stCondLst>
+                                            <p:cond delay="0"/>
+                                          </p:stCondLst>
+                                        </p:cTn>
+                                        <p:tgtEl>
+                                          <p:spTgt spid="48131">
+                                            <p:txEl>
+                                              <p:pRg st="0" end="0"/>
+                                            </p:txEl>
+                                          </p:spTgt>
+                                        </p:tgtEl>
+                                        <p:attrNameLst>
+                                          <p:attrName>style.visibility</p:attrName>
+                                        </p:attrNameLst>
+                                      </p:cBhvr>
+                                      <p:to>
+                                        <p:strVal val="visible"/>
+                                      </p:to>
+                                    </p:set>
+                                    <p:animEffect transition="in" filter="randombar(horizontal)">
+                                      <p:cBhvr>
+                                        <p:cTn id="7" dur="500"/>
+                                        <p:tgtEl>
+                                          <p:spTgt spid="48131">
+                                            <p:txEl>
+                                              <p:pRg st="0" end="0"/>
+                                            </p:txEl>
+                                          </p:spTgt>
+                                        </p:tgtEl>
+                                      </p:cBhvr>
+                                    </p:animEffect>
+                                  </p:childTnLst>
+                                </p:cTn>
+                              </p:par>
+                            </p:childTnLst>
+                          </p:cTn>
+                        </p:par>
+                      </p:childTnLst>
+                    </p:cTn>
+                  </p:par>
+                  <p:par>
+                    <p:cTn id="8" fill="hold" nodeType="clickPar">
+                      <p:stCondLst>
+                        <p:cond delay="indefinite"/>
+                      </p:stCondLst>
+                      <p:childTnLst>
+                        <p:par>
+                          <p:cTn id="9" fill="hold" nodeType="withGroup">
+                            <p:stCondLst>
+                              <p:cond delay="0"/>
+                            </p:stCondLst>
+                            <p:childTnLst>
+                              <p:par>
+                                <p:cTn id="10" presetID="14" presetClass="entr" presetSubtype="10" fill="hold" nodeType="clickEffect">
+                                  <p:stCondLst>
+                                    <p:cond delay="0"/>
+                                  </p:stCondLst>
+                                  <p:childTnLst>
+                                    <p:set>
+                                      <p:cBhvr>
+                                        <p:cTn id="11" dur="1" fill="hold">
+                                          <p:stCondLst>
+                                            <p:cond delay="0"/>
+                                          </p:stCondLst>
+                                        </p:cTn>
+                                        <p:tgtEl>
+                                          <p:spTgt spid="48131">
+                                            <p:txEl>
+                                              <p:pRg st="1" end="1"/>
+                                            </p:txEl>
+                                          </p:spTgt>
+                                        </p:tgtEl>
+                                        <p:attrNameLst>
+                                          <p:attrName>style.visibility</p:attrName>
+                                        </p:attrNameLst>
+                                      </p:cBhvr>
+                                      <p:to>
+                                        <p:strVal val="visible"/>
+                                      </p:to>
+                                    </p:set>
+                                    <p:animEffect transition="in" filter="randombar(horizontal)">
+                                      <p:cBhvr>
+                                        <p:cTn id="12" dur="500"/>
+                                        <p:tgtEl>
+                                          <p:spTgt spid="48131">
+                                            <p:txEl>
+                                              <p:pRg st="1" end="1"/>
+                                            </p:txEl>
+                                          </p:spTgt>
+                                        </p:tgtEl>
+                                      </p:cBhvr>
+                                    </p:animEffect>
+                                  </p:childTnLst>
+                                </p:cTn>
+                              </p:par>
+                            </p:childTnLst>
+                          </p:cTn>
+                        </p:par>
+                      </p:childTnLst>
+                    </p:cTn>
+                  </p:par>
+                  <p:par>
+                    <p:cTn id="13" fill="hold" nodeType="clickPar">
+                      <p:stCondLst>
+                        <p:cond delay="indefinite"/>
+                      </p:stCondLst>
+                      <p:childTnLst>
+                        <p:par>
+                          <p:cTn id="14" fill="hold" nodeType="withGroup">
+                            <p:stCondLst>
+                              <p:cond delay="0"/>
+                            </p:stCondLst>
+                            <p:childTnLst>
+                              <p:par>
+                                <p:cTn id="15" presetID="14" presetClass="entr" presetSubtype="10" fill="hold" nodeType="clickEffect">
+                                  <p:stCondLst>
+                                    <p:cond delay="0"/>
+                                  </p:stCondLst>
+                                  <p:childTnLst>
+                                    <p:set>
+                                      <p:cBhvr>
+                                        <p:cTn id="16" dur="1" fill="hold">
+                                          <p:stCondLst>
+                                            <p:cond delay="0"/>
+                                          </p:stCondLst>
+                                        </p:cTn>
+                                        <p:tgtEl>
+                                          <p:spTgt spid="48131">
+                                            <p:txEl>
+                                              <p:pRg st="2" end="2"/>
+                                            </p:txEl>
+                                          </p:spTgt>
+                                        </p:tgtEl>
+                                        <p:attrNameLst>
+                                          <p:attrName>style.visibility</p:attrName>
+                                        </p:attrNameLst>
+                                      </p:cBhvr>
+                                      <p:to>
+                                        <p:strVal val="visible"/>
+                                      </p:to>
+                                    </p:set>
+                                    <p:animEffect transition="in" filter="randombar(horizontal)">
+                                      <p:cBhvr>
+                                        <p:cTn id="17" dur="500"/>
+                                        <p:tgtEl>
+                                          <p:spTgt spid="48131">
+                                            <p:txEl>
+                                              <p:pRg st="2" end="2"/>
+                                            </p:txEl>
+                                          </p:spTgt>
+                                        </p:tgtEl>
+                                      </p:cBhvr>
+                                    </p:animEffect>
+                                  </p:childTnLst>
+                                </p:cTn>
+                              </p:par>
+                            </p:childTnLst>
+                          </p:cTn>
+                        </p:par>
+                      </p:childTnLst>
+                    </p:cTn>
+                  </p:par>
+                  <p:par>
+                    <p:cTn id="18" fill="hold">
+                      <p:stCondLst>
+                        <p:cond delay="indefinite"/>
+                      </p:stCondLst>
+                      <p:childTnLst>
+                        <p:par>
+                          <p:cTn id="19" fill="hold">
+                            <p:stCondLst>
+                              <p:cond delay="0"/>
+                            </p:stCondLst>
+                            <p:childTnLst>
+                              <p:par>
+                                <p:cTn id="20" presetID="14" presetClass="entr" presetSubtype="10" fill="hold" nodeType="clickEffect">
+                                  <p:stCondLst>
+                                    <p:cond delay="0"/>
+                                  </p:stCondLst>
+                                  <p:childTnLst>
+                                    <p:set>
+                                      <p:cBhvr>
+                                        <p:cTn id="21" dur="1" fill="hold">
+                                          <p:stCondLst>
+                                            <p:cond delay="0"/>
+                                          </p:stCondLst>
+                                        </p:cTn>
+                                        <p:tgtEl>
+                                          <p:spTgt spid="48131">
+                                            <p:txEl>
+                                              <p:pRg st="3" end="3"/>
+                                            </p:txEl>
+                                          </p:spTgt>
+                                        </p:tgtEl>
+                                        <p:attrNameLst>
+                                          <p:attrName>style.visibility</p:attrName>
+                                        </p:attrNameLst>
+                                      </p:cBhvr>
+                                      <p:to>
+                                        <p:strVal val="visible"/>
+                                      </p:to>
+                                    </p:set>
+                                    <p:animEffect transition="in" filter="randombar(horizontal)">
+                                      <p:cBhvr>
+                                        <p:cTn id="22" dur="500"/>
+                                        <p:tgtEl>
+                                          <p:spTgt spid="48131">
+                                            <p:txEl>
+                                              <p:pRg st="3" end="3"/>
+                                            </p:txEl>
+                                          </p:spTgt>
+                                        </p:tgtEl>
+                                      </p:cBhvr>
+                                    </p:animEffect>
+                                  </p:childTnLst>
+                                </p:cTn>
+                              </p:par>
+                            </p:childTnLst>
+                          </p:cTn>
+                        </p:par>
+                      </p:childTnLst>
+                    </p:cTn>
+                  </p:par>
+                  <p:par>
+                    <p:cTn id="23" fill="hold" nodeType="clickPar">
+                      <p:stCondLst>
+                        <p:cond delay="indefinite"/>
+                      </p:stCondLst>
+                      <p:childTnLst>
+                        <p:par>
+                          <p:cTn id="24" fill="hold" nodeType="withGroup">
+                            <p:stCondLst>
+                              <p:cond delay="0"/>
+                            </p:stCondLst>
+                            <p:childTnLst>
+                              <p:par>
+                                <p:cTn id="25" presetID="14" presetClass="entr" presetSubtype="10" fill="hold" nodeType="clickEffect">
+                                  <p:stCondLst>
+                                    <p:cond delay="0"/>
+                                  </p:stCondLst>
+                                  <p:childTnLst>
+                                    <p:set>
+                                      <p:cBhvr>
+                                        <p:cTn id="26" dur="1" fill="hold">
+                                          <p:stCondLst>
+                                            <p:cond delay="0"/>
+                                          </p:stCondLst>
+                                        </p:cTn>
+                                        <p:tgtEl>
+                                          <p:spTgt spid="48131">
+                                            <p:txEl>
+                                              <p:pRg st="5" end="5"/>
+                                            </p:txEl>
+                                          </p:spTgt>
+                                        </p:tgtEl>
+                                        <p:attrNameLst>
+                                          <p:attrName>style.visibility</p:attrName>
+                                        </p:attrNameLst>
+                                      </p:cBhvr>
+                                      <p:to>
+                                        <p:strVal val="visible"/>
+                                      </p:to>
+                                    </p:set>
+                                    <p:animEffect transition="in" filter="randombar(horizontal)">
+                                      <p:cBhvr>
+                                        <p:cTn id="27" dur="500"/>
+                                        <p:tgtEl>
+                                          <p:spTgt spid="48131">
+                                            <p:txEl>
+                                              <p:pRg st="5" end="5"/>
+                                            </p:txEl>
+                                          </p:spTgt>
+                                        </p:tgtEl>
+                                      </p:cBhvr>
+                                    </p:animEffect>
+                                  </p:childTnLst>
+                                </p:cTn>
+                              </p:par>
+                            </p:childTnLst>
+                          </p:cTn>
+                        </p:par>
+                      </p:childTnLst>
+                    </p:cTn>
+                  </p:par>
+                </p:childTnLst>
+              </p:cTn>
+              <p:prevCondLst>
+                <p:cond evt="onPrev" delay="0">
+                  <p:tgtEl>
+                    <p:sldTgt/>
+                  </p:tgtEl>
+                </p:cond>
+              </p:prevCondLst>
+              <p:nextCondLst>
+                <p:cond evt="onNext" delay="0">
+                  <p:tgtEl>
+                    <p:sldTgt/>
+                  </p:tgtEl>
+                </p:cond>
+              </p:nextCondLst>
+            </p:seq>
+          </p:childTnLst>
+        </p:cTn>
       </p:par>
     </p:tnLst>
   </p:timing>
